--- a/rs232.pptx
+++ b/rs232.pptx
@@ -26813,7 +26813,7 @@
           <a:p>
             <a:fld id="{71CFBC5D-DAFB-4263-8CE6-CC74E3B535DB}" type="datetimeFigureOut">
               <a:rPr lang="zh-TW" altLang="en-US" smtClean="0"/>
-              <a:t>2022/9/12</a:t>
+              <a:t>2022/9/13</a:t>
             </a:fld>
             <a:endParaRPr lang="zh-TW" altLang="en-US"/>
           </a:p>
@@ -27137,7 +27137,7 @@
           <a:p>
             <a:fld id="{71CFBC5D-DAFB-4263-8CE6-CC74E3B535DB}" type="datetimeFigureOut">
               <a:rPr lang="zh-TW" altLang="en-US" smtClean="0"/>
-              <a:t>2022/9/12</a:t>
+              <a:t>2022/9/13</a:t>
             </a:fld>
             <a:endParaRPr lang="zh-TW" altLang="en-US"/>
           </a:p>
@@ -27385,7 +27385,7 @@
           <a:p>
             <a:fld id="{71CFBC5D-DAFB-4263-8CE6-CC74E3B535DB}" type="datetimeFigureOut">
               <a:rPr lang="zh-TW" altLang="en-US" smtClean="0"/>
-              <a:t>2022/9/12</a:t>
+              <a:t>2022/9/13</a:t>
             </a:fld>
             <a:endParaRPr lang="zh-TW" altLang="en-US"/>
           </a:p>
@@ -27724,7 +27724,7 @@
           <a:p>
             <a:fld id="{71CFBC5D-DAFB-4263-8CE6-CC74E3B535DB}" type="datetimeFigureOut">
               <a:rPr lang="zh-TW" altLang="en-US" smtClean="0"/>
-              <a:t>2022/9/12</a:t>
+              <a:t>2022/9/13</a:t>
             </a:fld>
             <a:endParaRPr lang="zh-TW" altLang="en-US"/>
           </a:p>
@@ -28071,7 +28071,7 @@
           <a:p>
             <a:fld id="{71CFBC5D-DAFB-4263-8CE6-CC74E3B535DB}" type="datetimeFigureOut">
               <a:rPr lang="zh-TW" altLang="en-US" smtClean="0"/>
-              <a:t>2022/9/12</a:t>
+              <a:t>2022/9/13</a:t>
             </a:fld>
             <a:endParaRPr lang="zh-TW" altLang="en-US"/>
           </a:p>
@@ -28445,7 +28445,7 @@
           <a:p>
             <a:fld id="{71CFBC5D-DAFB-4263-8CE6-CC74E3B535DB}" type="datetimeFigureOut">
               <a:rPr lang="zh-TW" altLang="en-US" smtClean="0"/>
-              <a:t>2022/9/12</a:t>
+              <a:t>2022/9/13</a:t>
             </a:fld>
             <a:endParaRPr lang="zh-TW" altLang="en-US"/>
           </a:p>
@@ -28915,7 +28915,7 @@
           <a:p>
             <a:fld id="{71CFBC5D-DAFB-4263-8CE6-CC74E3B535DB}" type="datetimeFigureOut">
               <a:rPr lang="zh-TW" altLang="en-US" smtClean="0"/>
-              <a:t>2022/9/12</a:t>
+              <a:t>2022/9/13</a:t>
             </a:fld>
             <a:endParaRPr lang="zh-TW" altLang="en-US"/>
           </a:p>
@@ -29120,7 +29120,7 @@
           <a:p>
             <a:fld id="{71CFBC5D-DAFB-4263-8CE6-CC74E3B535DB}" type="datetimeFigureOut">
               <a:rPr lang="zh-TW" altLang="en-US" smtClean="0"/>
-              <a:t>2022/9/12</a:t>
+              <a:t>2022/9/13</a:t>
             </a:fld>
             <a:endParaRPr lang="zh-TW" altLang="en-US"/>
           </a:p>
@@ -29331,7 +29331,7 @@
           <a:p>
             <a:fld id="{71CFBC5D-DAFB-4263-8CE6-CC74E3B535DB}" type="datetimeFigureOut">
               <a:rPr lang="zh-TW" altLang="en-US" smtClean="0"/>
-              <a:t>2022/9/12</a:t>
+              <a:t>2022/9/13</a:t>
             </a:fld>
             <a:endParaRPr lang="zh-TW" altLang="en-US"/>
           </a:p>
@@ -29563,7 +29563,7 @@
           <a:p>
             <a:fld id="{71CFBC5D-DAFB-4263-8CE6-CC74E3B535DB}" type="datetimeFigureOut">
               <a:rPr lang="zh-TW" altLang="en-US" smtClean="0"/>
-              <a:t>2022/9/12</a:t>
+              <a:t>2022/9/13</a:t>
             </a:fld>
             <a:endParaRPr lang="zh-TW" altLang="en-US"/>
           </a:p>
@@ -29811,7 +29811,7 @@
           <a:p>
             <a:fld id="{71CFBC5D-DAFB-4263-8CE6-CC74E3B535DB}" type="datetimeFigureOut">
               <a:rPr lang="zh-TW" altLang="en-US" smtClean="0"/>
-              <a:t>2022/9/12</a:t>
+              <a:t>2022/9/13</a:t>
             </a:fld>
             <a:endParaRPr lang="zh-TW" altLang="en-US"/>
           </a:p>
@@ -30109,7 +30109,7 @@
           <a:p>
             <a:fld id="{71CFBC5D-DAFB-4263-8CE6-CC74E3B535DB}" type="datetimeFigureOut">
               <a:rPr lang="zh-TW" altLang="en-US" smtClean="0"/>
-              <a:t>2022/9/12</a:t>
+              <a:t>2022/9/13</a:t>
             </a:fld>
             <a:endParaRPr lang="zh-TW" altLang="en-US"/>
           </a:p>
@@ -30503,7 +30503,7 @@
           <a:p>
             <a:fld id="{71CFBC5D-DAFB-4263-8CE6-CC74E3B535DB}" type="datetimeFigureOut">
               <a:rPr lang="zh-TW" altLang="en-US" smtClean="0"/>
-              <a:t>2022/9/12</a:t>
+              <a:t>2022/9/13</a:t>
             </a:fld>
             <a:endParaRPr lang="zh-TW" altLang="en-US"/>
           </a:p>
@@ -30652,7 +30652,7 @@
           <a:p>
             <a:fld id="{71CFBC5D-DAFB-4263-8CE6-CC74E3B535DB}" type="datetimeFigureOut">
               <a:rPr lang="zh-TW" altLang="en-US" smtClean="0"/>
-              <a:t>2022/9/12</a:t>
+              <a:t>2022/9/13</a:t>
             </a:fld>
             <a:endParaRPr lang="zh-TW" altLang="en-US"/>
           </a:p>
@@ -30778,7 +30778,7 @@
           <a:p>
             <a:fld id="{71CFBC5D-DAFB-4263-8CE6-CC74E3B535DB}" type="datetimeFigureOut">
               <a:rPr lang="zh-TW" altLang="en-US" smtClean="0"/>
-              <a:t>2022/9/12</a:t>
+              <a:t>2022/9/13</a:t>
             </a:fld>
             <a:endParaRPr lang="zh-TW" altLang="en-US"/>
           </a:p>
@@ -31033,7 +31033,7 @@
           <a:p>
             <a:fld id="{71CFBC5D-DAFB-4263-8CE6-CC74E3B535DB}" type="datetimeFigureOut">
               <a:rPr lang="zh-TW" altLang="en-US" smtClean="0"/>
-              <a:t>2022/9/12</a:t>
+              <a:t>2022/9/13</a:t>
             </a:fld>
             <a:endParaRPr lang="zh-TW" altLang="en-US"/>
           </a:p>
@@ -31348,7 +31348,7 @@
           <a:p>
             <a:fld id="{71CFBC5D-DAFB-4263-8CE6-CC74E3B535DB}" type="datetimeFigureOut">
               <a:rPr lang="zh-TW" altLang="en-US" smtClean="0"/>
-              <a:t>2022/9/12</a:t>
+              <a:t>2022/9/13</a:t>
             </a:fld>
             <a:endParaRPr lang="zh-TW" altLang="en-US"/>
           </a:p>
@@ -31699,7 +31699,7 @@
           <a:p>
             <a:fld id="{71CFBC5D-DAFB-4263-8CE6-CC74E3B535DB}" type="datetimeFigureOut">
               <a:rPr lang="zh-TW" altLang="en-US" smtClean="0"/>
-              <a:t>2022/9/12</a:t>
+              <a:t>2022/9/13</a:t>
             </a:fld>
             <a:endParaRPr lang="zh-TW" altLang="en-US"/>
           </a:p>

--- a/rs232.pptx
+++ b/rs232.pptx
@@ -4,6 +4,9 @@
   <p:sldMasterIdLst>
     <p:sldMasterId id="2147483726" r:id="rId1"/>
   </p:sldMasterIdLst>
+  <p:notesMasterIdLst>
+    <p:notesMasterId r:id="rId21"/>
+  </p:notesMasterIdLst>
   <p:sldIdLst>
     <p:sldId id="256" r:id="rId2"/>
     <p:sldId id="257" r:id="rId3"/>
@@ -19,10 +22,11 @@
     <p:sldId id="270" r:id="rId13"/>
     <p:sldId id="271" r:id="rId14"/>
     <p:sldId id="266" r:id="rId15"/>
-    <p:sldId id="268" r:id="rId16"/>
-    <p:sldId id="265" r:id="rId17"/>
-    <p:sldId id="263" r:id="rId18"/>
-    <p:sldId id="273" r:id="rId19"/>
+    <p:sldId id="275" r:id="rId16"/>
+    <p:sldId id="268" r:id="rId17"/>
+    <p:sldId id="265" r:id="rId18"/>
+    <p:sldId id="263" r:id="rId19"/>
+    <p:sldId id="273" r:id="rId20"/>
   </p:sldIdLst>
   <p:sldSz cx="12192000" cy="6858000"/>
   <p:notesSz cx="6858000" cy="9144000"/>
@@ -20894,6 +20898,439 @@
 </dgm:styleDef>
 </file>
 
+<file path=ppt/notesMasters/notesMaster1.xml><?xml version="1.0" encoding="utf-8"?>
+<p:notesMaster xmlns:a="http://schemas.openxmlformats.org/drawingml/2006/main" xmlns:r="http://schemas.openxmlformats.org/officeDocument/2006/relationships" xmlns:p="http://schemas.openxmlformats.org/presentationml/2006/main">
+  <p:cSld>
+    <p:bg>
+      <p:bgRef idx="1001">
+        <a:schemeClr val="bg1"/>
+      </p:bgRef>
+    </p:bg>
+    <p:spTree>
+      <p:nvGrpSpPr>
+        <p:cNvPr id="1" name=""/>
+        <p:cNvGrpSpPr/>
+        <p:nvPr/>
+      </p:nvGrpSpPr>
+      <p:grpSpPr>
+        <a:xfrm>
+          <a:off x="0" y="0"/>
+          <a:ext cx="0" cy="0"/>
+          <a:chOff x="0" y="0"/>
+          <a:chExt cx="0" cy="0"/>
+        </a:xfrm>
+      </p:grpSpPr>
+      <p:sp>
+        <p:nvSpPr>
+          <p:cNvPr id="2" name="頁首版面配置區 1"/>
+          <p:cNvSpPr>
+            <a:spLocks noGrp="1"/>
+          </p:cNvSpPr>
+          <p:nvPr>
+            <p:ph type="hdr" sz="quarter"/>
+          </p:nvPr>
+        </p:nvSpPr>
+        <p:spPr>
+          <a:xfrm>
+            <a:off x="0" y="0"/>
+            <a:ext cx="2971800" cy="458788"/>
+          </a:xfrm>
+          <a:prstGeom prst="rect">
+            <a:avLst/>
+          </a:prstGeom>
+        </p:spPr>
+        <p:txBody>
+          <a:bodyPr vert="horz" lIns="91440" tIns="45720" rIns="91440" bIns="45720" rtlCol="0"/>
+          <a:lstStyle>
+            <a:lvl1pPr algn="l">
+              <a:defRPr sz="1200"/>
+            </a:lvl1pPr>
+          </a:lstStyle>
+          <a:p>
+            <a:endParaRPr lang="zh-TW" altLang="en-US"/>
+          </a:p>
+        </p:txBody>
+      </p:sp>
+      <p:sp>
+        <p:nvSpPr>
+          <p:cNvPr id="3" name="日期版面配置區 2"/>
+          <p:cNvSpPr>
+            <a:spLocks noGrp="1"/>
+          </p:cNvSpPr>
+          <p:nvPr>
+            <p:ph type="dt" idx="1"/>
+          </p:nvPr>
+        </p:nvSpPr>
+        <p:spPr>
+          <a:xfrm>
+            <a:off x="3884613" y="0"/>
+            <a:ext cx="2971800" cy="458788"/>
+          </a:xfrm>
+          <a:prstGeom prst="rect">
+            <a:avLst/>
+          </a:prstGeom>
+        </p:spPr>
+        <p:txBody>
+          <a:bodyPr vert="horz" lIns="91440" tIns="45720" rIns="91440" bIns="45720" rtlCol="0"/>
+          <a:lstStyle>
+            <a:lvl1pPr algn="r">
+              <a:defRPr sz="1200"/>
+            </a:lvl1pPr>
+          </a:lstStyle>
+          <a:p>
+            <a:fld id="{0011F089-D19C-4926-9A94-65B42CB8655F}" type="datetimeFigureOut">
+              <a:rPr lang="zh-TW" altLang="en-US" smtClean="0"/>
+              <a:t>2022/10/2</a:t>
+            </a:fld>
+            <a:endParaRPr lang="zh-TW" altLang="en-US"/>
+          </a:p>
+        </p:txBody>
+      </p:sp>
+      <p:sp>
+        <p:nvSpPr>
+          <p:cNvPr id="4" name="投影片影像版面配置區 3"/>
+          <p:cNvSpPr>
+            <a:spLocks noGrp="1" noRot="1" noChangeAspect="1"/>
+          </p:cNvSpPr>
+          <p:nvPr>
+            <p:ph type="sldImg" idx="2"/>
+          </p:nvPr>
+        </p:nvSpPr>
+        <p:spPr>
+          <a:xfrm>
+            <a:off x="685800" y="1143000"/>
+            <a:ext cx="5486400" cy="3086100"/>
+          </a:xfrm>
+          <a:prstGeom prst="rect">
+            <a:avLst/>
+          </a:prstGeom>
+          <a:noFill/>
+          <a:ln w="12700">
+            <a:solidFill>
+              <a:prstClr val="black"/>
+            </a:solidFill>
+          </a:ln>
+        </p:spPr>
+        <p:txBody>
+          <a:bodyPr vert="horz" lIns="91440" tIns="45720" rIns="91440" bIns="45720" rtlCol="0" anchor="ctr"/>
+          <a:lstStyle/>
+          <a:p>
+            <a:endParaRPr lang="zh-TW" altLang="en-US"/>
+          </a:p>
+        </p:txBody>
+      </p:sp>
+      <p:sp>
+        <p:nvSpPr>
+          <p:cNvPr id="5" name="備忘稿版面配置區 4"/>
+          <p:cNvSpPr>
+            <a:spLocks noGrp="1"/>
+          </p:cNvSpPr>
+          <p:nvPr>
+            <p:ph type="body" sz="quarter" idx="3"/>
+          </p:nvPr>
+        </p:nvSpPr>
+        <p:spPr>
+          <a:xfrm>
+            <a:off x="685800" y="4400550"/>
+            <a:ext cx="5486400" cy="3600450"/>
+          </a:xfrm>
+          <a:prstGeom prst="rect">
+            <a:avLst/>
+          </a:prstGeom>
+        </p:spPr>
+        <p:txBody>
+          <a:bodyPr vert="horz" lIns="91440" tIns="45720" rIns="91440" bIns="45720" rtlCol="0"/>
+          <a:lstStyle/>
+          <a:p>
+            <a:pPr lvl="0"/>
+            <a:r>
+              <a:rPr lang="zh-TW" altLang="en-US"/>
+              <a:t>按一下以編輯母片文字樣式</a:t>
+            </a:r>
+          </a:p>
+          <a:p>
+            <a:pPr lvl="1"/>
+            <a:r>
+              <a:rPr lang="zh-TW" altLang="en-US"/>
+              <a:t>第二層</a:t>
+            </a:r>
+          </a:p>
+          <a:p>
+            <a:pPr lvl="2"/>
+            <a:r>
+              <a:rPr lang="zh-TW" altLang="en-US"/>
+              <a:t>第三層</a:t>
+            </a:r>
+          </a:p>
+          <a:p>
+            <a:pPr lvl="3"/>
+            <a:r>
+              <a:rPr lang="zh-TW" altLang="en-US"/>
+              <a:t>第四層</a:t>
+            </a:r>
+          </a:p>
+          <a:p>
+            <a:pPr lvl="4"/>
+            <a:r>
+              <a:rPr lang="zh-TW" altLang="en-US"/>
+              <a:t>第五層</a:t>
+            </a:r>
+          </a:p>
+        </p:txBody>
+      </p:sp>
+      <p:sp>
+        <p:nvSpPr>
+          <p:cNvPr id="6" name="頁尾版面配置區 5"/>
+          <p:cNvSpPr>
+            <a:spLocks noGrp="1"/>
+          </p:cNvSpPr>
+          <p:nvPr>
+            <p:ph type="ftr" sz="quarter" idx="4"/>
+          </p:nvPr>
+        </p:nvSpPr>
+        <p:spPr>
+          <a:xfrm>
+            <a:off x="0" y="8685213"/>
+            <a:ext cx="2971800" cy="458787"/>
+          </a:xfrm>
+          <a:prstGeom prst="rect">
+            <a:avLst/>
+          </a:prstGeom>
+        </p:spPr>
+        <p:txBody>
+          <a:bodyPr vert="horz" lIns="91440" tIns="45720" rIns="91440" bIns="45720" rtlCol="0" anchor="b"/>
+          <a:lstStyle>
+            <a:lvl1pPr algn="l">
+              <a:defRPr sz="1200"/>
+            </a:lvl1pPr>
+          </a:lstStyle>
+          <a:p>
+            <a:endParaRPr lang="zh-TW" altLang="en-US"/>
+          </a:p>
+        </p:txBody>
+      </p:sp>
+      <p:sp>
+        <p:nvSpPr>
+          <p:cNvPr id="7" name="投影片編號版面配置區 6"/>
+          <p:cNvSpPr>
+            <a:spLocks noGrp="1"/>
+          </p:cNvSpPr>
+          <p:nvPr>
+            <p:ph type="sldNum" sz="quarter" idx="5"/>
+          </p:nvPr>
+        </p:nvSpPr>
+        <p:spPr>
+          <a:xfrm>
+            <a:off x="3884613" y="8685213"/>
+            <a:ext cx="2971800" cy="458787"/>
+          </a:xfrm>
+          <a:prstGeom prst="rect">
+            <a:avLst/>
+          </a:prstGeom>
+        </p:spPr>
+        <p:txBody>
+          <a:bodyPr vert="horz" lIns="91440" tIns="45720" rIns="91440" bIns="45720" rtlCol="0" anchor="b"/>
+          <a:lstStyle>
+            <a:lvl1pPr algn="r">
+              <a:defRPr sz="1200"/>
+            </a:lvl1pPr>
+          </a:lstStyle>
+          <a:p>
+            <a:fld id="{3A36A605-46A6-4521-94FD-BA518594B6F7}" type="slidenum">
+              <a:rPr lang="zh-TW" altLang="en-US" smtClean="0"/>
+              <a:t>‹#›</a:t>
+            </a:fld>
+            <a:endParaRPr lang="zh-TW" altLang="en-US"/>
+          </a:p>
+        </p:txBody>
+      </p:sp>
+    </p:spTree>
+    <p:extLst>
+      <p:ext uri="{BB962C8B-B14F-4D97-AF65-F5344CB8AC3E}">
+        <p14:creationId xmlns:p14="http://schemas.microsoft.com/office/powerpoint/2010/main" val="2059129739"/>
+      </p:ext>
+    </p:extLst>
+  </p:cSld>
+  <p:clrMap bg1="lt1" tx1="dk1" bg2="lt2" tx2="dk2" accent1="accent1" accent2="accent2" accent3="accent3" accent4="accent4" accent5="accent5" accent6="accent6" hlink="hlink" folHlink="folHlink"/>
+  <p:notesStyle>
+    <a:lvl1pPr marL="0" algn="l" defTabSz="914400" rtl="0" eaLnBrk="1" latinLnBrk="0" hangingPunct="1">
+      <a:defRPr sz="1200" kern="1200">
+        <a:solidFill>
+          <a:schemeClr val="tx1"/>
+        </a:solidFill>
+        <a:latin typeface="+mn-lt"/>
+        <a:ea typeface="+mn-ea"/>
+        <a:cs typeface="+mn-cs"/>
+      </a:defRPr>
+    </a:lvl1pPr>
+    <a:lvl2pPr marL="457200" algn="l" defTabSz="914400" rtl="0" eaLnBrk="1" latinLnBrk="0" hangingPunct="1">
+      <a:defRPr sz="1200" kern="1200">
+        <a:solidFill>
+          <a:schemeClr val="tx1"/>
+        </a:solidFill>
+        <a:latin typeface="+mn-lt"/>
+        <a:ea typeface="+mn-ea"/>
+        <a:cs typeface="+mn-cs"/>
+      </a:defRPr>
+    </a:lvl2pPr>
+    <a:lvl3pPr marL="914400" algn="l" defTabSz="914400" rtl="0" eaLnBrk="1" latinLnBrk="0" hangingPunct="1">
+      <a:defRPr sz="1200" kern="1200">
+        <a:solidFill>
+          <a:schemeClr val="tx1"/>
+        </a:solidFill>
+        <a:latin typeface="+mn-lt"/>
+        <a:ea typeface="+mn-ea"/>
+        <a:cs typeface="+mn-cs"/>
+      </a:defRPr>
+    </a:lvl3pPr>
+    <a:lvl4pPr marL="1371600" algn="l" defTabSz="914400" rtl="0" eaLnBrk="1" latinLnBrk="0" hangingPunct="1">
+      <a:defRPr sz="1200" kern="1200">
+        <a:solidFill>
+          <a:schemeClr val="tx1"/>
+        </a:solidFill>
+        <a:latin typeface="+mn-lt"/>
+        <a:ea typeface="+mn-ea"/>
+        <a:cs typeface="+mn-cs"/>
+      </a:defRPr>
+    </a:lvl4pPr>
+    <a:lvl5pPr marL="1828800" algn="l" defTabSz="914400" rtl="0" eaLnBrk="1" latinLnBrk="0" hangingPunct="1">
+      <a:defRPr sz="1200" kern="1200">
+        <a:solidFill>
+          <a:schemeClr val="tx1"/>
+        </a:solidFill>
+        <a:latin typeface="+mn-lt"/>
+        <a:ea typeface="+mn-ea"/>
+        <a:cs typeface="+mn-cs"/>
+      </a:defRPr>
+    </a:lvl5pPr>
+    <a:lvl6pPr marL="2286000" algn="l" defTabSz="914400" rtl="0" eaLnBrk="1" latinLnBrk="0" hangingPunct="1">
+      <a:defRPr sz="1200" kern="1200">
+        <a:solidFill>
+          <a:schemeClr val="tx1"/>
+        </a:solidFill>
+        <a:latin typeface="+mn-lt"/>
+        <a:ea typeface="+mn-ea"/>
+        <a:cs typeface="+mn-cs"/>
+      </a:defRPr>
+    </a:lvl6pPr>
+    <a:lvl7pPr marL="2743200" algn="l" defTabSz="914400" rtl="0" eaLnBrk="1" latinLnBrk="0" hangingPunct="1">
+      <a:defRPr sz="1200" kern="1200">
+        <a:solidFill>
+          <a:schemeClr val="tx1"/>
+        </a:solidFill>
+        <a:latin typeface="+mn-lt"/>
+        <a:ea typeface="+mn-ea"/>
+        <a:cs typeface="+mn-cs"/>
+      </a:defRPr>
+    </a:lvl7pPr>
+    <a:lvl8pPr marL="3200400" algn="l" defTabSz="914400" rtl="0" eaLnBrk="1" latinLnBrk="0" hangingPunct="1">
+      <a:defRPr sz="1200" kern="1200">
+        <a:solidFill>
+          <a:schemeClr val="tx1"/>
+        </a:solidFill>
+        <a:latin typeface="+mn-lt"/>
+        <a:ea typeface="+mn-ea"/>
+        <a:cs typeface="+mn-cs"/>
+      </a:defRPr>
+    </a:lvl8pPr>
+    <a:lvl9pPr marL="3657600" algn="l" defTabSz="914400" rtl="0" eaLnBrk="1" latinLnBrk="0" hangingPunct="1">
+      <a:defRPr sz="1200" kern="1200">
+        <a:solidFill>
+          <a:schemeClr val="tx1"/>
+        </a:solidFill>
+        <a:latin typeface="+mn-lt"/>
+        <a:ea typeface="+mn-ea"/>
+        <a:cs typeface="+mn-cs"/>
+      </a:defRPr>
+    </a:lvl9pPr>
+  </p:notesStyle>
+</p:notesMaster>
+</file>
+
+<file path=ppt/notesSlides/notesSlide1.xml><?xml version="1.0" encoding="utf-8"?>
+<p:notes xmlns:a="http://schemas.openxmlformats.org/drawingml/2006/main" xmlns:r="http://schemas.openxmlformats.org/officeDocument/2006/relationships" xmlns:p="http://schemas.openxmlformats.org/presentationml/2006/main">
+  <p:cSld>
+    <p:spTree>
+      <p:nvGrpSpPr>
+        <p:cNvPr id="1" name=""/>
+        <p:cNvGrpSpPr/>
+        <p:nvPr/>
+      </p:nvGrpSpPr>
+      <p:grpSpPr>
+        <a:xfrm>
+          <a:off x="0" y="0"/>
+          <a:ext cx="0" cy="0"/>
+          <a:chOff x="0" y="0"/>
+          <a:chExt cx="0" cy="0"/>
+        </a:xfrm>
+      </p:grpSpPr>
+      <p:sp>
+        <p:nvSpPr>
+          <p:cNvPr id="2" name="投影片影像版面配置區 1"/>
+          <p:cNvSpPr>
+            <a:spLocks noGrp="1" noRot="1" noChangeAspect="1"/>
+          </p:cNvSpPr>
+          <p:nvPr>
+            <p:ph type="sldImg"/>
+          </p:nvPr>
+        </p:nvSpPr>
+        <p:spPr/>
+      </p:sp>
+      <p:sp>
+        <p:nvSpPr>
+          <p:cNvPr id="3" name="備忘稿版面配置區 2"/>
+          <p:cNvSpPr>
+            <a:spLocks noGrp="1"/>
+          </p:cNvSpPr>
+          <p:nvPr>
+            <p:ph type="body" idx="1"/>
+          </p:nvPr>
+        </p:nvSpPr>
+        <p:spPr/>
+        <p:txBody>
+          <a:bodyPr/>
+          <a:lstStyle/>
+          <a:p>
+            <a:endParaRPr lang="zh-TW" altLang="en-US" dirty="0"/>
+          </a:p>
+        </p:txBody>
+      </p:sp>
+      <p:sp>
+        <p:nvSpPr>
+          <p:cNvPr id="4" name="投影片編號版面配置區 3"/>
+          <p:cNvSpPr>
+            <a:spLocks noGrp="1"/>
+          </p:cNvSpPr>
+          <p:nvPr>
+            <p:ph type="sldNum" sz="quarter" idx="5"/>
+          </p:nvPr>
+        </p:nvSpPr>
+        <p:spPr/>
+        <p:txBody>
+          <a:bodyPr/>
+          <a:lstStyle/>
+          <a:p>
+            <a:fld id="{3A36A605-46A6-4521-94FD-BA518594B6F7}" type="slidenum">
+              <a:rPr lang="zh-TW" altLang="en-US" smtClean="0"/>
+              <a:t>15</a:t>
+            </a:fld>
+            <a:endParaRPr lang="zh-TW" altLang="en-US"/>
+          </a:p>
+        </p:txBody>
+      </p:sp>
+    </p:spTree>
+    <p:extLst>
+      <p:ext uri="{BB962C8B-B14F-4D97-AF65-F5344CB8AC3E}">
+        <p14:creationId xmlns:p14="http://schemas.microsoft.com/office/powerpoint/2010/main" val="1152169035"/>
+      </p:ext>
+    </p:extLst>
+  </p:cSld>
+  <p:clrMapOvr>
+    <a:masterClrMapping/>
+  </p:clrMapOvr>
+</p:notes>
+</file>
+
 <file path=ppt/slideLayouts/slideLayout1.xml><?xml version="1.0" encoding="utf-8"?>
 <p:sldLayout xmlns:a="http://schemas.openxmlformats.org/drawingml/2006/main" xmlns:r="http://schemas.openxmlformats.org/officeDocument/2006/relationships" xmlns:p="http://schemas.openxmlformats.org/presentationml/2006/main" showMasterSp="0" type="title" preserve="1">
   <p:cSld name="標題投影片">
@@ -21225,7 +21662,7 @@
           <a:p>
             <a:fld id="{71CFBC5D-DAFB-4263-8CE6-CC74E3B535DB}" type="datetimeFigureOut">
               <a:rPr lang="zh-TW" altLang="en-US" smtClean="0"/>
-              <a:t>2022/9/27</a:t>
+              <a:t>2022/10/2</a:t>
             </a:fld>
             <a:endParaRPr lang="zh-TW" altLang="en-US"/>
           </a:p>
@@ -21549,7 +21986,7 @@
           <a:p>
             <a:fld id="{71CFBC5D-DAFB-4263-8CE6-CC74E3B535DB}" type="datetimeFigureOut">
               <a:rPr lang="zh-TW" altLang="en-US" smtClean="0"/>
-              <a:t>2022/9/27</a:t>
+              <a:t>2022/10/2</a:t>
             </a:fld>
             <a:endParaRPr lang="zh-TW" altLang="en-US"/>
           </a:p>
@@ -21797,7 +22234,7 @@
           <a:p>
             <a:fld id="{71CFBC5D-DAFB-4263-8CE6-CC74E3B535DB}" type="datetimeFigureOut">
               <a:rPr lang="zh-TW" altLang="en-US" smtClean="0"/>
-              <a:t>2022/9/27</a:t>
+              <a:t>2022/10/2</a:t>
             </a:fld>
             <a:endParaRPr lang="zh-TW" altLang="en-US"/>
           </a:p>
@@ -22136,7 +22573,7 @@
           <a:p>
             <a:fld id="{71CFBC5D-DAFB-4263-8CE6-CC74E3B535DB}" type="datetimeFigureOut">
               <a:rPr lang="zh-TW" altLang="en-US" smtClean="0"/>
-              <a:t>2022/9/27</a:t>
+              <a:t>2022/10/2</a:t>
             </a:fld>
             <a:endParaRPr lang="zh-TW" altLang="en-US"/>
           </a:p>
@@ -22483,7 +22920,7 @@
           <a:p>
             <a:fld id="{71CFBC5D-DAFB-4263-8CE6-CC74E3B535DB}" type="datetimeFigureOut">
               <a:rPr lang="zh-TW" altLang="en-US" smtClean="0"/>
-              <a:t>2022/9/27</a:t>
+              <a:t>2022/10/2</a:t>
             </a:fld>
             <a:endParaRPr lang="zh-TW" altLang="en-US"/>
           </a:p>
@@ -22857,7 +23294,7 @@
           <a:p>
             <a:fld id="{71CFBC5D-DAFB-4263-8CE6-CC74E3B535DB}" type="datetimeFigureOut">
               <a:rPr lang="zh-TW" altLang="en-US" smtClean="0"/>
-              <a:t>2022/9/27</a:t>
+              <a:t>2022/10/2</a:t>
             </a:fld>
             <a:endParaRPr lang="zh-TW" altLang="en-US"/>
           </a:p>
@@ -23327,7 +23764,7 @@
           <a:p>
             <a:fld id="{71CFBC5D-DAFB-4263-8CE6-CC74E3B535DB}" type="datetimeFigureOut">
               <a:rPr lang="zh-TW" altLang="en-US" smtClean="0"/>
-              <a:t>2022/9/27</a:t>
+              <a:t>2022/10/2</a:t>
             </a:fld>
             <a:endParaRPr lang="zh-TW" altLang="en-US"/>
           </a:p>
@@ -23532,7 +23969,7 @@
           <a:p>
             <a:fld id="{71CFBC5D-DAFB-4263-8CE6-CC74E3B535DB}" type="datetimeFigureOut">
               <a:rPr lang="zh-TW" altLang="en-US" smtClean="0"/>
-              <a:t>2022/9/27</a:t>
+              <a:t>2022/10/2</a:t>
             </a:fld>
             <a:endParaRPr lang="zh-TW" altLang="en-US"/>
           </a:p>
@@ -23743,7 +24180,7 @@
           <a:p>
             <a:fld id="{71CFBC5D-DAFB-4263-8CE6-CC74E3B535DB}" type="datetimeFigureOut">
               <a:rPr lang="zh-TW" altLang="en-US" smtClean="0"/>
-              <a:t>2022/9/27</a:t>
+              <a:t>2022/10/2</a:t>
             </a:fld>
             <a:endParaRPr lang="zh-TW" altLang="en-US"/>
           </a:p>
@@ -23975,7 +24412,7 @@
           <a:p>
             <a:fld id="{71CFBC5D-DAFB-4263-8CE6-CC74E3B535DB}" type="datetimeFigureOut">
               <a:rPr lang="zh-TW" altLang="en-US" smtClean="0"/>
-              <a:t>2022/9/27</a:t>
+              <a:t>2022/10/2</a:t>
             </a:fld>
             <a:endParaRPr lang="zh-TW" altLang="en-US"/>
           </a:p>
@@ -24223,7 +24660,7 @@
           <a:p>
             <a:fld id="{71CFBC5D-DAFB-4263-8CE6-CC74E3B535DB}" type="datetimeFigureOut">
               <a:rPr lang="zh-TW" altLang="en-US" smtClean="0"/>
-              <a:t>2022/9/27</a:t>
+              <a:t>2022/10/2</a:t>
             </a:fld>
             <a:endParaRPr lang="zh-TW" altLang="en-US"/>
           </a:p>
@@ -24521,7 +24958,7 @@
           <a:p>
             <a:fld id="{71CFBC5D-DAFB-4263-8CE6-CC74E3B535DB}" type="datetimeFigureOut">
               <a:rPr lang="zh-TW" altLang="en-US" smtClean="0"/>
-              <a:t>2022/9/27</a:t>
+              <a:t>2022/10/2</a:t>
             </a:fld>
             <a:endParaRPr lang="zh-TW" altLang="en-US"/>
           </a:p>
@@ -24915,7 +25352,7 @@
           <a:p>
             <a:fld id="{71CFBC5D-DAFB-4263-8CE6-CC74E3B535DB}" type="datetimeFigureOut">
               <a:rPr lang="zh-TW" altLang="en-US" smtClean="0"/>
-              <a:t>2022/9/27</a:t>
+              <a:t>2022/10/2</a:t>
             </a:fld>
             <a:endParaRPr lang="zh-TW" altLang="en-US"/>
           </a:p>
@@ -25064,7 +25501,7 @@
           <a:p>
             <a:fld id="{71CFBC5D-DAFB-4263-8CE6-CC74E3B535DB}" type="datetimeFigureOut">
               <a:rPr lang="zh-TW" altLang="en-US" smtClean="0"/>
-              <a:t>2022/9/27</a:t>
+              <a:t>2022/10/2</a:t>
             </a:fld>
             <a:endParaRPr lang="zh-TW" altLang="en-US"/>
           </a:p>
@@ -25190,7 +25627,7 @@
           <a:p>
             <a:fld id="{71CFBC5D-DAFB-4263-8CE6-CC74E3B535DB}" type="datetimeFigureOut">
               <a:rPr lang="zh-TW" altLang="en-US" smtClean="0"/>
-              <a:t>2022/9/27</a:t>
+              <a:t>2022/10/2</a:t>
             </a:fld>
             <a:endParaRPr lang="zh-TW" altLang="en-US"/>
           </a:p>
@@ -25445,7 +25882,7 @@
           <a:p>
             <a:fld id="{71CFBC5D-DAFB-4263-8CE6-CC74E3B535DB}" type="datetimeFigureOut">
               <a:rPr lang="zh-TW" altLang="en-US" smtClean="0"/>
-              <a:t>2022/9/27</a:t>
+              <a:t>2022/10/2</a:t>
             </a:fld>
             <a:endParaRPr lang="zh-TW" altLang="en-US"/>
           </a:p>
@@ -25760,7 +26197,7 @@
           <a:p>
             <a:fld id="{71CFBC5D-DAFB-4263-8CE6-CC74E3B535DB}" type="datetimeFigureOut">
               <a:rPr lang="zh-TW" altLang="en-US" smtClean="0"/>
-              <a:t>2022/9/27</a:t>
+              <a:t>2022/10/2</a:t>
             </a:fld>
             <a:endParaRPr lang="zh-TW" altLang="en-US"/>
           </a:p>
@@ -26111,7 +26548,7 @@
           <a:p>
             <a:fld id="{71CFBC5D-DAFB-4263-8CE6-CC74E3B535DB}" type="datetimeFigureOut">
               <a:rPr lang="zh-TW" altLang="en-US" smtClean="0"/>
-              <a:t>2022/9/27</a:t>
+              <a:t>2022/10/2</a:t>
             </a:fld>
             <a:endParaRPr lang="zh-TW" altLang="en-US"/>
           </a:p>
@@ -27476,7 +27913,7 @@
             </a:pPr>
             <a:r>
               <a:rPr lang="en-US" altLang="zh-TW" sz="1800" dirty="0"/>
-              <a:t>x~4x</a:t>
+              <a:t>x~5x</a:t>
             </a:r>
             <a:r>
               <a:rPr lang="zh-TW" altLang="en-US" sz="1800" dirty="0"/>
@@ -27484,7 +27921,7 @@
             </a:r>
             <a:r>
               <a:rPr lang="en-US" altLang="zh-TW" sz="1800" dirty="0"/>
-              <a:t>5x</a:t>
+              <a:t>6x</a:t>
             </a:r>
             <a:r>
               <a:rPr lang="zh-TW" altLang="en-US" sz="1800" dirty="0"/>
@@ -27492,7 +27929,7 @@
             </a:r>
             <a:r>
               <a:rPr lang="en-US" altLang="zh-TW" sz="1800" dirty="0"/>
-              <a:t>6x~9x</a:t>
+              <a:t>7x~11x</a:t>
             </a:r>
             <a:r>
               <a:rPr lang="zh-TW" altLang="en-US" sz="1800" dirty="0"/>
@@ -27500,7 +27937,7 @@
             </a:r>
             <a:r>
               <a:rPr lang="en-US" altLang="zh-TW" sz="1800" dirty="0"/>
-              <a:t>10x</a:t>
+              <a:t>12x</a:t>
             </a:r>
             <a:r>
               <a:rPr lang="zh-TW" altLang="en-US" sz="1800" dirty="0"/>
@@ -27578,7 +28015,7 @@
             </a:r>
             <a:r>
               <a:rPr lang="en-US" altLang="zh-TW" sz="1800" dirty="0"/>
-              <a:t>x~4x</a:t>
+              <a:t>x~5x</a:t>
             </a:r>
             <a:r>
               <a:rPr lang="zh-TW" altLang="en-US" sz="1800" dirty="0"/>
@@ -27625,6 +28062,5074 @@
 </file>
 
 <file path=ppt/slides/slide15.xml><?xml version="1.0" encoding="utf-8"?>
+<p:sld xmlns:a="http://schemas.openxmlformats.org/drawingml/2006/main" xmlns:r="http://schemas.openxmlformats.org/officeDocument/2006/relationships" xmlns:p="http://schemas.openxmlformats.org/presentationml/2006/main">
+  <p:cSld>
+    <p:spTree>
+      <p:nvGrpSpPr>
+        <p:cNvPr id="1" name=""/>
+        <p:cNvGrpSpPr/>
+        <p:nvPr/>
+      </p:nvGrpSpPr>
+      <p:grpSpPr>
+        <a:xfrm>
+          <a:off x="0" y="0"/>
+          <a:ext cx="0" cy="0"/>
+          <a:chOff x="0" y="0"/>
+          <a:chExt cx="0" cy="0"/>
+        </a:xfrm>
+      </p:grpSpPr>
+      <p:sp>
+        <p:nvSpPr>
+          <p:cNvPr id="2" name="標題 1">
+            <a:extLst>
+              <a:ext uri="{FF2B5EF4-FFF2-40B4-BE49-F238E27FC236}">
+                <a16:creationId xmlns:a16="http://schemas.microsoft.com/office/drawing/2014/main" id="{D7D8BB4C-DAB1-41B8-408F-275C4E6509D8}"/>
+              </a:ext>
+            </a:extLst>
+          </p:cNvPr>
+          <p:cNvSpPr>
+            <a:spLocks noGrp="1"/>
+          </p:cNvSpPr>
+          <p:nvPr>
+            <p:ph type="title"/>
+          </p:nvPr>
+        </p:nvSpPr>
+        <p:spPr/>
+        <p:txBody>
+          <a:bodyPr/>
+          <a:lstStyle/>
+          <a:p>
+            <a:endParaRPr lang="zh-TW" altLang="en-US" dirty="0"/>
+          </a:p>
+        </p:txBody>
+      </p:sp>
+      <p:pic>
+        <p:nvPicPr>
+          <p:cNvPr id="5" name="內容版面配置區 4">
+            <a:extLst>
+              <a:ext uri="{FF2B5EF4-FFF2-40B4-BE49-F238E27FC236}">
+                <a16:creationId xmlns:a16="http://schemas.microsoft.com/office/drawing/2014/main" id="{05D0E4C8-801E-50C6-638A-29A0C2012993}"/>
+              </a:ext>
+            </a:extLst>
+          </p:cNvPr>
+          <p:cNvPicPr>
+            <a:picLocks noGrp="1" noChangeAspect="1"/>
+          </p:cNvPicPr>
+          <p:nvPr>
+            <p:ph idx="1"/>
+          </p:nvPr>
+        </p:nvPicPr>
+        <p:blipFill>
+          <a:blip r:embed="rId3"/>
+          <a:stretch>
+            <a:fillRect/>
+          </a:stretch>
+        </p:blipFill>
+        <p:spPr>
+          <a:xfrm>
+            <a:off x="1295402" y="2419350"/>
+            <a:ext cx="9601195" cy="1036382"/>
+          </a:xfrm>
+          <a:ln w="19050">
+            <a:solidFill>
+              <a:srgbClr val="FFC000"/>
+            </a:solidFill>
+          </a:ln>
+        </p:spPr>
+      </p:pic>
+      <p:cxnSp>
+        <p:nvCxnSpPr>
+          <p:cNvPr id="7" name="直線接點 6">
+            <a:extLst>
+              <a:ext uri="{FF2B5EF4-FFF2-40B4-BE49-F238E27FC236}">
+                <a16:creationId xmlns:a16="http://schemas.microsoft.com/office/drawing/2014/main" id="{510EB850-8852-1BBD-03BF-AD05DCE1C4DF}"/>
+              </a:ext>
+            </a:extLst>
+          </p:cNvPr>
+          <p:cNvCxnSpPr/>
+          <p:nvPr/>
+        </p:nvCxnSpPr>
+        <p:spPr>
+          <a:xfrm flipV="1">
+            <a:off x="4756150" y="2584450"/>
+            <a:ext cx="0" cy="1066800"/>
+          </a:xfrm>
+          <a:prstGeom prst="line">
+            <a:avLst/>
+          </a:prstGeom>
+          <a:ln w="12700">
+            <a:solidFill>
+              <a:srgbClr val="FF0000"/>
+            </a:solidFill>
+          </a:ln>
+        </p:spPr>
+        <p:style>
+          <a:lnRef idx="2">
+            <a:schemeClr val="accent5"/>
+          </a:lnRef>
+          <a:fillRef idx="0">
+            <a:schemeClr val="accent5"/>
+          </a:fillRef>
+          <a:effectRef idx="1">
+            <a:schemeClr val="accent5"/>
+          </a:effectRef>
+          <a:fontRef idx="minor">
+            <a:schemeClr val="tx1"/>
+          </a:fontRef>
+        </p:style>
+      </p:cxnSp>
+      <p:cxnSp>
+        <p:nvCxnSpPr>
+          <p:cNvPr id="8" name="直線接點 7">
+            <a:extLst>
+              <a:ext uri="{FF2B5EF4-FFF2-40B4-BE49-F238E27FC236}">
+                <a16:creationId xmlns:a16="http://schemas.microsoft.com/office/drawing/2014/main" id="{3F640644-8A70-9E63-D22D-3E8DBCB8FCF2}"/>
+              </a:ext>
+            </a:extLst>
+          </p:cNvPr>
+          <p:cNvCxnSpPr/>
+          <p:nvPr/>
+        </p:nvCxnSpPr>
+        <p:spPr>
+          <a:xfrm flipV="1">
+            <a:off x="4292600" y="2584450"/>
+            <a:ext cx="0" cy="1066800"/>
+          </a:xfrm>
+          <a:prstGeom prst="line">
+            <a:avLst/>
+          </a:prstGeom>
+          <a:ln w="12700">
+            <a:solidFill>
+              <a:srgbClr val="FF0000"/>
+            </a:solidFill>
+          </a:ln>
+        </p:spPr>
+        <p:style>
+          <a:lnRef idx="2">
+            <a:schemeClr val="accent5"/>
+          </a:lnRef>
+          <a:fillRef idx="0">
+            <a:schemeClr val="accent5"/>
+          </a:fillRef>
+          <a:effectRef idx="1">
+            <a:schemeClr val="accent5"/>
+          </a:effectRef>
+          <a:fontRef idx="minor">
+            <a:schemeClr val="tx1"/>
+          </a:fontRef>
+        </p:style>
+      </p:cxnSp>
+      <p:cxnSp>
+        <p:nvCxnSpPr>
+          <p:cNvPr id="9" name="直線接點 8">
+            <a:extLst>
+              <a:ext uri="{FF2B5EF4-FFF2-40B4-BE49-F238E27FC236}">
+                <a16:creationId xmlns:a16="http://schemas.microsoft.com/office/drawing/2014/main" id="{DFBEBE8B-56F1-9EB2-9698-D801F4A1AB0C}"/>
+              </a:ext>
+            </a:extLst>
+          </p:cNvPr>
+          <p:cNvCxnSpPr/>
+          <p:nvPr/>
+        </p:nvCxnSpPr>
+        <p:spPr>
+          <a:xfrm flipV="1">
+            <a:off x="3822700" y="2584450"/>
+            <a:ext cx="0" cy="1066800"/>
+          </a:xfrm>
+          <a:prstGeom prst="line">
+            <a:avLst/>
+          </a:prstGeom>
+          <a:ln w="12700">
+            <a:solidFill>
+              <a:srgbClr val="FF0000"/>
+            </a:solidFill>
+          </a:ln>
+        </p:spPr>
+        <p:style>
+          <a:lnRef idx="2">
+            <a:schemeClr val="accent5"/>
+          </a:lnRef>
+          <a:fillRef idx="0">
+            <a:schemeClr val="accent5"/>
+          </a:fillRef>
+          <a:effectRef idx="1">
+            <a:schemeClr val="accent5"/>
+          </a:effectRef>
+          <a:fontRef idx="minor">
+            <a:schemeClr val="tx1"/>
+          </a:fontRef>
+        </p:style>
+      </p:cxnSp>
+      <p:sp>
+        <p:nvSpPr>
+          <p:cNvPr id="20" name="矩形 19">
+            <a:extLst>
+              <a:ext uri="{FF2B5EF4-FFF2-40B4-BE49-F238E27FC236}">
+                <a16:creationId xmlns:a16="http://schemas.microsoft.com/office/drawing/2014/main" id="{3FE41EAF-427C-BC35-8EA8-254481EBCF90}"/>
+              </a:ext>
+            </a:extLst>
+          </p:cNvPr>
+          <p:cNvSpPr/>
+          <p:nvPr/>
+        </p:nvSpPr>
+        <p:spPr>
+          <a:xfrm>
+            <a:off x="3359151" y="3282158"/>
+            <a:ext cx="45719" cy="94455"/>
+          </a:xfrm>
+          <a:prstGeom prst="rect">
+            <a:avLst/>
+          </a:prstGeom>
+          <a:solidFill>
+            <a:schemeClr val="tx1"/>
+          </a:solidFill>
+          <a:ln w="3175">
+            <a:solidFill>
+              <a:schemeClr val="tx1"/>
+            </a:solidFill>
+          </a:ln>
+        </p:spPr>
+        <p:style>
+          <a:lnRef idx="2">
+            <a:schemeClr val="accent1">
+              <a:shade val="50000"/>
+            </a:schemeClr>
+          </a:lnRef>
+          <a:fillRef idx="1">
+            <a:schemeClr val="accent1"/>
+          </a:fillRef>
+          <a:effectRef idx="0">
+            <a:schemeClr val="accent1"/>
+          </a:effectRef>
+          <a:fontRef idx="minor">
+            <a:schemeClr val="lt1"/>
+          </a:fontRef>
+        </p:style>
+        <p:txBody>
+          <a:bodyPr rtlCol="0" anchor="ctr"/>
+          <a:lstStyle/>
+          <a:p>
+            <a:pPr algn="ctr"/>
+            <a:endParaRPr lang="zh-TW" altLang="en-US"/>
+          </a:p>
+        </p:txBody>
+      </p:sp>
+      <p:sp>
+        <p:nvSpPr>
+          <p:cNvPr id="21" name="矩形 20">
+            <a:extLst>
+              <a:ext uri="{FF2B5EF4-FFF2-40B4-BE49-F238E27FC236}">
+                <a16:creationId xmlns:a16="http://schemas.microsoft.com/office/drawing/2014/main" id="{D0482E76-032E-2A7B-7CF8-03498C3C0EDD}"/>
+              </a:ext>
+            </a:extLst>
+          </p:cNvPr>
+          <p:cNvSpPr/>
+          <p:nvPr/>
+        </p:nvSpPr>
+        <p:spPr>
+          <a:xfrm>
+            <a:off x="3829051" y="3282158"/>
+            <a:ext cx="45719" cy="94455"/>
+          </a:xfrm>
+          <a:prstGeom prst="rect">
+            <a:avLst/>
+          </a:prstGeom>
+          <a:solidFill>
+            <a:schemeClr val="tx1"/>
+          </a:solidFill>
+          <a:ln w="3175">
+            <a:solidFill>
+              <a:schemeClr val="tx1"/>
+            </a:solidFill>
+          </a:ln>
+        </p:spPr>
+        <p:style>
+          <a:lnRef idx="2">
+            <a:schemeClr val="accent1">
+              <a:shade val="50000"/>
+            </a:schemeClr>
+          </a:lnRef>
+          <a:fillRef idx="1">
+            <a:schemeClr val="accent1"/>
+          </a:fillRef>
+          <a:effectRef idx="0">
+            <a:schemeClr val="accent1"/>
+          </a:effectRef>
+          <a:fontRef idx="minor">
+            <a:schemeClr val="lt1"/>
+          </a:fontRef>
+        </p:style>
+        <p:txBody>
+          <a:bodyPr rtlCol="0" anchor="ctr"/>
+          <a:lstStyle/>
+          <a:p>
+            <a:pPr algn="ctr"/>
+            <a:endParaRPr lang="zh-TW" altLang="en-US"/>
+          </a:p>
+        </p:txBody>
+      </p:sp>
+      <p:sp>
+        <p:nvSpPr>
+          <p:cNvPr id="22" name="矩形 21">
+            <a:extLst>
+              <a:ext uri="{FF2B5EF4-FFF2-40B4-BE49-F238E27FC236}">
+                <a16:creationId xmlns:a16="http://schemas.microsoft.com/office/drawing/2014/main" id="{0672C4F5-CC6C-8FBF-9AED-7A6BF2C5A411}"/>
+              </a:ext>
+            </a:extLst>
+          </p:cNvPr>
+          <p:cNvSpPr/>
+          <p:nvPr/>
+        </p:nvSpPr>
+        <p:spPr>
+          <a:xfrm>
+            <a:off x="3359151" y="2953290"/>
+            <a:ext cx="45719" cy="94455"/>
+          </a:xfrm>
+          <a:prstGeom prst="rect">
+            <a:avLst/>
+          </a:prstGeom>
+          <a:solidFill>
+            <a:schemeClr val="tx1"/>
+          </a:solidFill>
+          <a:ln w="3175">
+            <a:solidFill>
+              <a:schemeClr val="tx1"/>
+            </a:solidFill>
+          </a:ln>
+        </p:spPr>
+        <p:style>
+          <a:lnRef idx="2">
+            <a:schemeClr val="accent1">
+              <a:shade val="50000"/>
+            </a:schemeClr>
+          </a:lnRef>
+          <a:fillRef idx="1">
+            <a:schemeClr val="accent1"/>
+          </a:fillRef>
+          <a:effectRef idx="0">
+            <a:schemeClr val="accent1"/>
+          </a:effectRef>
+          <a:fontRef idx="minor">
+            <a:schemeClr val="lt1"/>
+          </a:fontRef>
+        </p:style>
+        <p:txBody>
+          <a:bodyPr rtlCol="0" anchor="ctr"/>
+          <a:lstStyle/>
+          <a:p>
+            <a:pPr algn="ctr"/>
+            <a:endParaRPr lang="zh-TW" altLang="en-US"/>
+          </a:p>
+        </p:txBody>
+      </p:sp>
+      <p:sp>
+        <p:nvSpPr>
+          <p:cNvPr id="23" name="矩形 22">
+            <a:extLst>
+              <a:ext uri="{FF2B5EF4-FFF2-40B4-BE49-F238E27FC236}">
+                <a16:creationId xmlns:a16="http://schemas.microsoft.com/office/drawing/2014/main" id="{99E72E96-6796-3134-C393-A497FCAB2AC1}"/>
+              </a:ext>
+            </a:extLst>
+          </p:cNvPr>
+          <p:cNvSpPr/>
+          <p:nvPr/>
+        </p:nvSpPr>
+        <p:spPr>
+          <a:xfrm>
+            <a:off x="3359150" y="3114141"/>
+            <a:ext cx="45719" cy="94455"/>
+          </a:xfrm>
+          <a:prstGeom prst="rect">
+            <a:avLst/>
+          </a:prstGeom>
+          <a:solidFill>
+            <a:schemeClr val="tx1"/>
+          </a:solidFill>
+          <a:ln w="3175">
+            <a:solidFill>
+              <a:schemeClr val="tx1"/>
+            </a:solidFill>
+          </a:ln>
+        </p:spPr>
+        <p:style>
+          <a:lnRef idx="2">
+            <a:schemeClr val="accent1">
+              <a:shade val="50000"/>
+            </a:schemeClr>
+          </a:lnRef>
+          <a:fillRef idx="1">
+            <a:schemeClr val="accent1"/>
+          </a:fillRef>
+          <a:effectRef idx="0">
+            <a:schemeClr val="accent1"/>
+          </a:effectRef>
+          <a:fontRef idx="minor">
+            <a:schemeClr val="lt1"/>
+          </a:fontRef>
+        </p:style>
+        <p:txBody>
+          <a:bodyPr rtlCol="0" anchor="ctr"/>
+          <a:lstStyle/>
+          <a:p>
+            <a:pPr algn="ctr"/>
+            <a:endParaRPr lang="zh-TW" altLang="en-US"/>
+          </a:p>
+        </p:txBody>
+      </p:sp>
+      <p:sp>
+        <p:nvSpPr>
+          <p:cNvPr id="24" name="矩形 23">
+            <a:extLst>
+              <a:ext uri="{FF2B5EF4-FFF2-40B4-BE49-F238E27FC236}">
+                <a16:creationId xmlns:a16="http://schemas.microsoft.com/office/drawing/2014/main" id="{0C1EBC68-C4CC-967F-CDAA-3F6855FD0CA4}"/>
+              </a:ext>
+            </a:extLst>
+          </p:cNvPr>
+          <p:cNvSpPr/>
+          <p:nvPr/>
+        </p:nvSpPr>
+        <p:spPr>
+          <a:xfrm>
+            <a:off x="4298950" y="3121027"/>
+            <a:ext cx="45719" cy="94455"/>
+          </a:xfrm>
+          <a:prstGeom prst="rect">
+            <a:avLst/>
+          </a:prstGeom>
+          <a:solidFill>
+            <a:schemeClr val="tx1"/>
+          </a:solidFill>
+          <a:ln w="3175">
+            <a:solidFill>
+              <a:schemeClr val="tx1"/>
+            </a:solidFill>
+          </a:ln>
+        </p:spPr>
+        <p:style>
+          <a:lnRef idx="2">
+            <a:schemeClr val="accent1">
+              <a:shade val="50000"/>
+            </a:schemeClr>
+          </a:lnRef>
+          <a:fillRef idx="1">
+            <a:schemeClr val="accent1"/>
+          </a:fillRef>
+          <a:effectRef idx="0">
+            <a:schemeClr val="accent1"/>
+          </a:effectRef>
+          <a:fontRef idx="minor">
+            <a:schemeClr val="lt1"/>
+          </a:fontRef>
+        </p:style>
+        <p:txBody>
+          <a:bodyPr rtlCol="0" anchor="ctr"/>
+          <a:lstStyle/>
+          <a:p>
+            <a:pPr algn="ctr"/>
+            <a:endParaRPr lang="zh-TW" altLang="en-US"/>
+          </a:p>
+        </p:txBody>
+      </p:sp>
+      <p:sp>
+        <p:nvSpPr>
+          <p:cNvPr id="25" name="矩形 24">
+            <a:extLst>
+              <a:ext uri="{FF2B5EF4-FFF2-40B4-BE49-F238E27FC236}">
+                <a16:creationId xmlns:a16="http://schemas.microsoft.com/office/drawing/2014/main" id="{8CE710FA-106E-7261-36CD-7542FB32EB92}"/>
+              </a:ext>
+            </a:extLst>
+          </p:cNvPr>
+          <p:cNvSpPr/>
+          <p:nvPr/>
+        </p:nvSpPr>
+        <p:spPr>
+          <a:xfrm>
+            <a:off x="3829051" y="3121027"/>
+            <a:ext cx="45719" cy="94455"/>
+          </a:xfrm>
+          <a:prstGeom prst="rect">
+            <a:avLst/>
+          </a:prstGeom>
+          <a:solidFill>
+            <a:schemeClr val="tx1"/>
+          </a:solidFill>
+          <a:ln w="3175">
+            <a:solidFill>
+              <a:schemeClr val="tx1"/>
+            </a:solidFill>
+          </a:ln>
+        </p:spPr>
+        <p:style>
+          <a:lnRef idx="2">
+            <a:schemeClr val="accent1">
+              <a:shade val="50000"/>
+            </a:schemeClr>
+          </a:lnRef>
+          <a:fillRef idx="1">
+            <a:schemeClr val="accent1"/>
+          </a:fillRef>
+          <a:effectRef idx="0">
+            <a:schemeClr val="accent1"/>
+          </a:effectRef>
+          <a:fontRef idx="minor">
+            <a:schemeClr val="lt1"/>
+          </a:fontRef>
+        </p:style>
+        <p:txBody>
+          <a:bodyPr rtlCol="0" anchor="ctr"/>
+          <a:lstStyle/>
+          <a:p>
+            <a:pPr algn="ctr"/>
+            <a:endParaRPr lang="zh-TW" altLang="en-US"/>
+          </a:p>
+        </p:txBody>
+      </p:sp>
+      <p:sp>
+        <p:nvSpPr>
+          <p:cNvPr id="26" name="矩形 25">
+            <a:extLst>
+              <a:ext uri="{FF2B5EF4-FFF2-40B4-BE49-F238E27FC236}">
+                <a16:creationId xmlns:a16="http://schemas.microsoft.com/office/drawing/2014/main" id="{AC472716-B9B9-3225-83F2-E6BD34CC38FD}"/>
+              </a:ext>
+            </a:extLst>
+          </p:cNvPr>
+          <p:cNvSpPr/>
+          <p:nvPr/>
+        </p:nvSpPr>
+        <p:spPr>
+          <a:xfrm>
+            <a:off x="4762974" y="3290621"/>
+            <a:ext cx="45719" cy="94455"/>
+          </a:xfrm>
+          <a:prstGeom prst="rect">
+            <a:avLst/>
+          </a:prstGeom>
+          <a:solidFill>
+            <a:schemeClr val="tx1"/>
+          </a:solidFill>
+          <a:ln w="3175">
+            <a:solidFill>
+              <a:schemeClr val="tx1"/>
+            </a:solidFill>
+          </a:ln>
+        </p:spPr>
+        <p:style>
+          <a:lnRef idx="2">
+            <a:schemeClr val="accent1">
+              <a:shade val="50000"/>
+            </a:schemeClr>
+          </a:lnRef>
+          <a:fillRef idx="1">
+            <a:schemeClr val="accent1"/>
+          </a:fillRef>
+          <a:effectRef idx="0">
+            <a:schemeClr val="accent1"/>
+          </a:effectRef>
+          <a:fontRef idx="minor">
+            <a:schemeClr val="lt1"/>
+          </a:fontRef>
+        </p:style>
+        <p:txBody>
+          <a:bodyPr rtlCol="0" anchor="ctr"/>
+          <a:lstStyle/>
+          <a:p>
+            <a:pPr algn="ctr"/>
+            <a:endParaRPr lang="zh-TW" altLang="en-US"/>
+          </a:p>
+        </p:txBody>
+      </p:sp>
+      <p:sp>
+        <p:nvSpPr>
+          <p:cNvPr id="27" name="矩形 26">
+            <a:extLst>
+              <a:ext uri="{FF2B5EF4-FFF2-40B4-BE49-F238E27FC236}">
+                <a16:creationId xmlns:a16="http://schemas.microsoft.com/office/drawing/2014/main" id="{5B484045-C34E-2B4E-6EB8-144C3F63705A}"/>
+              </a:ext>
+            </a:extLst>
+          </p:cNvPr>
+          <p:cNvSpPr/>
+          <p:nvPr/>
+        </p:nvSpPr>
+        <p:spPr>
+          <a:xfrm>
+            <a:off x="4298950" y="3282158"/>
+            <a:ext cx="45719" cy="94455"/>
+          </a:xfrm>
+          <a:prstGeom prst="rect">
+            <a:avLst/>
+          </a:prstGeom>
+          <a:solidFill>
+            <a:schemeClr val="tx1"/>
+          </a:solidFill>
+          <a:ln w="3175">
+            <a:solidFill>
+              <a:schemeClr val="tx1"/>
+            </a:solidFill>
+          </a:ln>
+        </p:spPr>
+        <p:style>
+          <a:lnRef idx="2">
+            <a:schemeClr val="accent1">
+              <a:shade val="50000"/>
+            </a:schemeClr>
+          </a:lnRef>
+          <a:fillRef idx="1">
+            <a:schemeClr val="accent1"/>
+          </a:fillRef>
+          <a:effectRef idx="0">
+            <a:schemeClr val="accent1"/>
+          </a:effectRef>
+          <a:fontRef idx="minor">
+            <a:schemeClr val="lt1"/>
+          </a:fontRef>
+        </p:style>
+        <p:txBody>
+          <a:bodyPr rtlCol="0" anchor="ctr"/>
+          <a:lstStyle/>
+          <a:p>
+            <a:pPr algn="ctr"/>
+            <a:endParaRPr lang="zh-TW" altLang="en-US"/>
+          </a:p>
+        </p:txBody>
+      </p:sp>
+      <p:sp>
+        <p:nvSpPr>
+          <p:cNvPr id="29" name="矩形 28">
+            <a:extLst>
+              <a:ext uri="{FF2B5EF4-FFF2-40B4-BE49-F238E27FC236}">
+                <a16:creationId xmlns:a16="http://schemas.microsoft.com/office/drawing/2014/main" id="{05EBA0CE-E782-908D-E792-5E5BF9AF05B3}"/>
+              </a:ext>
+            </a:extLst>
+          </p:cNvPr>
+          <p:cNvSpPr/>
+          <p:nvPr/>
+        </p:nvSpPr>
+        <p:spPr>
+          <a:xfrm>
+            <a:off x="3359151" y="2792439"/>
+            <a:ext cx="45719" cy="94455"/>
+          </a:xfrm>
+          <a:prstGeom prst="rect">
+            <a:avLst/>
+          </a:prstGeom>
+          <a:solidFill>
+            <a:schemeClr val="tx1"/>
+          </a:solidFill>
+          <a:ln w="3175">
+            <a:solidFill>
+              <a:schemeClr val="tx1"/>
+            </a:solidFill>
+          </a:ln>
+        </p:spPr>
+        <p:style>
+          <a:lnRef idx="2">
+            <a:schemeClr val="accent1">
+              <a:shade val="50000"/>
+            </a:schemeClr>
+          </a:lnRef>
+          <a:fillRef idx="1">
+            <a:schemeClr val="accent1"/>
+          </a:fillRef>
+          <a:effectRef idx="0">
+            <a:schemeClr val="accent1"/>
+          </a:effectRef>
+          <a:fontRef idx="minor">
+            <a:schemeClr val="lt1"/>
+          </a:fontRef>
+        </p:style>
+        <p:txBody>
+          <a:bodyPr rtlCol="0" anchor="ctr"/>
+          <a:lstStyle/>
+          <a:p>
+            <a:pPr algn="ctr"/>
+            <a:endParaRPr lang="zh-TW" altLang="en-US"/>
+          </a:p>
+        </p:txBody>
+      </p:sp>
+      <p:sp>
+        <p:nvSpPr>
+          <p:cNvPr id="30" name="矩形 29">
+            <a:extLst>
+              <a:ext uri="{FF2B5EF4-FFF2-40B4-BE49-F238E27FC236}">
+                <a16:creationId xmlns:a16="http://schemas.microsoft.com/office/drawing/2014/main" id="{F4F62764-8311-EEE9-6FA8-C6476C004C6E}"/>
+              </a:ext>
+            </a:extLst>
+          </p:cNvPr>
+          <p:cNvSpPr/>
+          <p:nvPr/>
+        </p:nvSpPr>
+        <p:spPr>
+          <a:xfrm>
+            <a:off x="3828257" y="2790173"/>
+            <a:ext cx="45719" cy="94455"/>
+          </a:xfrm>
+          <a:prstGeom prst="rect">
+            <a:avLst/>
+          </a:prstGeom>
+          <a:solidFill>
+            <a:schemeClr val="tx1"/>
+          </a:solidFill>
+          <a:ln w="3175">
+            <a:solidFill>
+              <a:schemeClr val="tx1"/>
+            </a:solidFill>
+          </a:ln>
+        </p:spPr>
+        <p:style>
+          <a:lnRef idx="2">
+            <a:schemeClr val="accent1">
+              <a:shade val="50000"/>
+            </a:schemeClr>
+          </a:lnRef>
+          <a:fillRef idx="1">
+            <a:schemeClr val="accent1"/>
+          </a:fillRef>
+          <a:effectRef idx="0">
+            <a:schemeClr val="accent1"/>
+          </a:effectRef>
+          <a:fontRef idx="minor">
+            <a:schemeClr val="lt1"/>
+          </a:fontRef>
+        </p:style>
+        <p:txBody>
+          <a:bodyPr rtlCol="0" anchor="ctr"/>
+          <a:lstStyle/>
+          <a:p>
+            <a:pPr algn="ctr"/>
+            <a:endParaRPr lang="zh-TW" altLang="en-US"/>
+          </a:p>
+        </p:txBody>
+      </p:sp>
+      <p:sp>
+        <p:nvSpPr>
+          <p:cNvPr id="31" name="矩形 30">
+            <a:extLst>
+              <a:ext uri="{FF2B5EF4-FFF2-40B4-BE49-F238E27FC236}">
+                <a16:creationId xmlns:a16="http://schemas.microsoft.com/office/drawing/2014/main" id="{86A7423B-1238-DB57-F9F7-AEA3132B093D}"/>
+              </a:ext>
+            </a:extLst>
+          </p:cNvPr>
+          <p:cNvSpPr/>
+          <p:nvPr/>
+        </p:nvSpPr>
+        <p:spPr>
+          <a:xfrm>
+            <a:off x="3829686" y="2951304"/>
+            <a:ext cx="45719" cy="94455"/>
+          </a:xfrm>
+          <a:prstGeom prst="rect">
+            <a:avLst/>
+          </a:prstGeom>
+          <a:solidFill>
+            <a:schemeClr val="tx1"/>
+          </a:solidFill>
+          <a:ln w="3175">
+            <a:solidFill>
+              <a:schemeClr val="tx1"/>
+            </a:solidFill>
+          </a:ln>
+        </p:spPr>
+        <p:style>
+          <a:lnRef idx="2">
+            <a:schemeClr val="accent1">
+              <a:shade val="50000"/>
+            </a:schemeClr>
+          </a:lnRef>
+          <a:fillRef idx="1">
+            <a:schemeClr val="accent1"/>
+          </a:fillRef>
+          <a:effectRef idx="0">
+            <a:schemeClr val="accent1"/>
+          </a:effectRef>
+          <a:fontRef idx="minor">
+            <a:schemeClr val="lt1"/>
+          </a:fontRef>
+        </p:style>
+        <p:txBody>
+          <a:bodyPr rtlCol="0" anchor="ctr"/>
+          <a:lstStyle/>
+          <a:p>
+            <a:pPr algn="ctr"/>
+            <a:endParaRPr lang="zh-TW" altLang="en-US"/>
+          </a:p>
+        </p:txBody>
+      </p:sp>
+      <p:sp>
+        <p:nvSpPr>
+          <p:cNvPr id="32" name="矩形 31">
+            <a:extLst>
+              <a:ext uri="{FF2B5EF4-FFF2-40B4-BE49-F238E27FC236}">
+                <a16:creationId xmlns:a16="http://schemas.microsoft.com/office/drawing/2014/main" id="{95BE1967-D11F-36E2-3C15-84D6E2898AB0}"/>
+              </a:ext>
+            </a:extLst>
+          </p:cNvPr>
+          <p:cNvSpPr/>
+          <p:nvPr/>
+        </p:nvSpPr>
+        <p:spPr>
+          <a:xfrm>
+            <a:off x="4299585" y="2953290"/>
+            <a:ext cx="45719" cy="94455"/>
+          </a:xfrm>
+          <a:prstGeom prst="rect">
+            <a:avLst/>
+          </a:prstGeom>
+          <a:solidFill>
+            <a:schemeClr val="tx1"/>
+          </a:solidFill>
+          <a:ln w="3175">
+            <a:solidFill>
+              <a:schemeClr val="tx1"/>
+            </a:solidFill>
+          </a:ln>
+        </p:spPr>
+        <p:style>
+          <a:lnRef idx="2">
+            <a:schemeClr val="accent1">
+              <a:shade val="50000"/>
+            </a:schemeClr>
+          </a:lnRef>
+          <a:fillRef idx="1">
+            <a:schemeClr val="accent1"/>
+          </a:fillRef>
+          <a:effectRef idx="0">
+            <a:schemeClr val="accent1"/>
+          </a:effectRef>
+          <a:fontRef idx="minor">
+            <a:schemeClr val="lt1"/>
+          </a:fontRef>
+        </p:style>
+        <p:txBody>
+          <a:bodyPr rtlCol="0" anchor="ctr"/>
+          <a:lstStyle/>
+          <a:p>
+            <a:pPr algn="ctr"/>
+            <a:endParaRPr lang="zh-TW" altLang="en-US"/>
+          </a:p>
+        </p:txBody>
+      </p:sp>
+      <p:sp>
+        <p:nvSpPr>
+          <p:cNvPr id="33" name="矩形 32">
+            <a:extLst>
+              <a:ext uri="{FF2B5EF4-FFF2-40B4-BE49-F238E27FC236}">
+                <a16:creationId xmlns:a16="http://schemas.microsoft.com/office/drawing/2014/main" id="{5BDD5054-6AE5-17B6-2BD5-026638175C95}"/>
+              </a:ext>
+            </a:extLst>
+          </p:cNvPr>
+          <p:cNvSpPr/>
+          <p:nvPr/>
+        </p:nvSpPr>
+        <p:spPr>
+          <a:xfrm>
+            <a:off x="4762975" y="3121027"/>
+            <a:ext cx="45719" cy="94455"/>
+          </a:xfrm>
+          <a:prstGeom prst="rect">
+            <a:avLst/>
+          </a:prstGeom>
+          <a:solidFill>
+            <a:schemeClr val="tx1"/>
+          </a:solidFill>
+          <a:ln w="3175">
+            <a:solidFill>
+              <a:schemeClr val="tx1"/>
+            </a:solidFill>
+          </a:ln>
+        </p:spPr>
+        <p:style>
+          <a:lnRef idx="2">
+            <a:schemeClr val="accent1">
+              <a:shade val="50000"/>
+            </a:schemeClr>
+          </a:lnRef>
+          <a:fillRef idx="1">
+            <a:schemeClr val="accent1"/>
+          </a:fillRef>
+          <a:effectRef idx="0">
+            <a:schemeClr val="accent1"/>
+          </a:effectRef>
+          <a:fontRef idx="minor">
+            <a:schemeClr val="lt1"/>
+          </a:fontRef>
+        </p:style>
+        <p:txBody>
+          <a:bodyPr rtlCol="0" anchor="ctr"/>
+          <a:lstStyle/>
+          <a:p>
+            <a:pPr algn="ctr"/>
+            <a:endParaRPr lang="zh-TW" altLang="en-US"/>
+          </a:p>
+        </p:txBody>
+      </p:sp>
+      <p:sp>
+        <p:nvSpPr>
+          <p:cNvPr id="34" name="矩形 33">
+            <a:extLst>
+              <a:ext uri="{FF2B5EF4-FFF2-40B4-BE49-F238E27FC236}">
+                <a16:creationId xmlns:a16="http://schemas.microsoft.com/office/drawing/2014/main" id="{279550ED-FBCC-9886-4B42-7AB44300492B}"/>
+              </a:ext>
+            </a:extLst>
+          </p:cNvPr>
+          <p:cNvSpPr/>
+          <p:nvPr/>
+        </p:nvSpPr>
+        <p:spPr>
+          <a:xfrm>
+            <a:off x="4762976" y="2960760"/>
+            <a:ext cx="45719" cy="94455"/>
+          </a:xfrm>
+          <a:prstGeom prst="rect">
+            <a:avLst/>
+          </a:prstGeom>
+          <a:solidFill>
+            <a:schemeClr val="tx1"/>
+          </a:solidFill>
+          <a:ln w="3175">
+            <a:solidFill>
+              <a:schemeClr val="tx1"/>
+            </a:solidFill>
+          </a:ln>
+        </p:spPr>
+        <p:style>
+          <a:lnRef idx="2">
+            <a:schemeClr val="accent1">
+              <a:shade val="50000"/>
+            </a:schemeClr>
+          </a:lnRef>
+          <a:fillRef idx="1">
+            <a:schemeClr val="accent1"/>
+          </a:fillRef>
+          <a:effectRef idx="0">
+            <a:schemeClr val="accent1"/>
+          </a:effectRef>
+          <a:fontRef idx="minor">
+            <a:schemeClr val="lt1"/>
+          </a:fontRef>
+        </p:style>
+        <p:txBody>
+          <a:bodyPr rtlCol="0" anchor="ctr"/>
+          <a:lstStyle/>
+          <a:p>
+            <a:pPr algn="ctr"/>
+            <a:endParaRPr lang="zh-TW" altLang="en-US"/>
+          </a:p>
+        </p:txBody>
+      </p:sp>
+      <p:sp>
+        <p:nvSpPr>
+          <p:cNvPr id="35" name="矩形 34">
+            <a:extLst>
+              <a:ext uri="{FF2B5EF4-FFF2-40B4-BE49-F238E27FC236}">
+                <a16:creationId xmlns:a16="http://schemas.microsoft.com/office/drawing/2014/main" id="{34F9B6D2-BE5C-FE98-A1EA-87F63D08D5E6}"/>
+              </a:ext>
+            </a:extLst>
+          </p:cNvPr>
+          <p:cNvSpPr/>
+          <p:nvPr/>
+        </p:nvSpPr>
+        <p:spPr>
+          <a:xfrm>
+            <a:off x="4298950" y="2789702"/>
+            <a:ext cx="45719" cy="94455"/>
+          </a:xfrm>
+          <a:prstGeom prst="rect">
+            <a:avLst/>
+          </a:prstGeom>
+          <a:solidFill>
+            <a:schemeClr val="tx1"/>
+          </a:solidFill>
+          <a:ln w="3175">
+            <a:solidFill>
+              <a:schemeClr val="tx1"/>
+            </a:solidFill>
+          </a:ln>
+        </p:spPr>
+        <p:style>
+          <a:lnRef idx="2">
+            <a:schemeClr val="accent1">
+              <a:shade val="50000"/>
+            </a:schemeClr>
+          </a:lnRef>
+          <a:fillRef idx="1">
+            <a:schemeClr val="accent1"/>
+          </a:fillRef>
+          <a:effectRef idx="0">
+            <a:schemeClr val="accent1"/>
+          </a:effectRef>
+          <a:fontRef idx="minor">
+            <a:schemeClr val="lt1"/>
+          </a:fontRef>
+        </p:style>
+        <p:txBody>
+          <a:bodyPr rtlCol="0" anchor="ctr"/>
+          <a:lstStyle/>
+          <a:p>
+            <a:pPr algn="ctr"/>
+            <a:endParaRPr lang="zh-TW" altLang="en-US"/>
+          </a:p>
+        </p:txBody>
+      </p:sp>
+      <p:sp>
+        <p:nvSpPr>
+          <p:cNvPr id="36" name="矩形 35">
+            <a:extLst>
+              <a:ext uri="{FF2B5EF4-FFF2-40B4-BE49-F238E27FC236}">
+                <a16:creationId xmlns:a16="http://schemas.microsoft.com/office/drawing/2014/main" id="{A1ED7DAB-43AC-295D-AC4F-8B34B16E6485}"/>
+              </a:ext>
+            </a:extLst>
+          </p:cNvPr>
+          <p:cNvSpPr/>
+          <p:nvPr/>
+        </p:nvSpPr>
+        <p:spPr>
+          <a:xfrm>
+            <a:off x="4765516" y="2799629"/>
+            <a:ext cx="45719" cy="94455"/>
+          </a:xfrm>
+          <a:prstGeom prst="rect">
+            <a:avLst/>
+          </a:prstGeom>
+          <a:solidFill>
+            <a:schemeClr val="tx1"/>
+          </a:solidFill>
+          <a:ln w="3175">
+            <a:solidFill>
+              <a:schemeClr val="tx1"/>
+            </a:solidFill>
+          </a:ln>
+        </p:spPr>
+        <p:style>
+          <a:lnRef idx="2">
+            <a:schemeClr val="accent1">
+              <a:shade val="50000"/>
+            </a:schemeClr>
+          </a:lnRef>
+          <a:fillRef idx="1">
+            <a:schemeClr val="accent1"/>
+          </a:fillRef>
+          <a:effectRef idx="0">
+            <a:schemeClr val="accent1"/>
+          </a:effectRef>
+          <a:fontRef idx="minor">
+            <a:schemeClr val="lt1"/>
+          </a:fontRef>
+        </p:style>
+        <p:txBody>
+          <a:bodyPr rtlCol="0" anchor="ctr"/>
+          <a:lstStyle/>
+          <a:p>
+            <a:pPr algn="ctr"/>
+            <a:endParaRPr lang="zh-TW" altLang="en-US"/>
+          </a:p>
+        </p:txBody>
+      </p:sp>
+      <p:sp>
+        <p:nvSpPr>
+          <p:cNvPr id="37" name="矩形 36">
+            <a:extLst>
+              <a:ext uri="{FF2B5EF4-FFF2-40B4-BE49-F238E27FC236}">
+                <a16:creationId xmlns:a16="http://schemas.microsoft.com/office/drawing/2014/main" id="{6193ECB7-4E93-4E98-00D9-64AD3329C422}"/>
+              </a:ext>
+            </a:extLst>
+          </p:cNvPr>
+          <p:cNvSpPr/>
+          <p:nvPr/>
+        </p:nvSpPr>
+        <p:spPr>
+          <a:xfrm>
+            <a:off x="4762974" y="2621965"/>
+            <a:ext cx="45719" cy="94455"/>
+          </a:xfrm>
+          <a:prstGeom prst="rect">
+            <a:avLst/>
+          </a:prstGeom>
+          <a:solidFill>
+            <a:schemeClr val="tx1"/>
+          </a:solidFill>
+          <a:ln w="3175">
+            <a:solidFill>
+              <a:schemeClr val="tx1"/>
+            </a:solidFill>
+          </a:ln>
+        </p:spPr>
+        <p:style>
+          <a:lnRef idx="2">
+            <a:schemeClr val="accent1">
+              <a:shade val="50000"/>
+            </a:schemeClr>
+          </a:lnRef>
+          <a:fillRef idx="1">
+            <a:schemeClr val="accent1"/>
+          </a:fillRef>
+          <a:effectRef idx="0">
+            <a:schemeClr val="accent1"/>
+          </a:effectRef>
+          <a:fontRef idx="minor">
+            <a:schemeClr val="lt1"/>
+          </a:fontRef>
+        </p:style>
+        <p:txBody>
+          <a:bodyPr rtlCol="0" anchor="ctr"/>
+          <a:lstStyle/>
+          <a:p>
+            <a:pPr algn="ctr"/>
+            <a:endParaRPr lang="zh-TW" altLang="en-US"/>
+          </a:p>
+        </p:txBody>
+      </p:sp>
+      <p:sp>
+        <p:nvSpPr>
+          <p:cNvPr id="38" name="矩形 37">
+            <a:extLst>
+              <a:ext uri="{FF2B5EF4-FFF2-40B4-BE49-F238E27FC236}">
+                <a16:creationId xmlns:a16="http://schemas.microsoft.com/office/drawing/2014/main" id="{78144B06-0AE3-CD72-BC87-548245B38B25}"/>
+              </a:ext>
+            </a:extLst>
+          </p:cNvPr>
+          <p:cNvSpPr/>
+          <p:nvPr/>
+        </p:nvSpPr>
+        <p:spPr>
+          <a:xfrm>
+            <a:off x="3355977" y="2631588"/>
+            <a:ext cx="45719" cy="94455"/>
+          </a:xfrm>
+          <a:prstGeom prst="rect">
+            <a:avLst/>
+          </a:prstGeom>
+          <a:solidFill>
+            <a:schemeClr val="tx1"/>
+          </a:solidFill>
+          <a:ln w="3175">
+            <a:solidFill>
+              <a:schemeClr val="tx1"/>
+            </a:solidFill>
+          </a:ln>
+        </p:spPr>
+        <p:style>
+          <a:lnRef idx="2">
+            <a:schemeClr val="accent1">
+              <a:shade val="50000"/>
+            </a:schemeClr>
+          </a:lnRef>
+          <a:fillRef idx="1">
+            <a:schemeClr val="accent1"/>
+          </a:fillRef>
+          <a:effectRef idx="0">
+            <a:schemeClr val="accent1"/>
+          </a:effectRef>
+          <a:fontRef idx="minor">
+            <a:schemeClr val="lt1"/>
+          </a:fontRef>
+        </p:style>
+        <p:txBody>
+          <a:bodyPr rtlCol="0" anchor="ctr"/>
+          <a:lstStyle/>
+          <a:p>
+            <a:pPr algn="ctr"/>
+            <a:endParaRPr lang="zh-TW" altLang="en-US"/>
+          </a:p>
+        </p:txBody>
+      </p:sp>
+      <p:sp>
+        <p:nvSpPr>
+          <p:cNvPr id="39" name="矩形 38">
+            <a:extLst>
+              <a:ext uri="{FF2B5EF4-FFF2-40B4-BE49-F238E27FC236}">
+                <a16:creationId xmlns:a16="http://schemas.microsoft.com/office/drawing/2014/main" id="{A5590CAB-B531-5191-E3DD-A857BCD7E98B}"/>
+              </a:ext>
+            </a:extLst>
+          </p:cNvPr>
+          <p:cNvSpPr/>
+          <p:nvPr/>
+        </p:nvSpPr>
+        <p:spPr>
+          <a:xfrm>
+            <a:off x="3831273" y="2629042"/>
+            <a:ext cx="45719" cy="94455"/>
+          </a:xfrm>
+          <a:prstGeom prst="rect">
+            <a:avLst/>
+          </a:prstGeom>
+          <a:solidFill>
+            <a:schemeClr val="tx1"/>
+          </a:solidFill>
+          <a:ln w="3175">
+            <a:solidFill>
+              <a:schemeClr val="tx1"/>
+            </a:solidFill>
+          </a:ln>
+        </p:spPr>
+        <p:style>
+          <a:lnRef idx="2">
+            <a:schemeClr val="accent1">
+              <a:shade val="50000"/>
+            </a:schemeClr>
+          </a:lnRef>
+          <a:fillRef idx="1">
+            <a:schemeClr val="accent1"/>
+          </a:fillRef>
+          <a:effectRef idx="0">
+            <a:schemeClr val="accent1"/>
+          </a:effectRef>
+          <a:fontRef idx="minor">
+            <a:schemeClr val="lt1"/>
+          </a:fontRef>
+        </p:style>
+        <p:txBody>
+          <a:bodyPr rtlCol="0" anchor="ctr"/>
+          <a:lstStyle/>
+          <a:p>
+            <a:pPr algn="ctr"/>
+            <a:endParaRPr lang="zh-TW" altLang="en-US"/>
+          </a:p>
+        </p:txBody>
+      </p:sp>
+      <p:sp>
+        <p:nvSpPr>
+          <p:cNvPr id="40" name="矩形 39">
+            <a:extLst>
+              <a:ext uri="{FF2B5EF4-FFF2-40B4-BE49-F238E27FC236}">
+                <a16:creationId xmlns:a16="http://schemas.microsoft.com/office/drawing/2014/main" id="{DD749B14-A962-C5AC-45D2-FB4F566DFFAA}"/>
+              </a:ext>
+            </a:extLst>
+          </p:cNvPr>
+          <p:cNvSpPr/>
+          <p:nvPr/>
+        </p:nvSpPr>
+        <p:spPr>
+          <a:xfrm>
+            <a:off x="4298950" y="2621965"/>
+            <a:ext cx="45719" cy="94455"/>
+          </a:xfrm>
+          <a:prstGeom prst="rect">
+            <a:avLst/>
+          </a:prstGeom>
+          <a:solidFill>
+            <a:schemeClr val="tx1"/>
+          </a:solidFill>
+          <a:ln w="3175">
+            <a:solidFill>
+              <a:schemeClr val="tx1"/>
+            </a:solidFill>
+          </a:ln>
+        </p:spPr>
+        <p:style>
+          <a:lnRef idx="2">
+            <a:schemeClr val="accent1">
+              <a:shade val="50000"/>
+            </a:schemeClr>
+          </a:lnRef>
+          <a:fillRef idx="1">
+            <a:schemeClr val="accent1"/>
+          </a:fillRef>
+          <a:effectRef idx="0">
+            <a:schemeClr val="accent1"/>
+          </a:effectRef>
+          <a:fontRef idx="minor">
+            <a:schemeClr val="lt1"/>
+          </a:fontRef>
+        </p:style>
+        <p:txBody>
+          <a:bodyPr rtlCol="0" anchor="ctr"/>
+          <a:lstStyle/>
+          <a:p>
+            <a:pPr algn="ctr"/>
+            <a:endParaRPr lang="zh-TW" altLang="en-US"/>
+          </a:p>
+        </p:txBody>
+      </p:sp>
+      <p:sp>
+        <p:nvSpPr>
+          <p:cNvPr id="41" name="內容版面配置區 2">
+            <a:extLst>
+              <a:ext uri="{FF2B5EF4-FFF2-40B4-BE49-F238E27FC236}">
+                <a16:creationId xmlns:a16="http://schemas.microsoft.com/office/drawing/2014/main" id="{33CF9579-180B-ADFA-05FD-6313DA227418}"/>
+              </a:ext>
+            </a:extLst>
+          </p:cNvPr>
+          <p:cNvSpPr txBox="1">
+            <a:spLocks/>
+          </p:cNvSpPr>
+          <p:nvPr/>
+        </p:nvSpPr>
+        <p:spPr>
+          <a:xfrm>
+            <a:off x="1295401" y="3521544"/>
+            <a:ext cx="9601195" cy="2354324"/>
+          </a:xfrm>
+          <a:prstGeom prst="rect">
+            <a:avLst/>
+          </a:prstGeom>
+        </p:spPr>
+        <p:txBody>
+          <a:bodyPr vert="horz" lIns="91440" tIns="45720" rIns="91440" bIns="45720" rtlCol="0" anchor="t">
+            <a:normAutofit/>
+          </a:bodyPr>
+          <a:lstStyle>
+            <a:lvl1pPr marL="285750" indent="-285750" algn="l" defTabSz="457200" rtl="0" eaLnBrk="1" latinLnBrk="0" hangingPunct="1">
+              <a:spcBef>
+                <a:spcPct val="20000"/>
+              </a:spcBef>
+              <a:spcAft>
+                <a:spcPts val="600"/>
+              </a:spcAft>
+              <a:buClr>
+                <a:schemeClr val="accent1"/>
+              </a:buClr>
+              <a:buSzPct val="115000"/>
+              <a:buFont typeface="Arial"/>
+              <a:buChar char="•"/>
+              <a:defRPr sz="2400" kern="1200" cap="none">
+                <a:solidFill>
+                  <a:schemeClr val="tx1">
+                    <a:lumMod val="85000"/>
+                    <a:lumOff val="15000"/>
+                  </a:schemeClr>
+                </a:solidFill>
+                <a:effectLst/>
+                <a:latin typeface="+mn-lt"/>
+                <a:ea typeface="+mn-ea"/>
+                <a:cs typeface="+mn-cs"/>
+              </a:defRPr>
+            </a:lvl1pPr>
+            <a:lvl2pPr marL="742950" indent="-285750" algn="l" defTabSz="457200" rtl="0" eaLnBrk="1" latinLnBrk="0" hangingPunct="1">
+              <a:spcBef>
+                <a:spcPct val="20000"/>
+              </a:spcBef>
+              <a:spcAft>
+                <a:spcPts val="600"/>
+              </a:spcAft>
+              <a:buClr>
+                <a:schemeClr val="accent1"/>
+              </a:buClr>
+              <a:buSzPct val="115000"/>
+              <a:buFont typeface="Arial"/>
+              <a:buChar char="•"/>
+              <a:defRPr sz="2000" kern="1200" cap="none">
+                <a:solidFill>
+                  <a:schemeClr val="tx1">
+                    <a:lumMod val="85000"/>
+                    <a:lumOff val="15000"/>
+                  </a:schemeClr>
+                </a:solidFill>
+                <a:effectLst/>
+                <a:latin typeface="+mn-lt"/>
+                <a:ea typeface="+mn-ea"/>
+                <a:cs typeface="+mn-cs"/>
+              </a:defRPr>
+            </a:lvl2pPr>
+            <a:lvl3pPr marL="1200150" indent="-285750" algn="l" defTabSz="457200" rtl="0" eaLnBrk="1" latinLnBrk="0" hangingPunct="1">
+              <a:spcBef>
+                <a:spcPct val="20000"/>
+              </a:spcBef>
+              <a:spcAft>
+                <a:spcPts val="600"/>
+              </a:spcAft>
+              <a:buClr>
+                <a:schemeClr val="accent1"/>
+              </a:buClr>
+              <a:buSzPct val="115000"/>
+              <a:buFont typeface="Arial"/>
+              <a:buChar char="•"/>
+              <a:defRPr sz="1800" kern="1200" cap="none">
+                <a:solidFill>
+                  <a:schemeClr val="tx1">
+                    <a:lumMod val="85000"/>
+                    <a:lumOff val="15000"/>
+                  </a:schemeClr>
+                </a:solidFill>
+                <a:effectLst/>
+                <a:latin typeface="+mn-lt"/>
+                <a:ea typeface="+mn-ea"/>
+                <a:cs typeface="+mn-cs"/>
+              </a:defRPr>
+            </a:lvl3pPr>
+            <a:lvl4pPr marL="1543050" indent="-171450" algn="l" defTabSz="457200" rtl="0" eaLnBrk="1" latinLnBrk="0" hangingPunct="1">
+              <a:spcBef>
+                <a:spcPct val="20000"/>
+              </a:spcBef>
+              <a:spcAft>
+                <a:spcPts val="600"/>
+              </a:spcAft>
+              <a:buClr>
+                <a:schemeClr val="accent1"/>
+              </a:buClr>
+              <a:buSzPct val="115000"/>
+              <a:buFont typeface="Arial"/>
+              <a:buChar char="•"/>
+              <a:defRPr sz="1600" kern="1200" cap="none">
+                <a:solidFill>
+                  <a:schemeClr val="tx1">
+                    <a:lumMod val="85000"/>
+                    <a:lumOff val="15000"/>
+                  </a:schemeClr>
+                </a:solidFill>
+                <a:effectLst/>
+                <a:latin typeface="+mn-lt"/>
+                <a:ea typeface="+mn-ea"/>
+                <a:cs typeface="+mn-cs"/>
+              </a:defRPr>
+            </a:lvl4pPr>
+            <a:lvl5pPr marL="2000250" indent="-171450" algn="l" defTabSz="457200" rtl="0" eaLnBrk="1" latinLnBrk="0" hangingPunct="1">
+              <a:spcBef>
+                <a:spcPct val="20000"/>
+              </a:spcBef>
+              <a:spcAft>
+                <a:spcPts val="600"/>
+              </a:spcAft>
+              <a:buClr>
+                <a:schemeClr val="accent1"/>
+              </a:buClr>
+              <a:buSzPct val="115000"/>
+              <a:buFont typeface="Arial"/>
+              <a:buChar char="•"/>
+              <a:defRPr sz="1400" kern="1200" cap="none">
+                <a:solidFill>
+                  <a:schemeClr val="tx1">
+                    <a:lumMod val="85000"/>
+                    <a:lumOff val="15000"/>
+                  </a:schemeClr>
+                </a:solidFill>
+                <a:effectLst/>
+                <a:latin typeface="+mn-lt"/>
+                <a:ea typeface="+mn-ea"/>
+                <a:cs typeface="+mn-cs"/>
+              </a:defRPr>
+            </a:lvl5pPr>
+            <a:lvl6pPr marL="2514600" indent="-228600" algn="l" defTabSz="457200" rtl="0" eaLnBrk="1" latinLnBrk="0" hangingPunct="1">
+              <a:spcBef>
+                <a:spcPct val="20000"/>
+              </a:spcBef>
+              <a:spcAft>
+                <a:spcPts val="600"/>
+              </a:spcAft>
+              <a:buClr>
+                <a:schemeClr val="accent1"/>
+              </a:buClr>
+              <a:buSzPct val="115000"/>
+              <a:buFont typeface="Arial"/>
+              <a:buChar char="•"/>
+              <a:defRPr sz="1400" kern="1200" cap="none">
+                <a:solidFill>
+                  <a:schemeClr val="tx1">
+                    <a:lumMod val="85000"/>
+                    <a:lumOff val="15000"/>
+                  </a:schemeClr>
+                </a:solidFill>
+                <a:effectLst/>
+                <a:latin typeface="+mn-lt"/>
+                <a:ea typeface="+mn-ea"/>
+                <a:cs typeface="+mn-cs"/>
+              </a:defRPr>
+            </a:lvl6pPr>
+            <a:lvl7pPr marL="2971800" indent="-228600" algn="l" defTabSz="457200" rtl="0" eaLnBrk="1" latinLnBrk="0" hangingPunct="1">
+              <a:spcBef>
+                <a:spcPct val="20000"/>
+              </a:spcBef>
+              <a:spcAft>
+                <a:spcPts val="600"/>
+              </a:spcAft>
+              <a:buClr>
+                <a:schemeClr val="accent1"/>
+              </a:buClr>
+              <a:buSzPct val="115000"/>
+              <a:buFont typeface="Arial"/>
+              <a:buChar char="•"/>
+              <a:defRPr sz="1400" kern="1200" cap="none">
+                <a:solidFill>
+                  <a:schemeClr val="tx1">
+                    <a:lumMod val="85000"/>
+                    <a:lumOff val="15000"/>
+                  </a:schemeClr>
+                </a:solidFill>
+                <a:effectLst/>
+                <a:latin typeface="+mn-lt"/>
+                <a:ea typeface="+mn-ea"/>
+                <a:cs typeface="+mn-cs"/>
+              </a:defRPr>
+            </a:lvl7pPr>
+            <a:lvl8pPr marL="3429000" indent="-228600" algn="l" defTabSz="457200" rtl="0" eaLnBrk="1" latinLnBrk="0" hangingPunct="1">
+              <a:spcBef>
+                <a:spcPct val="20000"/>
+              </a:spcBef>
+              <a:spcAft>
+                <a:spcPts val="600"/>
+              </a:spcAft>
+              <a:buClr>
+                <a:schemeClr val="accent1"/>
+              </a:buClr>
+              <a:buSzPct val="115000"/>
+              <a:buFont typeface="Arial"/>
+              <a:buChar char="•"/>
+              <a:defRPr sz="1400" kern="1200" cap="none">
+                <a:solidFill>
+                  <a:schemeClr val="tx1">
+                    <a:lumMod val="85000"/>
+                    <a:lumOff val="15000"/>
+                  </a:schemeClr>
+                </a:solidFill>
+                <a:effectLst/>
+                <a:latin typeface="+mn-lt"/>
+                <a:ea typeface="+mn-ea"/>
+                <a:cs typeface="+mn-cs"/>
+              </a:defRPr>
+            </a:lvl8pPr>
+            <a:lvl9pPr marL="3886200" indent="-228600" algn="l" defTabSz="457200" rtl="0" eaLnBrk="1" latinLnBrk="0" hangingPunct="1">
+              <a:spcBef>
+                <a:spcPct val="20000"/>
+              </a:spcBef>
+              <a:spcAft>
+                <a:spcPts val="600"/>
+              </a:spcAft>
+              <a:buClr>
+                <a:schemeClr val="accent1"/>
+              </a:buClr>
+              <a:buSzPct val="115000"/>
+              <a:buFont typeface="Arial"/>
+              <a:buChar char="•"/>
+              <a:defRPr sz="1400" kern="1200" cap="none">
+                <a:solidFill>
+                  <a:schemeClr val="tx1">
+                    <a:lumMod val="85000"/>
+                    <a:lumOff val="15000"/>
+                  </a:schemeClr>
+                </a:solidFill>
+                <a:effectLst/>
+                <a:latin typeface="+mn-lt"/>
+                <a:ea typeface="+mn-ea"/>
+                <a:cs typeface="+mn-cs"/>
+              </a:defRPr>
+            </a:lvl9pPr>
+          </a:lstStyle>
+          <a:p>
+            <a:r>
+              <a:rPr lang="zh-TW" altLang="en-US" sz="1800" dirty="0"/>
+              <a:t>加密資料寬度為</a:t>
+            </a:r>
+            <a:r>
+              <a:rPr lang="en-US" altLang="zh-TW" sz="1800" dirty="0"/>
+              <a:t>128</a:t>
+            </a:r>
+            <a:r>
+              <a:rPr lang="zh-TW" altLang="en-US" sz="1800" dirty="0"/>
+              <a:t>，每筆</a:t>
+            </a:r>
+            <a:r>
+              <a:rPr lang="en-US" altLang="zh-TW" sz="1800" dirty="0"/>
+              <a:t>RAM</a:t>
+            </a:r>
+            <a:r>
+              <a:rPr lang="zh-TW" altLang="en-US" sz="1800" dirty="0"/>
+              <a:t>資料為</a:t>
+            </a:r>
+            <a:r>
+              <a:rPr lang="en-US" altLang="zh-TW" sz="1800" dirty="0"/>
+              <a:t>4</a:t>
+            </a:r>
+            <a:r>
+              <a:rPr lang="zh-TW" altLang="en-US" sz="1800" dirty="0"/>
+              <a:t>組</a:t>
+            </a:r>
+            <a:r>
+              <a:rPr lang="en-US" altLang="zh-TW" sz="1800" dirty="0"/>
+              <a:t>bytes</a:t>
+            </a:r>
+            <a:r>
+              <a:rPr lang="zh-TW" altLang="en-US" sz="1800" dirty="0"/>
+              <a:t>，但每組</a:t>
+            </a:r>
+            <a:r>
+              <a:rPr lang="en-US" altLang="zh-TW" sz="1800" dirty="0"/>
+              <a:t>byte</a:t>
+            </a:r>
+            <a:r>
+              <a:rPr lang="zh-TW" altLang="en-US" sz="1800" dirty="0"/>
+              <a:t>的第</a:t>
+            </a:r>
+            <a:r>
+              <a:rPr lang="en-US" altLang="zh-TW" sz="1800" dirty="0"/>
+              <a:t>1</a:t>
+            </a:r>
+            <a:r>
+              <a:rPr lang="zh-TW" altLang="en-US" sz="1800" dirty="0"/>
+              <a:t>個</a:t>
+            </a:r>
+            <a:r>
+              <a:rPr lang="en-US" altLang="zh-TW" sz="1800" dirty="0"/>
+              <a:t>bit</a:t>
+            </a:r>
+            <a:r>
+              <a:rPr lang="zh-TW" altLang="en-US" sz="1800" dirty="0"/>
+              <a:t>不使用，因此每筆</a:t>
+            </a:r>
+            <a:r>
+              <a:rPr lang="en-US" altLang="zh-TW" sz="1800" dirty="0"/>
+              <a:t>RAM</a:t>
+            </a:r>
+            <a:r>
+              <a:rPr lang="zh-TW" altLang="en-US" sz="1800" dirty="0"/>
+              <a:t>的可用資料為</a:t>
+            </a:r>
+            <a:r>
+              <a:rPr lang="en-US" altLang="zh-TW" sz="1800" dirty="0"/>
+              <a:t>28bits</a:t>
+            </a:r>
+            <a:r>
+              <a:rPr lang="zh-TW" altLang="en-US" sz="1800" dirty="0"/>
+              <a:t>，因此每筆</a:t>
+            </a:r>
+            <a:r>
+              <a:rPr lang="en-US" altLang="zh-TW" sz="1800" dirty="0"/>
+              <a:t>AES</a:t>
+            </a:r>
+            <a:r>
+              <a:rPr lang="zh-TW" altLang="en-US" sz="1800" dirty="0"/>
+              <a:t>資料須使用</a:t>
+            </a:r>
+            <a:r>
+              <a:rPr lang="en-US" altLang="zh-TW" sz="1800" dirty="0"/>
+              <a:t>5</a:t>
+            </a:r>
+            <a:r>
+              <a:rPr lang="zh-TW" altLang="en-US" sz="1800" dirty="0"/>
+              <a:t>筆</a:t>
+            </a:r>
+            <a:r>
+              <a:rPr lang="en-US" altLang="zh-TW" sz="1800" dirty="0"/>
+              <a:t>RAM</a:t>
+            </a:r>
+            <a:r>
+              <a:rPr lang="zh-TW" altLang="en-US" sz="1800" dirty="0"/>
+              <a:t>，第</a:t>
+            </a:r>
+            <a:r>
+              <a:rPr lang="en-US" altLang="zh-TW" sz="1800" dirty="0"/>
+              <a:t>5</a:t>
+            </a:r>
+            <a:r>
+              <a:rPr lang="zh-TW" altLang="en-US" sz="1800" dirty="0"/>
+              <a:t>筆僅使用</a:t>
+            </a:r>
+            <a:r>
+              <a:rPr lang="en-US" altLang="zh-TW" sz="1800" dirty="0"/>
+              <a:t>16bits</a:t>
+            </a:r>
+            <a:r>
+              <a:rPr lang="zh-TW" altLang="en-US" sz="1800" dirty="0"/>
+              <a:t>。</a:t>
+            </a:r>
+            <a:endParaRPr lang="en-US" altLang="zh-TW" sz="1800" dirty="0"/>
+          </a:p>
+        </p:txBody>
+      </p:sp>
+      <p:sp>
+        <p:nvSpPr>
+          <p:cNvPr id="44" name="矩形 43">
+            <a:extLst>
+              <a:ext uri="{FF2B5EF4-FFF2-40B4-BE49-F238E27FC236}">
+                <a16:creationId xmlns:a16="http://schemas.microsoft.com/office/drawing/2014/main" id="{84D07A63-DC40-A16E-9690-8536675B4D45}"/>
+              </a:ext>
+            </a:extLst>
+          </p:cNvPr>
+          <p:cNvSpPr/>
+          <p:nvPr/>
+        </p:nvSpPr>
+        <p:spPr>
+          <a:xfrm>
+            <a:off x="3417569" y="3282157"/>
+            <a:ext cx="395757" cy="94455"/>
+          </a:xfrm>
+          <a:prstGeom prst="rect">
+            <a:avLst/>
+          </a:prstGeom>
+          <a:solidFill>
+            <a:schemeClr val="tx1"/>
+          </a:solidFill>
+          <a:ln w="3175">
+            <a:solidFill>
+              <a:schemeClr val="tx1"/>
+            </a:solidFill>
+          </a:ln>
+        </p:spPr>
+        <p:style>
+          <a:lnRef idx="2">
+            <a:schemeClr val="accent1">
+              <a:shade val="50000"/>
+            </a:schemeClr>
+          </a:lnRef>
+          <a:fillRef idx="1">
+            <a:schemeClr val="accent1"/>
+          </a:fillRef>
+          <a:effectRef idx="0">
+            <a:schemeClr val="accent1"/>
+          </a:effectRef>
+          <a:fontRef idx="minor">
+            <a:schemeClr val="lt1"/>
+          </a:fontRef>
+        </p:style>
+        <p:txBody>
+          <a:bodyPr rtlCol="0" anchor="ctr"/>
+          <a:lstStyle/>
+          <a:p>
+            <a:pPr algn="ctr"/>
+            <a:endParaRPr lang="zh-TW" altLang="en-US"/>
+          </a:p>
+        </p:txBody>
+      </p:sp>
+      <p:sp>
+        <p:nvSpPr>
+          <p:cNvPr id="46" name="矩形 45">
+            <a:extLst>
+              <a:ext uri="{FF2B5EF4-FFF2-40B4-BE49-F238E27FC236}">
+                <a16:creationId xmlns:a16="http://schemas.microsoft.com/office/drawing/2014/main" id="{4017BEC9-C109-54DA-4A34-A1383CE8AA75}"/>
+              </a:ext>
+            </a:extLst>
+          </p:cNvPr>
+          <p:cNvSpPr/>
+          <p:nvPr/>
+        </p:nvSpPr>
+        <p:spPr>
+          <a:xfrm>
+            <a:off x="3881119" y="3285860"/>
+            <a:ext cx="309882" cy="90752"/>
+          </a:xfrm>
+          <a:prstGeom prst="rect">
+            <a:avLst/>
+          </a:prstGeom>
+          <a:solidFill>
+            <a:schemeClr val="tx1"/>
+          </a:solidFill>
+          <a:ln w="3175">
+            <a:solidFill>
+              <a:schemeClr val="tx1"/>
+            </a:solidFill>
+          </a:ln>
+        </p:spPr>
+        <p:style>
+          <a:lnRef idx="2">
+            <a:schemeClr val="accent1">
+              <a:shade val="50000"/>
+            </a:schemeClr>
+          </a:lnRef>
+          <a:fillRef idx="1">
+            <a:schemeClr val="accent1"/>
+          </a:fillRef>
+          <a:effectRef idx="0">
+            <a:schemeClr val="accent1"/>
+          </a:effectRef>
+          <a:fontRef idx="minor">
+            <a:schemeClr val="lt1"/>
+          </a:fontRef>
+        </p:style>
+        <p:txBody>
+          <a:bodyPr rtlCol="0" anchor="ctr"/>
+          <a:lstStyle/>
+          <a:p>
+            <a:pPr algn="ctr"/>
+            <a:endParaRPr lang="zh-TW" altLang="en-US"/>
+          </a:p>
+        </p:txBody>
+      </p:sp>
+      <p:sp>
+        <p:nvSpPr>
+          <p:cNvPr id="47" name="矩形 46">
+            <a:extLst>
+              <a:ext uri="{FF2B5EF4-FFF2-40B4-BE49-F238E27FC236}">
+                <a16:creationId xmlns:a16="http://schemas.microsoft.com/office/drawing/2014/main" id="{502F64C1-AB52-AEBB-4253-1E58787B2048}"/>
+              </a:ext>
+            </a:extLst>
+          </p:cNvPr>
+          <p:cNvSpPr/>
+          <p:nvPr/>
+        </p:nvSpPr>
+        <p:spPr>
+          <a:xfrm>
+            <a:off x="4178301" y="3274302"/>
+            <a:ext cx="1065519" cy="110774"/>
+          </a:xfrm>
+          <a:prstGeom prst="rect">
+            <a:avLst/>
+          </a:prstGeom>
+          <a:noFill/>
+          <a:ln w="19050">
+            <a:solidFill>
+              <a:srgbClr val="FFC000"/>
+            </a:solidFill>
+          </a:ln>
+        </p:spPr>
+        <p:style>
+          <a:lnRef idx="2">
+            <a:schemeClr val="accent1">
+              <a:shade val="50000"/>
+            </a:schemeClr>
+          </a:lnRef>
+          <a:fillRef idx="1">
+            <a:schemeClr val="accent1"/>
+          </a:fillRef>
+          <a:effectRef idx="0">
+            <a:schemeClr val="accent1"/>
+          </a:effectRef>
+          <a:fontRef idx="minor">
+            <a:schemeClr val="lt1"/>
+          </a:fontRef>
+        </p:style>
+        <p:txBody>
+          <a:bodyPr rtlCol="0" anchor="ctr"/>
+          <a:lstStyle/>
+          <a:p>
+            <a:pPr algn="ctr"/>
+            <a:endParaRPr lang="zh-TW" altLang="en-US"/>
+          </a:p>
+        </p:txBody>
+      </p:sp>
+      <p:sp>
+        <p:nvSpPr>
+          <p:cNvPr id="48" name="矩形 47">
+            <a:extLst>
+              <a:ext uri="{FF2B5EF4-FFF2-40B4-BE49-F238E27FC236}">
+                <a16:creationId xmlns:a16="http://schemas.microsoft.com/office/drawing/2014/main" id="{5638916E-0955-AB2B-43DF-E09A24DD6B5B}"/>
+              </a:ext>
+            </a:extLst>
+          </p:cNvPr>
+          <p:cNvSpPr/>
+          <p:nvPr/>
+        </p:nvSpPr>
+        <p:spPr>
+          <a:xfrm>
+            <a:off x="3348359" y="2451099"/>
+            <a:ext cx="950591" cy="111267"/>
+          </a:xfrm>
+          <a:prstGeom prst="rect">
+            <a:avLst/>
+          </a:prstGeom>
+          <a:noFill/>
+          <a:ln w="19050">
+            <a:solidFill>
+              <a:srgbClr val="FFC000"/>
+            </a:solidFill>
+          </a:ln>
+        </p:spPr>
+        <p:style>
+          <a:lnRef idx="2">
+            <a:schemeClr val="accent1">
+              <a:shade val="50000"/>
+            </a:schemeClr>
+          </a:lnRef>
+          <a:fillRef idx="1">
+            <a:schemeClr val="accent1"/>
+          </a:fillRef>
+          <a:effectRef idx="0">
+            <a:schemeClr val="accent1"/>
+          </a:effectRef>
+          <a:fontRef idx="minor">
+            <a:schemeClr val="lt1"/>
+          </a:fontRef>
+        </p:style>
+        <p:txBody>
+          <a:bodyPr rtlCol="0" anchor="ctr"/>
+          <a:lstStyle/>
+          <a:p>
+            <a:pPr algn="ctr"/>
+            <a:endParaRPr lang="zh-TW" altLang="en-US"/>
+          </a:p>
+        </p:txBody>
+      </p:sp>
+      <p:sp>
+        <p:nvSpPr>
+          <p:cNvPr id="52" name="矩形 51">
+            <a:extLst>
+              <a:ext uri="{FF2B5EF4-FFF2-40B4-BE49-F238E27FC236}">
+                <a16:creationId xmlns:a16="http://schemas.microsoft.com/office/drawing/2014/main" id="{840DDE50-09CD-FBF8-114D-46B99E13AC08}"/>
+              </a:ext>
+            </a:extLst>
+          </p:cNvPr>
+          <p:cNvSpPr/>
+          <p:nvPr/>
+        </p:nvSpPr>
+        <p:spPr>
+          <a:xfrm>
+            <a:off x="4303393" y="2451099"/>
+            <a:ext cx="1640207" cy="119516"/>
+          </a:xfrm>
+          <a:prstGeom prst="rect">
+            <a:avLst/>
+          </a:prstGeom>
+          <a:noFill/>
+          <a:ln w="19050">
+            <a:solidFill>
+              <a:srgbClr val="00B0F0"/>
+            </a:solidFill>
+          </a:ln>
+        </p:spPr>
+        <p:style>
+          <a:lnRef idx="2">
+            <a:schemeClr val="accent1">
+              <a:shade val="50000"/>
+            </a:schemeClr>
+          </a:lnRef>
+          <a:fillRef idx="1">
+            <a:schemeClr val="accent1"/>
+          </a:fillRef>
+          <a:effectRef idx="0">
+            <a:schemeClr val="accent1"/>
+          </a:effectRef>
+          <a:fontRef idx="minor">
+            <a:schemeClr val="lt1"/>
+          </a:fontRef>
+        </p:style>
+        <p:txBody>
+          <a:bodyPr rtlCol="0" anchor="ctr"/>
+          <a:lstStyle/>
+          <a:p>
+            <a:pPr algn="ctr"/>
+            <a:endParaRPr lang="zh-TW" altLang="en-US"/>
+          </a:p>
+        </p:txBody>
+      </p:sp>
+      <p:sp>
+        <p:nvSpPr>
+          <p:cNvPr id="53" name="矩形 52">
+            <a:extLst>
+              <a:ext uri="{FF2B5EF4-FFF2-40B4-BE49-F238E27FC236}">
+                <a16:creationId xmlns:a16="http://schemas.microsoft.com/office/drawing/2014/main" id="{67E047FD-63B5-D436-6F45-33D7DD8DB53C}"/>
+              </a:ext>
+            </a:extLst>
+          </p:cNvPr>
+          <p:cNvSpPr/>
+          <p:nvPr/>
+        </p:nvSpPr>
+        <p:spPr>
+          <a:xfrm>
+            <a:off x="3401696" y="3110176"/>
+            <a:ext cx="1842120" cy="117928"/>
+          </a:xfrm>
+          <a:prstGeom prst="rect">
+            <a:avLst/>
+          </a:prstGeom>
+          <a:noFill/>
+          <a:ln w="19050">
+            <a:solidFill>
+              <a:srgbClr val="00B0F0"/>
+            </a:solidFill>
+          </a:ln>
+        </p:spPr>
+        <p:style>
+          <a:lnRef idx="2">
+            <a:schemeClr val="accent1">
+              <a:shade val="50000"/>
+            </a:schemeClr>
+          </a:lnRef>
+          <a:fillRef idx="1">
+            <a:schemeClr val="accent1"/>
+          </a:fillRef>
+          <a:effectRef idx="0">
+            <a:schemeClr val="accent1"/>
+          </a:effectRef>
+          <a:fontRef idx="minor">
+            <a:schemeClr val="lt1"/>
+          </a:fontRef>
+        </p:style>
+        <p:txBody>
+          <a:bodyPr rtlCol="0" anchor="ctr"/>
+          <a:lstStyle/>
+          <a:p>
+            <a:pPr algn="ctr"/>
+            <a:endParaRPr lang="zh-TW" altLang="en-US"/>
+          </a:p>
+        </p:txBody>
+      </p:sp>
+      <p:sp>
+        <p:nvSpPr>
+          <p:cNvPr id="54" name="矩形 53">
+            <a:extLst>
+              <a:ext uri="{FF2B5EF4-FFF2-40B4-BE49-F238E27FC236}">
+                <a16:creationId xmlns:a16="http://schemas.microsoft.com/office/drawing/2014/main" id="{9AB317B0-32D9-C823-95E6-ACF65D5DB787}"/>
+              </a:ext>
+            </a:extLst>
+          </p:cNvPr>
+          <p:cNvSpPr/>
+          <p:nvPr/>
+        </p:nvSpPr>
+        <p:spPr>
+          <a:xfrm>
+            <a:off x="3401694" y="2939487"/>
+            <a:ext cx="1842118" cy="115728"/>
+          </a:xfrm>
+          <a:prstGeom prst="rect">
+            <a:avLst/>
+          </a:prstGeom>
+          <a:noFill/>
+          <a:ln w="19050">
+            <a:solidFill>
+              <a:srgbClr val="92D050"/>
+            </a:solidFill>
+          </a:ln>
+        </p:spPr>
+        <p:style>
+          <a:lnRef idx="2">
+            <a:schemeClr val="accent1">
+              <a:shade val="50000"/>
+            </a:schemeClr>
+          </a:lnRef>
+          <a:fillRef idx="1">
+            <a:schemeClr val="accent1"/>
+          </a:fillRef>
+          <a:effectRef idx="0">
+            <a:schemeClr val="accent1"/>
+          </a:effectRef>
+          <a:fontRef idx="minor">
+            <a:schemeClr val="lt1"/>
+          </a:fontRef>
+        </p:style>
+        <p:txBody>
+          <a:bodyPr rtlCol="0" anchor="ctr"/>
+          <a:lstStyle/>
+          <a:p>
+            <a:pPr algn="ctr"/>
+            <a:endParaRPr lang="zh-TW" altLang="en-US"/>
+          </a:p>
+        </p:txBody>
+      </p:sp>
+      <p:sp>
+        <p:nvSpPr>
+          <p:cNvPr id="55" name="矩形 54">
+            <a:extLst>
+              <a:ext uri="{FF2B5EF4-FFF2-40B4-BE49-F238E27FC236}">
+                <a16:creationId xmlns:a16="http://schemas.microsoft.com/office/drawing/2014/main" id="{9F9F58CD-ABC7-7DA5-5AFE-06E1B6A62274}"/>
+              </a:ext>
+            </a:extLst>
+          </p:cNvPr>
+          <p:cNvSpPr/>
+          <p:nvPr/>
+        </p:nvSpPr>
+        <p:spPr>
+          <a:xfrm>
+            <a:off x="5943600" y="2446638"/>
+            <a:ext cx="1640207" cy="115728"/>
+          </a:xfrm>
+          <a:prstGeom prst="rect">
+            <a:avLst/>
+          </a:prstGeom>
+          <a:noFill/>
+          <a:ln w="19050">
+            <a:solidFill>
+              <a:srgbClr val="92D050"/>
+            </a:solidFill>
+          </a:ln>
+        </p:spPr>
+        <p:style>
+          <a:lnRef idx="2">
+            <a:schemeClr val="accent1">
+              <a:shade val="50000"/>
+            </a:schemeClr>
+          </a:lnRef>
+          <a:fillRef idx="1">
+            <a:schemeClr val="accent1"/>
+          </a:fillRef>
+          <a:effectRef idx="0">
+            <a:schemeClr val="accent1"/>
+          </a:effectRef>
+          <a:fontRef idx="minor">
+            <a:schemeClr val="lt1"/>
+          </a:fontRef>
+        </p:style>
+        <p:txBody>
+          <a:bodyPr rtlCol="0" anchor="ctr"/>
+          <a:lstStyle/>
+          <a:p>
+            <a:pPr algn="ctr"/>
+            <a:endParaRPr lang="zh-TW" altLang="en-US"/>
+          </a:p>
+        </p:txBody>
+      </p:sp>
+      <p:sp>
+        <p:nvSpPr>
+          <p:cNvPr id="57" name="矩形 56">
+            <a:extLst>
+              <a:ext uri="{FF2B5EF4-FFF2-40B4-BE49-F238E27FC236}">
+                <a16:creationId xmlns:a16="http://schemas.microsoft.com/office/drawing/2014/main" id="{94214510-E048-98D8-2763-5EFC5E095F7E}"/>
+              </a:ext>
+            </a:extLst>
+          </p:cNvPr>
+          <p:cNvSpPr/>
+          <p:nvPr/>
+        </p:nvSpPr>
+        <p:spPr>
+          <a:xfrm>
+            <a:off x="3401694" y="2785711"/>
+            <a:ext cx="1842118" cy="115728"/>
+          </a:xfrm>
+          <a:prstGeom prst="rect">
+            <a:avLst/>
+          </a:prstGeom>
+          <a:noFill/>
+          <a:ln w="19050">
+            <a:solidFill>
+              <a:srgbClr val="FF66FF"/>
+            </a:solidFill>
+          </a:ln>
+        </p:spPr>
+        <p:style>
+          <a:lnRef idx="2">
+            <a:schemeClr val="accent1">
+              <a:shade val="50000"/>
+            </a:schemeClr>
+          </a:lnRef>
+          <a:fillRef idx="1">
+            <a:schemeClr val="accent1"/>
+          </a:fillRef>
+          <a:effectRef idx="0">
+            <a:schemeClr val="accent1"/>
+          </a:effectRef>
+          <a:fontRef idx="minor">
+            <a:schemeClr val="lt1"/>
+          </a:fontRef>
+        </p:style>
+        <p:txBody>
+          <a:bodyPr rtlCol="0" anchor="ctr"/>
+          <a:lstStyle/>
+          <a:p>
+            <a:pPr algn="ctr"/>
+            <a:endParaRPr lang="zh-TW" altLang="en-US">
+              <a:solidFill>
+                <a:srgbClr val="FFFF00"/>
+              </a:solidFill>
+            </a:endParaRPr>
+          </a:p>
+        </p:txBody>
+      </p:sp>
+      <p:sp>
+        <p:nvSpPr>
+          <p:cNvPr id="58" name="矩形 57">
+            <a:extLst>
+              <a:ext uri="{FF2B5EF4-FFF2-40B4-BE49-F238E27FC236}">
+                <a16:creationId xmlns:a16="http://schemas.microsoft.com/office/drawing/2014/main" id="{5BDFDE64-F7C7-7077-BA9F-BD3F44554731}"/>
+              </a:ext>
+            </a:extLst>
+          </p:cNvPr>
+          <p:cNvSpPr/>
+          <p:nvPr/>
+        </p:nvSpPr>
+        <p:spPr>
+          <a:xfrm>
+            <a:off x="7583807" y="2444709"/>
+            <a:ext cx="1869756" cy="125906"/>
+          </a:xfrm>
+          <a:prstGeom prst="rect">
+            <a:avLst/>
+          </a:prstGeom>
+          <a:noFill/>
+          <a:ln w="19050">
+            <a:solidFill>
+              <a:srgbClr val="FF66FF"/>
+            </a:solidFill>
+          </a:ln>
+        </p:spPr>
+        <p:style>
+          <a:lnRef idx="2">
+            <a:schemeClr val="accent1">
+              <a:shade val="50000"/>
+            </a:schemeClr>
+          </a:lnRef>
+          <a:fillRef idx="1">
+            <a:schemeClr val="accent1"/>
+          </a:fillRef>
+          <a:effectRef idx="0">
+            <a:schemeClr val="accent1"/>
+          </a:effectRef>
+          <a:fontRef idx="minor">
+            <a:schemeClr val="lt1"/>
+          </a:fontRef>
+        </p:style>
+        <p:txBody>
+          <a:bodyPr rtlCol="0" anchor="ctr"/>
+          <a:lstStyle/>
+          <a:p>
+            <a:pPr algn="ctr"/>
+            <a:endParaRPr lang="zh-TW" altLang="en-US">
+              <a:solidFill>
+                <a:srgbClr val="FFFF00"/>
+              </a:solidFill>
+            </a:endParaRPr>
+          </a:p>
+        </p:txBody>
+      </p:sp>
+      <p:sp>
+        <p:nvSpPr>
+          <p:cNvPr id="59" name="矩形 58">
+            <a:extLst>
+              <a:ext uri="{FF2B5EF4-FFF2-40B4-BE49-F238E27FC236}">
+                <a16:creationId xmlns:a16="http://schemas.microsoft.com/office/drawing/2014/main" id="{22F64420-1D2C-B65E-5754-31151D9D408C}"/>
+              </a:ext>
+            </a:extLst>
+          </p:cNvPr>
+          <p:cNvSpPr/>
+          <p:nvPr/>
+        </p:nvSpPr>
+        <p:spPr>
+          <a:xfrm>
+            <a:off x="3408024" y="2614217"/>
+            <a:ext cx="1842118" cy="115728"/>
+          </a:xfrm>
+          <a:prstGeom prst="rect">
+            <a:avLst/>
+          </a:prstGeom>
+          <a:noFill/>
+          <a:ln w="19050">
+            <a:solidFill>
+              <a:srgbClr val="FFFF00"/>
+            </a:solidFill>
+          </a:ln>
+        </p:spPr>
+        <p:style>
+          <a:lnRef idx="2">
+            <a:schemeClr val="accent1">
+              <a:shade val="50000"/>
+            </a:schemeClr>
+          </a:lnRef>
+          <a:fillRef idx="1">
+            <a:schemeClr val="accent1"/>
+          </a:fillRef>
+          <a:effectRef idx="0">
+            <a:schemeClr val="accent1"/>
+          </a:effectRef>
+          <a:fontRef idx="minor">
+            <a:schemeClr val="lt1"/>
+          </a:fontRef>
+        </p:style>
+        <p:txBody>
+          <a:bodyPr rtlCol="0" anchor="ctr"/>
+          <a:lstStyle/>
+          <a:p>
+            <a:pPr algn="ctr"/>
+            <a:endParaRPr lang="zh-TW" altLang="en-US">
+              <a:solidFill>
+                <a:srgbClr val="FFFF00"/>
+              </a:solidFill>
+            </a:endParaRPr>
+          </a:p>
+        </p:txBody>
+      </p:sp>
+      <p:sp>
+        <p:nvSpPr>
+          <p:cNvPr id="60" name="矩形 59">
+            <a:extLst>
+              <a:ext uri="{FF2B5EF4-FFF2-40B4-BE49-F238E27FC236}">
+                <a16:creationId xmlns:a16="http://schemas.microsoft.com/office/drawing/2014/main" id="{566E7520-1723-8985-1D56-2B3CDF9F2311}"/>
+              </a:ext>
+            </a:extLst>
+          </p:cNvPr>
+          <p:cNvSpPr/>
+          <p:nvPr/>
+        </p:nvSpPr>
+        <p:spPr>
+          <a:xfrm>
+            <a:off x="9453563" y="2451099"/>
+            <a:ext cx="1415101" cy="115728"/>
+          </a:xfrm>
+          <a:prstGeom prst="rect">
+            <a:avLst/>
+          </a:prstGeom>
+          <a:noFill/>
+          <a:ln w="19050">
+            <a:solidFill>
+              <a:srgbClr val="FFFF00"/>
+            </a:solidFill>
+          </a:ln>
+        </p:spPr>
+        <p:style>
+          <a:lnRef idx="2">
+            <a:schemeClr val="accent1">
+              <a:shade val="50000"/>
+            </a:schemeClr>
+          </a:lnRef>
+          <a:fillRef idx="1">
+            <a:schemeClr val="accent1"/>
+          </a:fillRef>
+          <a:effectRef idx="0">
+            <a:schemeClr val="accent1"/>
+          </a:effectRef>
+          <a:fontRef idx="minor">
+            <a:schemeClr val="lt1"/>
+          </a:fontRef>
+        </p:style>
+        <p:txBody>
+          <a:bodyPr rtlCol="0" anchor="ctr"/>
+          <a:lstStyle/>
+          <a:p>
+            <a:pPr algn="ctr"/>
+            <a:endParaRPr lang="zh-TW" altLang="en-US">
+              <a:solidFill>
+                <a:srgbClr val="FFFF00"/>
+              </a:solidFill>
+            </a:endParaRPr>
+          </a:p>
+        </p:txBody>
+      </p:sp>
+    </p:spTree>
+    <p:extLst>
+      <p:ext uri="{BB962C8B-B14F-4D97-AF65-F5344CB8AC3E}">
+        <p14:creationId xmlns:p14="http://schemas.microsoft.com/office/powerpoint/2010/main" val="2473215494"/>
+      </p:ext>
+    </p:extLst>
+  </p:cSld>
+  <p:clrMapOvr>
+    <a:masterClrMapping/>
+  </p:clrMapOvr>
+  <p:timing>
+    <p:tnLst>
+      <p:par>
+        <p:cTn id="1" dur="indefinite" restart="never" nodeType="tmRoot">
+          <p:childTnLst>
+            <p:seq concurrent="1" nextAc="seek">
+              <p:cTn id="2" dur="indefinite" nodeType="mainSeq">
+                <p:childTnLst>
+                  <p:par>
+                    <p:cTn id="3" fill="hold">
+                      <p:stCondLst>
+                        <p:cond delay="indefinite"/>
+                        <p:cond evt="onBegin" delay="0">
+                          <p:tn val="2"/>
+                        </p:cond>
+                      </p:stCondLst>
+                      <p:childTnLst>
+                        <p:par>
+                          <p:cTn id="4" fill="hold">
+                            <p:stCondLst>
+                              <p:cond delay="0"/>
+                            </p:stCondLst>
+                            <p:childTnLst>
+                              <p:par>
+                                <p:cTn id="5" presetID="2" presetClass="entr" presetSubtype="4" fill="hold" nodeType="withEffect">
+                                  <p:stCondLst>
+                                    <p:cond delay="0"/>
+                                  </p:stCondLst>
+                                  <p:childTnLst>
+                                    <p:set>
+                                      <p:cBhvr>
+                                        <p:cTn id="6" dur="1" fill="hold">
+                                          <p:stCondLst>
+                                            <p:cond delay="0"/>
+                                          </p:stCondLst>
+                                        </p:cTn>
+                                        <p:tgtEl>
+                                          <p:spTgt spid="9"/>
+                                        </p:tgtEl>
+                                        <p:attrNameLst>
+                                          <p:attrName>style.visibility</p:attrName>
+                                        </p:attrNameLst>
+                                      </p:cBhvr>
+                                      <p:to>
+                                        <p:strVal val="visible"/>
+                                      </p:to>
+                                    </p:set>
+                                    <p:anim calcmode="lin" valueType="num">
+                                      <p:cBhvr additive="base">
+                                        <p:cTn id="7" dur="500" fill="hold"/>
+                                        <p:tgtEl>
+                                          <p:spTgt spid="9"/>
+                                        </p:tgtEl>
+                                        <p:attrNameLst>
+                                          <p:attrName>ppt_x</p:attrName>
+                                        </p:attrNameLst>
+                                      </p:cBhvr>
+                                      <p:tavLst>
+                                        <p:tav tm="0">
+                                          <p:val>
+                                            <p:strVal val="#ppt_x"/>
+                                          </p:val>
+                                        </p:tav>
+                                        <p:tav tm="100000">
+                                          <p:val>
+                                            <p:strVal val="#ppt_x"/>
+                                          </p:val>
+                                        </p:tav>
+                                      </p:tavLst>
+                                    </p:anim>
+                                    <p:anim calcmode="lin" valueType="num">
+                                      <p:cBhvr additive="base">
+                                        <p:cTn id="8" dur="500" fill="hold"/>
+                                        <p:tgtEl>
+                                          <p:spTgt spid="9"/>
+                                        </p:tgtEl>
+                                        <p:attrNameLst>
+                                          <p:attrName>ppt_y</p:attrName>
+                                        </p:attrNameLst>
+                                      </p:cBhvr>
+                                      <p:tavLst>
+                                        <p:tav tm="0">
+                                          <p:val>
+                                            <p:strVal val="1+#ppt_h/2"/>
+                                          </p:val>
+                                        </p:tav>
+                                        <p:tav tm="100000">
+                                          <p:val>
+                                            <p:strVal val="#ppt_y"/>
+                                          </p:val>
+                                        </p:tav>
+                                      </p:tavLst>
+                                    </p:anim>
+                                  </p:childTnLst>
+                                </p:cTn>
+                              </p:par>
+                              <p:par>
+                                <p:cTn id="9" presetID="2" presetClass="entr" presetSubtype="4" fill="hold" nodeType="withEffect">
+                                  <p:stCondLst>
+                                    <p:cond delay="0"/>
+                                  </p:stCondLst>
+                                  <p:childTnLst>
+                                    <p:set>
+                                      <p:cBhvr>
+                                        <p:cTn id="10" dur="1" fill="hold">
+                                          <p:stCondLst>
+                                            <p:cond delay="0"/>
+                                          </p:stCondLst>
+                                        </p:cTn>
+                                        <p:tgtEl>
+                                          <p:spTgt spid="8"/>
+                                        </p:tgtEl>
+                                        <p:attrNameLst>
+                                          <p:attrName>style.visibility</p:attrName>
+                                        </p:attrNameLst>
+                                      </p:cBhvr>
+                                      <p:to>
+                                        <p:strVal val="visible"/>
+                                      </p:to>
+                                    </p:set>
+                                    <p:anim calcmode="lin" valueType="num">
+                                      <p:cBhvr additive="base">
+                                        <p:cTn id="11" dur="500" fill="hold"/>
+                                        <p:tgtEl>
+                                          <p:spTgt spid="8"/>
+                                        </p:tgtEl>
+                                        <p:attrNameLst>
+                                          <p:attrName>ppt_x</p:attrName>
+                                        </p:attrNameLst>
+                                      </p:cBhvr>
+                                      <p:tavLst>
+                                        <p:tav tm="0">
+                                          <p:val>
+                                            <p:strVal val="#ppt_x"/>
+                                          </p:val>
+                                        </p:tav>
+                                        <p:tav tm="100000">
+                                          <p:val>
+                                            <p:strVal val="#ppt_x"/>
+                                          </p:val>
+                                        </p:tav>
+                                      </p:tavLst>
+                                    </p:anim>
+                                    <p:anim calcmode="lin" valueType="num">
+                                      <p:cBhvr additive="base">
+                                        <p:cTn id="12" dur="500" fill="hold"/>
+                                        <p:tgtEl>
+                                          <p:spTgt spid="8"/>
+                                        </p:tgtEl>
+                                        <p:attrNameLst>
+                                          <p:attrName>ppt_y</p:attrName>
+                                        </p:attrNameLst>
+                                      </p:cBhvr>
+                                      <p:tavLst>
+                                        <p:tav tm="0">
+                                          <p:val>
+                                            <p:strVal val="1+#ppt_h/2"/>
+                                          </p:val>
+                                        </p:tav>
+                                        <p:tav tm="100000">
+                                          <p:val>
+                                            <p:strVal val="#ppt_y"/>
+                                          </p:val>
+                                        </p:tav>
+                                      </p:tavLst>
+                                    </p:anim>
+                                  </p:childTnLst>
+                                </p:cTn>
+                              </p:par>
+                              <p:par>
+                                <p:cTn id="13" presetID="2" presetClass="entr" presetSubtype="4" fill="hold" nodeType="withEffect">
+                                  <p:stCondLst>
+                                    <p:cond delay="0"/>
+                                  </p:stCondLst>
+                                  <p:childTnLst>
+                                    <p:set>
+                                      <p:cBhvr>
+                                        <p:cTn id="14" dur="1" fill="hold">
+                                          <p:stCondLst>
+                                            <p:cond delay="0"/>
+                                          </p:stCondLst>
+                                        </p:cTn>
+                                        <p:tgtEl>
+                                          <p:spTgt spid="7"/>
+                                        </p:tgtEl>
+                                        <p:attrNameLst>
+                                          <p:attrName>style.visibility</p:attrName>
+                                        </p:attrNameLst>
+                                      </p:cBhvr>
+                                      <p:to>
+                                        <p:strVal val="visible"/>
+                                      </p:to>
+                                    </p:set>
+                                    <p:anim calcmode="lin" valueType="num">
+                                      <p:cBhvr additive="base">
+                                        <p:cTn id="15" dur="500" fill="hold"/>
+                                        <p:tgtEl>
+                                          <p:spTgt spid="7"/>
+                                        </p:tgtEl>
+                                        <p:attrNameLst>
+                                          <p:attrName>ppt_x</p:attrName>
+                                        </p:attrNameLst>
+                                      </p:cBhvr>
+                                      <p:tavLst>
+                                        <p:tav tm="0">
+                                          <p:val>
+                                            <p:strVal val="#ppt_x"/>
+                                          </p:val>
+                                        </p:tav>
+                                        <p:tav tm="100000">
+                                          <p:val>
+                                            <p:strVal val="#ppt_x"/>
+                                          </p:val>
+                                        </p:tav>
+                                      </p:tavLst>
+                                    </p:anim>
+                                    <p:anim calcmode="lin" valueType="num">
+                                      <p:cBhvr additive="base">
+                                        <p:cTn id="16" dur="500" fill="hold"/>
+                                        <p:tgtEl>
+                                          <p:spTgt spid="7"/>
+                                        </p:tgtEl>
+                                        <p:attrNameLst>
+                                          <p:attrName>ppt_y</p:attrName>
+                                        </p:attrNameLst>
+                                      </p:cBhvr>
+                                      <p:tavLst>
+                                        <p:tav tm="0">
+                                          <p:val>
+                                            <p:strVal val="1+#ppt_h/2"/>
+                                          </p:val>
+                                        </p:tav>
+                                        <p:tav tm="100000">
+                                          <p:val>
+                                            <p:strVal val="#ppt_y"/>
+                                          </p:val>
+                                        </p:tav>
+                                      </p:tavLst>
+                                    </p:anim>
+                                  </p:childTnLst>
+                                </p:cTn>
+                              </p:par>
+                            </p:childTnLst>
+                          </p:cTn>
+                        </p:par>
+                      </p:childTnLst>
+                    </p:cTn>
+                  </p:par>
+                  <p:par>
+                    <p:cTn id="17" fill="hold">
+                      <p:stCondLst>
+                        <p:cond delay="indefinite"/>
+                      </p:stCondLst>
+                      <p:childTnLst>
+                        <p:par>
+                          <p:cTn id="18" fill="hold">
+                            <p:stCondLst>
+                              <p:cond delay="0"/>
+                            </p:stCondLst>
+                            <p:childTnLst>
+                              <p:par>
+                                <p:cTn id="19" presetID="2" presetClass="entr" presetSubtype="4" fill="hold" grpId="0" nodeType="clickEffect">
+                                  <p:stCondLst>
+                                    <p:cond delay="0"/>
+                                  </p:stCondLst>
+                                  <p:childTnLst>
+                                    <p:set>
+                                      <p:cBhvr>
+                                        <p:cTn id="20" dur="1" fill="hold">
+                                          <p:stCondLst>
+                                            <p:cond delay="0"/>
+                                          </p:stCondLst>
+                                        </p:cTn>
+                                        <p:tgtEl>
+                                          <p:spTgt spid="38"/>
+                                        </p:tgtEl>
+                                        <p:attrNameLst>
+                                          <p:attrName>style.visibility</p:attrName>
+                                        </p:attrNameLst>
+                                      </p:cBhvr>
+                                      <p:to>
+                                        <p:strVal val="visible"/>
+                                      </p:to>
+                                    </p:set>
+                                    <p:anim calcmode="lin" valueType="num">
+                                      <p:cBhvr additive="base">
+                                        <p:cTn id="21" dur="500" fill="hold"/>
+                                        <p:tgtEl>
+                                          <p:spTgt spid="38"/>
+                                        </p:tgtEl>
+                                        <p:attrNameLst>
+                                          <p:attrName>ppt_x</p:attrName>
+                                        </p:attrNameLst>
+                                      </p:cBhvr>
+                                      <p:tavLst>
+                                        <p:tav tm="0">
+                                          <p:val>
+                                            <p:strVal val="#ppt_x"/>
+                                          </p:val>
+                                        </p:tav>
+                                        <p:tav tm="100000">
+                                          <p:val>
+                                            <p:strVal val="#ppt_x"/>
+                                          </p:val>
+                                        </p:tav>
+                                      </p:tavLst>
+                                    </p:anim>
+                                    <p:anim calcmode="lin" valueType="num">
+                                      <p:cBhvr additive="base">
+                                        <p:cTn id="22" dur="500" fill="hold"/>
+                                        <p:tgtEl>
+                                          <p:spTgt spid="38"/>
+                                        </p:tgtEl>
+                                        <p:attrNameLst>
+                                          <p:attrName>ppt_y</p:attrName>
+                                        </p:attrNameLst>
+                                      </p:cBhvr>
+                                      <p:tavLst>
+                                        <p:tav tm="0">
+                                          <p:val>
+                                            <p:strVal val="1+#ppt_h/2"/>
+                                          </p:val>
+                                        </p:tav>
+                                        <p:tav tm="100000">
+                                          <p:val>
+                                            <p:strVal val="#ppt_y"/>
+                                          </p:val>
+                                        </p:tav>
+                                      </p:tavLst>
+                                    </p:anim>
+                                  </p:childTnLst>
+                                </p:cTn>
+                              </p:par>
+                              <p:par>
+                                <p:cTn id="23" presetID="2" presetClass="entr" presetSubtype="4" fill="hold" grpId="0" nodeType="withEffect">
+                                  <p:stCondLst>
+                                    <p:cond delay="0"/>
+                                  </p:stCondLst>
+                                  <p:childTnLst>
+                                    <p:set>
+                                      <p:cBhvr>
+                                        <p:cTn id="24" dur="1" fill="hold">
+                                          <p:stCondLst>
+                                            <p:cond delay="0"/>
+                                          </p:stCondLst>
+                                        </p:cTn>
+                                        <p:tgtEl>
+                                          <p:spTgt spid="29"/>
+                                        </p:tgtEl>
+                                        <p:attrNameLst>
+                                          <p:attrName>style.visibility</p:attrName>
+                                        </p:attrNameLst>
+                                      </p:cBhvr>
+                                      <p:to>
+                                        <p:strVal val="visible"/>
+                                      </p:to>
+                                    </p:set>
+                                    <p:anim calcmode="lin" valueType="num">
+                                      <p:cBhvr additive="base">
+                                        <p:cTn id="25" dur="500" fill="hold"/>
+                                        <p:tgtEl>
+                                          <p:spTgt spid="29"/>
+                                        </p:tgtEl>
+                                        <p:attrNameLst>
+                                          <p:attrName>ppt_x</p:attrName>
+                                        </p:attrNameLst>
+                                      </p:cBhvr>
+                                      <p:tavLst>
+                                        <p:tav tm="0">
+                                          <p:val>
+                                            <p:strVal val="#ppt_x"/>
+                                          </p:val>
+                                        </p:tav>
+                                        <p:tav tm="100000">
+                                          <p:val>
+                                            <p:strVal val="#ppt_x"/>
+                                          </p:val>
+                                        </p:tav>
+                                      </p:tavLst>
+                                    </p:anim>
+                                    <p:anim calcmode="lin" valueType="num">
+                                      <p:cBhvr additive="base">
+                                        <p:cTn id="26" dur="500" fill="hold"/>
+                                        <p:tgtEl>
+                                          <p:spTgt spid="29"/>
+                                        </p:tgtEl>
+                                        <p:attrNameLst>
+                                          <p:attrName>ppt_y</p:attrName>
+                                        </p:attrNameLst>
+                                      </p:cBhvr>
+                                      <p:tavLst>
+                                        <p:tav tm="0">
+                                          <p:val>
+                                            <p:strVal val="1+#ppt_h/2"/>
+                                          </p:val>
+                                        </p:tav>
+                                        <p:tav tm="100000">
+                                          <p:val>
+                                            <p:strVal val="#ppt_y"/>
+                                          </p:val>
+                                        </p:tav>
+                                      </p:tavLst>
+                                    </p:anim>
+                                  </p:childTnLst>
+                                </p:cTn>
+                              </p:par>
+                              <p:par>
+                                <p:cTn id="27" presetID="2" presetClass="entr" presetSubtype="4" fill="hold" grpId="0" nodeType="withEffect">
+                                  <p:stCondLst>
+                                    <p:cond delay="0"/>
+                                  </p:stCondLst>
+                                  <p:childTnLst>
+                                    <p:set>
+                                      <p:cBhvr>
+                                        <p:cTn id="28" dur="1" fill="hold">
+                                          <p:stCondLst>
+                                            <p:cond delay="0"/>
+                                          </p:stCondLst>
+                                        </p:cTn>
+                                        <p:tgtEl>
+                                          <p:spTgt spid="22"/>
+                                        </p:tgtEl>
+                                        <p:attrNameLst>
+                                          <p:attrName>style.visibility</p:attrName>
+                                        </p:attrNameLst>
+                                      </p:cBhvr>
+                                      <p:to>
+                                        <p:strVal val="visible"/>
+                                      </p:to>
+                                    </p:set>
+                                    <p:anim calcmode="lin" valueType="num">
+                                      <p:cBhvr additive="base">
+                                        <p:cTn id="29" dur="500" fill="hold"/>
+                                        <p:tgtEl>
+                                          <p:spTgt spid="22"/>
+                                        </p:tgtEl>
+                                        <p:attrNameLst>
+                                          <p:attrName>ppt_x</p:attrName>
+                                        </p:attrNameLst>
+                                      </p:cBhvr>
+                                      <p:tavLst>
+                                        <p:tav tm="0">
+                                          <p:val>
+                                            <p:strVal val="#ppt_x"/>
+                                          </p:val>
+                                        </p:tav>
+                                        <p:tav tm="100000">
+                                          <p:val>
+                                            <p:strVal val="#ppt_x"/>
+                                          </p:val>
+                                        </p:tav>
+                                      </p:tavLst>
+                                    </p:anim>
+                                    <p:anim calcmode="lin" valueType="num">
+                                      <p:cBhvr additive="base">
+                                        <p:cTn id="30" dur="500" fill="hold"/>
+                                        <p:tgtEl>
+                                          <p:spTgt spid="22"/>
+                                        </p:tgtEl>
+                                        <p:attrNameLst>
+                                          <p:attrName>ppt_y</p:attrName>
+                                        </p:attrNameLst>
+                                      </p:cBhvr>
+                                      <p:tavLst>
+                                        <p:tav tm="0">
+                                          <p:val>
+                                            <p:strVal val="1+#ppt_h/2"/>
+                                          </p:val>
+                                        </p:tav>
+                                        <p:tav tm="100000">
+                                          <p:val>
+                                            <p:strVal val="#ppt_y"/>
+                                          </p:val>
+                                        </p:tav>
+                                      </p:tavLst>
+                                    </p:anim>
+                                  </p:childTnLst>
+                                </p:cTn>
+                              </p:par>
+                              <p:par>
+                                <p:cTn id="31" presetID="2" presetClass="entr" presetSubtype="4" fill="hold" grpId="0" nodeType="withEffect">
+                                  <p:stCondLst>
+                                    <p:cond delay="0"/>
+                                  </p:stCondLst>
+                                  <p:childTnLst>
+                                    <p:set>
+                                      <p:cBhvr>
+                                        <p:cTn id="32" dur="1" fill="hold">
+                                          <p:stCondLst>
+                                            <p:cond delay="0"/>
+                                          </p:stCondLst>
+                                        </p:cTn>
+                                        <p:tgtEl>
+                                          <p:spTgt spid="23"/>
+                                        </p:tgtEl>
+                                        <p:attrNameLst>
+                                          <p:attrName>style.visibility</p:attrName>
+                                        </p:attrNameLst>
+                                      </p:cBhvr>
+                                      <p:to>
+                                        <p:strVal val="visible"/>
+                                      </p:to>
+                                    </p:set>
+                                    <p:anim calcmode="lin" valueType="num">
+                                      <p:cBhvr additive="base">
+                                        <p:cTn id="33" dur="500" fill="hold"/>
+                                        <p:tgtEl>
+                                          <p:spTgt spid="23"/>
+                                        </p:tgtEl>
+                                        <p:attrNameLst>
+                                          <p:attrName>ppt_x</p:attrName>
+                                        </p:attrNameLst>
+                                      </p:cBhvr>
+                                      <p:tavLst>
+                                        <p:tav tm="0">
+                                          <p:val>
+                                            <p:strVal val="#ppt_x"/>
+                                          </p:val>
+                                        </p:tav>
+                                        <p:tav tm="100000">
+                                          <p:val>
+                                            <p:strVal val="#ppt_x"/>
+                                          </p:val>
+                                        </p:tav>
+                                      </p:tavLst>
+                                    </p:anim>
+                                    <p:anim calcmode="lin" valueType="num">
+                                      <p:cBhvr additive="base">
+                                        <p:cTn id="34" dur="500" fill="hold"/>
+                                        <p:tgtEl>
+                                          <p:spTgt spid="23"/>
+                                        </p:tgtEl>
+                                        <p:attrNameLst>
+                                          <p:attrName>ppt_y</p:attrName>
+                                        </p:attrNameLst>
+                                      </p:cBhvr>
+                                      <p:tavLst>
+                                        <p:tav tm="0">
+                                          <p:val>
+                                            <p:strVal val="1+#ppt_h/2"/>
+                                          </p:val>
+                                        </p:tav>
+                                        <p:tav tm="100000">
+                                          <p:val>
+                                            <p:strVal val="#ppt_y"/>
+                                          </p:val>
+                                        </p:tav>
+                                      </p:tavLst>
+                                    </p:anim>
+                                  </p:childTnLst>
+                                </p:cTn>
+                              </p:par>
+                              <p:par>
+                                <p:cTn id="35" presetID="2" presetClass="entr" presetSubtype="4" fill="hold" grpId="0" nodeType="withEffect">
+                                  <p:stCondLst>
+                                    <p:cond delay="0"/>
+                                  </p:stCondLst>
+                                  <p:childTnLst>
+                                    <p:set>
+                                      <p:cBhvr>
+                                        <p:cTn id="36" dur="1" fill="hold">
+                                          <p:stCondLst>
+                                            <p:cond delay="0"/>
+                                          </p:stCondLst>
+                                        </p:cTn>
+                                        <p:tgtEl>
+                                          <p:spTgt spid="20"/>
+                                        </p:tgtEl>
+                                        <p:attrNameLst>
+                                          <p:attrName>style.visibility</p:attrName>
+                                        </p:attrNameLst>
+                                      </p:cBhvr>
+                                      <p:to>
+                                        <p:strVal val="visible"/>
+                                      </p:to>
+                                    </p:set>
+                                    <p:anim calcmode="lin" valueType="num">
+                                      <p:cBhvr additive="base">
+                                        <p:cTn id="37" dur="500" fill="hold"/>
+                                        <p:tgtEl>
+                                          <p:spTgt spid="20"/>
+                                        </p:tgtEl>
+                                        <p:attrNameLst>
+                                          <p:attrName>ppt_x</p:attrName>
+                                        </p:attrNameLst>
+                                      </p:cBhvr>
+                                      <p:tavLst>
+                                        <p:tav tm="0">
+                                          <p:val>
+                                            <p:strVal val="#ppt_x"/>
+                                          </p:val>
+                                        </p:tav>
+                                        <p:tav tm="100000">
+                                          <p:val>
+                                            <p:strVal val="#ppt_x"/>
+                                          </p:val>
+                                        </p:tav>
+                                      </p:tavLst>
+                                    </p:anim>
+                                    <p:anim calcmode="lin" valueType="num">
+                                      <p:cBhvr additive="base">
+                                        <p:cTn id="38" dur="500" fill="hold"/>
+                                        <p:tgtEl>
+                                          <p:spTgt spid="20"/>
+                                        </p:tgtEl>
+                                        <p:attrNameLst>
+                                          <p:attrName>ppt_y</p:attrName>
+                                        </p:attrNameLst>
+                                      </p:cBhvr>
+                                      <p:tavLst>
+                                        <p:tav tm="0">
+                                          <p:val>
+                                            <p:strVal val="1+#ppt_h/2"/>
+                                          </p:val>
+                                        </p:tav>
+                                        <p:tav tm="100000">
+                                          <p:val>
+                                            <p:strVal val="#ppt_y"/>
+                                          </p:val>
+                                        </p:tav>
+                                      </p:tavLst>
+                                    </p:anim>
+                                  </p:childTnLst>
+                                </p:cTn>
+                              </p:par>
+                              <p:par>
+                                <p:cTn id="39" presetID="2" presetClass="entr" presetSubtype="4" fill="hold" grpId="0" nodeType="withEffect">
+                                  <p:stCondLst>
+                                    <p:cond delay="0"/>
+                                  </p:stCondLst>
+                                  <p:childTnLst>
+                                    <p:set>
+                                      <p:cBhvr>
+                                        <p:cTn id="40" dur="1" fill="hold">
+                                          <p:stCondLst>
+                                            <p:cond delay="0"/>
+                                          </p:stCondLst>
+                                        </p:cTn>
+                                        <p:tgtEl>
+                                          <p:spTgt spid="21"/>
+                                        </p:tgtEl>
+                                        <p:attrNameLst>
+                                          <p:attrName>style.visibility</p:attrName>
+                                        </p:attrNameLst>
+                                      </p:cBhvr>
+                                      <p:to>
+                                        <p:strVal val="visible"/>
+                                      </p:to>
+                                    </p:set>
+                                    <p:anim calcmode="lin" valueType="num">
+                                      <p:cBhvr additive="base">
+                                        <p:cTn id="41" dur="500" fill="hold"/>
+                                        <p:tgtEl>
+                                          <p:spTgt spid="21"/>
+                                        </p:tgtEl>
+                                        <p:attrNameLst>
+                                          <p:attrName>ppt_x</p:attrName>
+                                        </p:attrNameLst>
+                                      </p:cBhvr>
+                                      <p:tavLst>
+                                        <p:tav tm="0">
+                                          <p:val>
+                                            <p:strVal val="#ppt_x"/>
+                                          </p:val>
+                                        </p:tav>
+                                        <p:tav tm="100000">
+                                          <p:val>
+                                            <p:strVal val="#ppt_x"/>
+                                          </p:val>
+                                        </p:tav>
+                                      </p:tavLst>
+                                    </p:anim>
+                                    <p:anim calcmode="lin" valueType="num">
+                                      <p:cBhvr additive="base">
+                                        <p:cTn id="42" dur="500" fill="hold"/>
+                                        <p:tgtEl>
+                                          <p:spTgt spid="21"/>
+                                        </p:tgtEl>
+                                        <p:attrNameLst>
+                                          <p:attrName>ppt_y</p:attrName>
+                                        </p:attrNameLst>
+                                      </p:cBhvr>
+                                      <p:tavLst>
+                                        <p:tav tm="0">
+                                          <p:val>
+                                            <p:strVal val="1+#ppt_h/2"/>
+                                          </p:val>
+                                        </p:tav>
+                                        <p:tav tm="100000">
+                                          <p:val>
+                                            <p:strVal val="#ppt_y"/>
+                                          </p:val>
+                                        </p:tav>
+                                      </p:tavLst>
+                                    </p:anim>
+                                  </p:childTnLst>
+                                </p:cTn>
+                              </p:par>
+                              <p:par>
+                                <p:cTn id="43" presetID="2" presetClass="entr" presetSubtype="4" fill="hold" grpId="0" nodeType="withEffect">
+                                  <p:stCondLst>
+                                    <p:cond delay="0"/>
+                                  </p:stCondLst>
+                                  <p:childTnLst>
+                                    <p:set>
+                                      <p:cBhvr>
+                                        <p:cTn id="44" dur="1" fill="hold">
+                                          <p:stCondLst>
+                                            <p:cond delay="0"/>
+                                          </p:stCondLst>
+                                        </p:cTn>
+                                        <p:tgtEl>
+                                          <p:spTgt spid="25"/>
+                                        </p:tgtEl>
+                                        <p:attrNameLst>
+                                          <p:attrName>style.visibility</p:attrName>
+                                        </p:attrNameLst>
+                                      </p:cBhvr>
+                                      <p:to>
+                                        <p:strVal val="visible"/>
+                                      </p:to>
+                                    </p:set>
+                                    <p:anim calcmode="lin" valueType="num">
+                                      <p:cBhvr additive="base">
+                                        <p:cTn id="45" dur="500" fill="hold"/>
+                                        <p:tgtEl>
+                                          <p:spTgt spid="25"/>
+                                        </p:tgtEl>
+                                        <p:attrNameLst>
+                                          <p:attrName>ppt_x</p:attrName>
+                                        </p:attrNameLst>
+                                      </p:cBhvr>
+                                      <p:tavLst>
+                                        <p:tav tm="0">
+                                          <p:val>
+                                            <p:strVal val="#ppt_x"/>
+                                          </p:val>
+                                        </p:tav>
+                                        <p:tav tm="100000">
+                                          <p:val>
+                                            <p:strVal val="#ppt_x"/>
+                                          </p:val>
+                                        </p:tav>
+                                      </p:tavLst>
+                                    </p:anim>
+                                    <p:anim calcmode="lin" valueType="num">
+                                      <p:cBhvr additive="base">
+                                        <p:cTn id="46" dur="500" fill="hold"/>
+                                        <p:tgtEl>
+                                          <p:spTgt spid="25"/>
+                                        </p:tgtEl>
+                                        <p:attrNameLst>
+                                          <p:attrName>ppt_y</p:attrName>
+                                        </p:attrNameLst>
+                                      </p:cBhvr>
+                                      <p:tavLst>
+                                        <p:tav tm="0">
+                                          <p:val>
+                                            <p:strVal val="1+#ppt_h/2"/>
+                                          </p:val>
+                                        </p:tav>
+                                        <p:tav tm="100000">
+                                          <p:val>
+                                            <p:strVal val="#ppt_y"/>
+                                          </p:val>
+                                        </p:tav>
+                                      </p:tavLst>
+                                    </p:anim>
+                                  </p:childTnLst>
+                                </p:cTn>
+                              </p:par>
+                              <p:par>
+                                <p:cTn id="47" presetID="2" presetClass="entr" presetSubtype="4" fill="hold" grpId="0" nodeType="withEffect">
+                                  <p:stCondLst>
+                                    <p:cond delay="0"/>
+                                  </p:stCondLst>
+                                  <p:childTnLst>
+                                    <p:set>
+                                      <p:cBhvr>
+                                        <p:cTn id="48" dur="1" fill="hold">
+                                          <p:stCondLst>
+                                            <p:cond delay="0"/>
+                                          </p:stCondLst>
+                                        </p:cTn>
+                                        <p:tgtEl>
+                                          <p:spTgt spid="31"/>
+                                        </p:tgtEl>
+                                        <p:attrNameLst>
+                                          <p:attrName>style.visibility</p:attrName>
+                                        </p:attrNameLst>
+                                      </p:cBhvr>
+                                      <p:to>
+                                        <p:strVal val="visible"/>
+                                      </p:to>
+                                    </p:set>
+                                    <p:anim calcmode="lin" valueType="num">
+                                      <p:cBhvr additive="base">
+                                        <p:cTn id="49" dur="500" fill="hold"/>
+                                        <p:tgtEl>
+                                          <p:spTgt spid="31"/>
+                                        </p:tgtEl>
+                                        <p:attrNameLst>
+                                          <p:attrName>ppt_x</p:attrName>
+                                        </p:attrNameLst>
+                                      </p:cBhvr>
+                                      <p:tavLst>
+                                        <p:tav tm="0">
+                                          <p:val>
+                                            <p:strVal val="#ppt_x"/>
+                                          </p:val>
+                                        </p:tav>
+                                        <p:tav tm="100000">
+                                          <p:val>
+                                            <p:strVal val="#ppt_x"/>
+                                          </p:val>
+                                        </p:tav>
+                                      </p:tavLst>
+                                    </p:anim>
+                                    <p:anim calcmode="lin" valueType="num">
+                                      <p:cBhvr additive="base">
+                                        <p:cTn id="50" dur="500" fill="hold"/>
+                                        <p:tgtEl>
+                                          <p:spTgt spid="31"/>
+                                        </p:tgtEl>
+                                        <p:attrNameLst>
+                                          <p:attrName>ppt_y</p:attrName>
+                                        </p:attrNameLst>
+                                      </p:cBhvr>
+                                      <p:tavLst>
+                                        <p:tav tm="0">
+                                          <p:val>
+                                            <p:strVal val="1+#ppt_h/2"/>
+                                          </p:val>
+                                        </p:tav>
+                                        <p:tav tm="100000">
+                                          <p:val>
+                                            <p:strVal val="#ppt_y"/>
+                                          </p:val>
+                                        </p:tav>
+                                      </p:tavLst>
+                                    </p:anim>
+                                  </p:childTnLst>
+                                </p:cTn>
+                              </p:par>
+                              <p:par>
+                                <p:cTn id="51" presetID="2" presetClass="entr" presetSubtype="4" fill="hold" grpId="0" nodeType="withEffect">
+                                  <p:stCondLst>
+                                    <p:cond delay="0"/>
+                                  </p:stCondLst>
+                                  <p:childTnLst>
+                                    <p:set>
+                                      <p:cBhvr>
+                                        <p:cTn id="52" dur="1" fill="hold">
+                                          <p:stCondLst>
+                                            <p:cond delay="0"/>
+                                          </p:stCondLst>
+                                        </p:cTn>
+                                        <p:tgtEl>
+                                          <p:spTgt spid="30"/>
+                                        </p:tgtEl>
+                                        <p:attrNameLst>
+                                          <p:attrName>style.visibility</p:attrName>
+                                        </p:attrNameLst>
+                                      </p:cBhvr>
+                                      <p:to>
+                                        <p:strVal val="visible"/>
+                                      </p:to>
+                                    </p:set>
+                                    <p:anim calcmode="lin" valueType="num">
+                                      <p:cBhvr additive="base">
+                                        <p:cTn id="53" dur="500" fill="hold"/>
+                                        <p:tgtEl>
+                                          <p:spTgt spid="30"/>
+                                        </p:tgtEl>
+                                        <p:attrNameLst>
+                                          <p:attrName>ppt_x</p:attrName>
+                                        </p:attrNameLst>
+                                      </p:cBhvr>
+                                      <p:tavLst>
+                                        <p:tav tm="0">
+                                          <p:val>
+                                            <p:strVal val="#ppt_x"/>
+                                          </p:val>
+                                        </p:tav>
+                                        <p:tav tm="100000">
+                                          <p:val>
+                                            <p:strVal val="#ppt_x"/>
+                                          </p:val>
+                                        </p:tav>
+                                      </p:tavLst>
+                                    </p:anim>
+                                    <p:anim calcmode="lin" valueType="num">
+                                      <p:cBhvr additive="base">
+                                        <p:cTn id="54" dur="500" fill="hold"/>
+                                        <p:tgtEl>
+                                          <p:spTgt spid="30"/>
+                                        </p:tgtEl>
+                                        <p:attrNameLst>
+                                          <p:attrName>ppt_y</p:attrName>
+                                        </p:attrNameLst>
+                                      </p:cBhvr>
+                                      <p:tavLst>
+                                        <p:tav tm="0">
+                                          <p:val>
+                                            <p:strVal val="1+#ppt_h/2"/>
+                                          </p:val>
+                                        </p:tav>
+                                        <p:tav tm="100000">
+                                          <p:val>
+                                            <p:strVal val="#ppt_y"/>
+                                          </p:val>
+                                        </p:tav>
+                                      </p:tavLst>
+                                    </p:anim>
+                                  </p:childTnLst>
+                                </p:cTn>
+                              </p:par>
+                              <p:par>
+                                <p:cTn id="55" presetID="2" presetClass="entr" presetSubtype="4" fill="hold" grpId="0" nodeType="withEffect">
+                                  <p:stCondLst>
+                                    <p:cond delay="0"/>
+                                  </p:stCondLst>
+                                  <p:childTnLst>
+                                    <p:set>
+                                      <p:cBhvr>
+                                        <p:cTn id="56" dur="1" fill="hold">
+                                          <p:stCondLst>
+                                            <p:cond delay="0"/>
+                                          </p:stCondLst>
+                                        </p:cTn>
+                                        <p:tgtEl>
+                                          <p:spTgt spid="39"/>
+                                        </p:tgtEl>
+                                        <p:attrNameLst>
+                                          <p:attrName>style.visibility</p:attrName>
+                                        </p:attrNameLst>
+                                      </p:cBhvr>
+                                      <p:to>
+                                        <p:strVal val="visible"/>
+                                      </p:to>
+                                    </p:set>
+                                    <p:anim calcmode="lin" valueType="num">
+                                      <p:cBhvr additive="base">
+                                        <p:cTn id="57" dur="500" fill="hold"/>
+                                        <p:tgtEl>
+                                          <p:spTgt spid="39"/>
+                                        </p:tgtEl>
+                                        <p:attrNameLst>
+                                          <p:attrName>ppt_x</p:attrName>
+                                        </p:attrNameLst>
+                                      </p:cBhvr>
+                                      <p:tavLst>
+                                        <p:tav tm="0">
+                                          <p:val>
+                                            <p:strVal val="#ppt_x"/>
+                                          </p:val>
+                                        </p:tav>
+                                        <p:tav tm="100000">
+                                          <p:val>
+                                            <p:strVal val="#ppt_x"/>
+                                          </p:val>
+                                        </p:tav>
+                                      </p:tavLst>
+                                    </p:anim>
+                                    <p:anim calcmode="lin" valueType="num">
+                                      <p:cBhvr additive="base">
+                                        <p:cTn id="58" dur="500" fill="hold"/>
+                                        <p:tgtEl>
+                                          <p:spTgt spid="39"/>
+                                        </p:tgtEl>
+                                        <p:attrNameLst>
+                                          <p:attrName>ppt_y</p:attrName>
+                                        </p:attrNameLst>
+                                      </p:cBhvr>
+                                      <p:tavLst>
+                                        <p:tav tm="0">
+                                          <p:val>
+                                            <p:strVal val="1+#ppt_h/2"/>
+                                          </p:val>
+                                        </p:tav>
+                                        <p:tav tm="100000">
+                                          <p:val>
+                                            <p:strVal val="#ppt_y"/>
+                                          </p:val>
+                                        </p:tav>
+                                      </p:tavLst>
+                                    </p:anim>
+                                  </p:childTnLst>
+                                </p:cTn>
+                              </p:par>
+                              <p:par>
+                                <p:cTn id="59" presetID="2" presetClass="entr" presetSubtype="4" fill="hold" grpId="0" nodeType="withEffect">
+                                  <p:stCondLst>
+                                    <p:cond delay="0"/>
+                                  </p:stCondLst>
+                                  <p:childTnLst>
+                                    <p:set>
+                                      <p:cBhvr>
+                                        <p:cTn id="60" dur="1" fill="hold">
+                                          <p:stCondLst>
+                                            <p:cond delay="0"/>
+                                          </p:stCondLst>
+                                        </p:cTn>
+                                        <p:tgtEl>
+                                          <p:spTgt spid="27"/>
+                                        </p:tgtEl>
+                                        <p:attrNameLst>
+                                          <p:attrName>style.visibility</p:attrName>
+                                        </p:attrNameLst>
+                                      </p:cBhvr>
+                                      <p:to>
+                                        <p:strVal val="visible"/>
+                                      </p:to>
+                                    </p:set>
+                                    <p:anim calcmode="lin" valueType="num">
+                                      <p:cBhvr additive="base">
+                                        <p:cTn id="61" dur="500" fill="hold"/>
+                                        <p:tgtEl>
+                                          <p:spTgt spid="27"/>
+                                        </p:tgtEl>
+                                        <p:attrNameLst>
+                                          <p:attrName>ppt_x</p:attrName>
+                                        </p:attrNameLst>
+                                      </p:cBhvr>
+                                      <p:tavLst>
+                                        <p:tav tm="0">
+                                          <p:val>
+                                            <p:strVal val="#ppt_x"/>
+                                          </p:val>
+                                        </p:tav>
+                                        <p:tav tm="100000">
+                                          <p:val>
+                                            <p:strVal val="#ppt_x"/>
+                                          </p:val>
+                                        </p:tav>
+                                      </p:tavLst>
+                                    </p:anim>
+                                    <p:anim calcmode="lin" valueType="num">
+                                      <p:cBhvr additive="base">
+                                        <p:cTn id="62" dur="500" fill="hold"/>
+                                        <p:tgtEl>
+                                          <p:spTgt spid="27"/>
+                                        </p:tgtEl>
+                                        <p:attrNameLst>
+                                          <p:attrName>ppt_y</p:attrName>
+                                        </p:attrNameLst>
+                                      </p:cBhvr>
+                                      <p:tavLst>
+                                        <p:tav tm="0">
+                                          <p:val>
+                                            <p:strVal val="1+#ppt_h/2"/>
+                                          </p:val>
+                                        </p:tav>
+                                        <p:tav tm="100000">
+                                          <p:val>
+                                            <p:strVal val="#ppt_y"/>
+                                          </p:val>
+                                        </p:tav>
+                                      </p:tavLst>
+                                    </p:anim>
+                                  </p:childTnLst>
+                                </p:cTn>
+                              </p:par>
+                              <p:par>
+                                <p:cTn id="63" presetID="2" presetClass="entr" presetSubtype="4" fill="hold" grpId="0" nodeType="withEffect">
+                                  <p:stCondLst>
+                                    <p:cond delay="0"/>
+                                  </p:stCondLst>
+                                  <p:childTnLst>
+                                    <p:set>
+                                      <p:cBhvr>
+                                        <p:cTn id="64" dur="1" fill="hold">
+                                          <p:stCondLst>
+                                            <p:cond delay="0"/>
+                                          </p:stCondLst>
+                                        </p:cTn>
+                                        <p:tgtEl>
+                                          <p:spTgt spid="24"/>
+                                        </p:tgtEl>
+                                        <p:attrNameLst>
+                                          <p:attrName>style.visibility</p:attrName>
+                                        </p:attrNameLst>
+                                      </p:cBhvr>
+                                      <p:to>
+                                        <p:strVal val="visible"/>
+                                      </p:to>
+                                    </p:set>
+                                    <p:anim calcmode="lin" valueType="num">
+                                      <p:cBhvr additive="base">
+                                        <p:cTn id="65" dur="500" fill="hold"/>
+                                        <p:tgtEl>
+                                          <p:spTgt spid="24"/>
+                                        </p:tgtEl>
+                                        <p:attrNameLst>
+                                          <p:attrName>ppt_x</p:attrName>
+                                        </p:attrNameLst>
+                                      </p:cBhvr>
+                                      <p:tavLst>
+                                        <p:tav tm="0">
+                                          <p:val>
+                                            <p:strVal val="#ppt_x"/>
+                                          </p:val>
+                                        </p:tav>
+                                        <p:tav tm="100000">
+                                          <p:val>
+                                            <p:strVal val="#ppt_x"/>
+                                          </p:val>
+                                        </p:tav>
+                                      </p:tavLst>
+                                    </p:anim>
+                                    <p:anim calcmode="lin" valueType="num">
+                                      <p:cBhvr additive="base">
+                                        <p:cTn id="66" dur="500" fill="hold"/>
+                                        <p:tgtEl>
+                                          <p:spTgt spid="24"/>
+                                        </p:tgtEl>
+                                        <p:attrNameLst>
+                                          <p:attrName>ppt_y</p:attrName>
+                                        </p:attrNameLst>
+                                      </p:cBhvr>
+                                      <p:tavLst>
+                                        <p:tav tm="0">
+                                          <p:val>
+                                            <p:strVal val="1+#ppt_h/2"/>
+                                          </p:val>
+                                        </p:tav>
+                                        <p:tav tm="100000">
+                                          <p:val>
+                                            <p:strVal val="#ppt_y"/>
+                                          </p:val>
+                                        </p:tav>
+                                      </p:tavLst>
+                                    </p:anim>
+                                  </p:childTnLst>
+                                </p:cTn>
+                              </p:par>
+                              <p:par>
+                                <p:cTn id="67" presetID="2" presetClass="entr" presetSubtype="4" fill="hold" grpId="0" nodeType="withEffect">
+                                  <p:stCondLst>
+                                    <p:cond delay="0"/>
+                                  </p:stCondLst>
+                                  <p:childTnLst>
+                                    <p:set>
+                                      <p:cBhvr>
+                                        <p:cTn id="68" dur="1" fill="hold">
+                                          <p:stCondLst>
+                                            <p:cond delay="0"/>
+                                          </p:stCondLst>
+                                        </p:cTn>
+                                        <p:tgtEl>
+                                          <p:spTgt spid="32"/>
+                                        </p:tgtEl>
+                                        <p:attrNameLst>
+                                          <p:attrName>style.visibility</p:attrName>
+                                        </p:attrNameLst>
+                                      </p:cBhvr>
+                                      <p:to>
+                                        <p:strVal val="visible"/>
+                                      </p:to>
+                                    </p:set>
+                                    <p:anim calcmode="lin" valueType="num">
+                                      <p:cBhvr additive="base">
+                                        <p:cTn id="69" dur="500" fill="hold"/>
+                                        <p:tgtEl>
+                                          <p:spTgt spid="32"/>
+                                        </p:tgtEl>
+                                        <p:attrNameLst>
+                                          <p:attrName>ppt_x</p:attrName>
+                                        </p:attrNameLst>
+                                      </p:cBhvr>
+                                      <p:tavLst>
+                                        <p:tav tm="0">
+                                          <p:val>
+                                            <p:strVal val="#ppt_x"/>
+                                          </p:val>
+                                        </p:tav>
+                                        <p:tav tm="100000">
+                                          <p:val>
+                                            <p:strVal val="#ppt_x"/>
+                                          </p:val>
+                                        </p:tav>
+                                      </p:tavLst>
+                                    </p:anim>
+                                    <p:anim calcmode="lin" valueType="num">
+                                      <p:cBhvr additive="base">
+                                        <p:cTn id="70" dur="500" fill="hold"/>
+                                        <p:tgtEl>
+                                          <p:spTgt spid="32"/>
+                                        </p:tgtEl>
+                                        <p:attrNameLst>
+                                          <p:attrName>ppt_y</p:attrName>
+                                        </p:attrNameLst>
+                                      </p:cBhvr>
+                                      <p:tavLst>
+                                        <p:tav tm="0">
+                                          <p:val>
+                                            <p:strVal val="1+#ppt_h/2"/>
+                                          </p:val>
+                                        </p:tav>
+                                        <p:tav tm="100000">
+                                          <p:val>
+                                            <p:strVal val="#ppt_y"/>
+                                          </p:val>
+                                        </p:tav>
+                                      </p:tavLst>
+                                    </p:anim>
+                                  </p:childTnLst>
+                                </p:cTn>
+                              </p:par>
+                              <p:par>
+                                <p:cTn id="71" presetID="2" presetClass="entr" presetSubtype="4" fill="hold" grpId="0" nodeType="withEffect">
+                                  <p:stCondLst>
+                                    <p:cond delay="0"/>
+                                  </p:stCondLst>
+                                  <p:childTnLst>
+                                    <p:set>
+                                      <p:cBhvr>
+                                        <p:cTn id="72" dur="1" fill="hold">
+                                          <p:stCondLst>
+                                            <p:cond delay="0"/>
+                                          </p:stCondLst>
+                                        </p:cTn>
+                                        <p:tgtEl>
+                                          <p:spTgt spid="35"/>
+                                        </p:tgtEl>
+                                        <p:attrNameLst>
+                                          <p:attrName>style.visibility</p:attrName>
+                                        </p:attrNameLst>
+                                      </p:cBhvr>
+                                      <p:to>
+                                        <p:strVal val="visible"/>
+                                      </p:to>
+                                    </p:set>
+                                    <p:anim calcmode="lin" valueType="num">
+                                      <p:cBhvr additive="base">
+                                        <p:cTn id="73" dur="500" fill="hold"/>
+                                        <p:tgtEl>
+                                          <p:spTgt spid="35"/>
+                                        </p:tgtEl>
+                                        <p:attrNameLst>
+                                          <p:attrName>ppt_x</p:attrName>
+                                        </p:attrNameLst>
+                                      </p:cBhvr>
+                                      <p:tavLst>
+                                        <p:tav tm="0">
+                                          <p:val>
+                                            <p:strVal val="#ppt_x"/>
+                                          </p:val>
+                                        </p:tav>
+                                        <p:tav tm="100000">
+                                          <p:val>
+                                            <p:strVal val="#ppt_x"/>
+                                          </p:val>
+                                        </p:tav>
+                                      </p:tavLst>
+                                    </p:anim>
+                                    <p:anim calcmode="lin" valueType="num">
+                                      <p:cBhvr additive="base">
+                                        <p:cTn id="74" dur="500" fill="hold"/>
+                                        <p:tgtEl>
+                                          <p:spTgt spid="35"/>
+                                        </p:tgtEl>
+                                        <p:attrNameLst>
+                                          <p:attrName>ppt_y</p:attrName>
+                                        </p:attrNameLst>
+                                      </p:cBhvr>
+                                      <p:tavLst>
+                                        <p:tav tm="0">
+                                          <p:val>
+                                            <p:strVal val="1+#ppt_h/2"/>
+                                          </p:val>
+                                        </p:tav>
+                                        <p:tav tm="100000">
+                                          <p:val>
+                                            <p:strVal val="#ppt_y"/>
+                                          </p:val>
+                                        </p:tav>
+                                      </p:tavLst>
+                                    </p:anim>
+                                  </p:childTnLst>
+                                </p:cTn>
+                              </p:par>
+                              <p:par>
+                                <p:cTn id="75" presetID="2" presetClass="entr" presetSubtype="4" fill="hold" grpId="0" nodeType="withEffect">
+                                  <p:stCondLst>
+                                    <p:cond delay="0"/>
+                                  </p:stCondLst>
+                                  <p:childTnLst>
+                                    <p:set>
+                                      <p:cBhvr>
+                                        <p:cTn id="76" dur="1" fill="hold">
+                                          <p:stCondLst>
+                                            <p:cond delay="0"/>
+                                          </p:stCondLst>
+                                        </p:cTn>
+                                        <p:tgtEl>
+                                          <p:spTgt spid="40"/>
+                                        </p:tgtEl>
+                                        <p:attrNameLst>
+                                          <p:attrName>style.visibility</p:attrName>
+                                        </p:attrNameLst>
+                                      </p:cBhvr>
+                                      <p:to>
+                                        <p:strVal val="visible"/>
+                                      </p:to>
+                                    </p:set>
+                                    <p:anim calcmode="lin" valueType="num">
+                                      <p:cBhvr additive="base">
+                                        <p:cTn id="77" dur="500" fill="hold"/>
+                                        <p:tgtEl>
+                                          <p:spTgt spid="40"/>
+                                        </p:tgtEl>
+                                        <p:attrNameLst>
+                                          <p:attrName>ppt_x</p:attrName>
+                                        </p:attrNameLst>
+                                      </p:cBhvr>
+                                      <p:tavLst>
+                                        <p:tav tm="0">
+                                          <p:val>
+                                            <p:strVal val="#ppt_x"/>
+                                          </p:val>
+                                        </p:tav>
+                                        <p:tav tm="100000">
+                                          <p:val>
+                                            <p:strVal val="#ppt_x"/>
+                                          </p:val>
+                                        </p:tav>
+                                      </p:tavLst>
+                                    </p:anim>
+                                    <p:anim calcmode="lin" valueType="num">
+                                      <p:cBhvr additive="base">
+                                        <p:cTn id="78" dur="500" fill="hold"/>
+                                        <p:tgtEl>
+                                          <p:spTgt spid="40"/>
+                                        </p:tgtEl>
+                                        <p:attrNameLst>
+                                          <p:attrName>ppt_y</p:attrName>
+                                        </p:attrNameLst>
+                                      </p:cBhvr>
+                                      <p:tavLst>
+                                        <p:tav tm="0">
+                                          <p:val>
+                                            <p:strVal val="1+#ppt_h/2"/>
+                                          </p:val>
+                                        </p:tav>
+                                        <p:tav tm="100000">
+                                          <p:val>
+                                            <p:strVal val="#ppt_y"/>
+                                          </p:val>
+                                        </p:tav>
+                                      </p:tavLst>
+                                    </p:anim>
+                                  </p:childTnLst>
+                                </p:cTn>
+                              </p:par>
+                              <p:par>
+                                <p:cTn id="79" presetID="2" presetClass="entr" presetSubtype="4" fill="hold" grpId="0" nodeType="withEffect">
+                                  <p:stCondLst>
+                                    <p:cond delay="0"/>
+                                  </p:stCondLst>
+                                  <p:childTnLst>
+                                    <p:set>
+                                      <p:cBhvr>
+                                        <p:cTn id="80" dur="1" fill="hold">
+                                          <p:stCondLst>
+                                            <p:cond delay="0"/>
+                                          </p:stCondLst>
+                                        </p:cTn>
+                                        <p:tgtEl>
+                                          <p:spTgt spid="26"/>
+                                        </p:tgtEl>
+                                        <p:attrNameLst>
+                                          <p:attrName>style.visibility</p:attrName>
+                                        </p:attrNameLst>
+                                      </p:cBhvr>
+                                      <p:to>
+                                        <p:strVal val="visible"/>
+                                      </p:to>
+                                    </p:set>
+                                    <p:anim calcmode="lin" valueType="num">
+                                      <p:cBhvr additive="base">
+                                        <p:cTn id="81" dur="500" fill="hold"/>
+                                        <p:tgtEl>
+                                          <p:spTgt spid="26"/>
+                                        </p:tgtEl>
+                                        <p:attrNameLst>
+                                          <p:attrName>ppt_x</p:attrName>
+                                        </p:attrNameLst>
+                                      </p:cBhvr>
+                                      <p:tavLst>
+                                        <p:tav tm="0">
+                                          <p:val>
+                                            <p:strVal val="#ppt_x"/>
+                                          </p:val>
+                                        </p:tav>
+                                        <p:tav tm="100000">
+                                          <p:val>
+                                            <p:strVal val="#ppt_x"/>
+                                          </p:val>
+                                        </p:tav>
+                                      </p:tavLst>
+                                    </p:anim>
+                                    <p:anim calcmode="lin" valueType="num">
+                                      <p:cBhvr additive="base">
+                                        <p:cTn id="82" dur="500" fill="hold"/>
+                                        <p:tgtEl>
+                                          <p:spTgt spid="26"/>
+                                        </p:tgtEl>
+                                        <p:attrNameLst>
+                                          <p:attrName>ppt_y</p:attrName>
+                                        </p:attrNameLst>
+                                      </p:cBhvr>
+                                      <p:tavLst>
+                                        <p:tav tm="0">
+                                          <p:val>
+                                            <p:strVal val="1+#ppt_h/2"/>
+                                          </p:val>
+                                        </p:tav>
+                                        <p:tav tm="100000">
+                                          <p:val>
+                                            <p:strVal val="#ppt_y"/>
+                                          </p:val>
+                                        </p:tav>
+                                      </p:tavLst>
+                                    </p:anim>
+                                  </p:childTnLst>
+                                </p:cTn>
+                              </p:par>
+                              <p:par>
+                                <p:cTn id="83" presetID="2" presetClass="entr" presetSubtype="4" fill="hold" grpId="0" nodeType="withEffect">
+                                  <p:stCondLst>
+                                    <p:cond delay="0"/>
+                                  </p:stCondLst>
+                                  <p:childTnLst>
+                                    <p:set>
+                                      <p:cBhvr>
+                                        <p:cTn id="84" dur="1" fill="hold">
+                                          <p:stCondLst>
+                                            <p:cond delay="0"/>
+                                          </p:stCondLst>
+                                        </p:cTn>
+                                        <p:tgtEl>
+                                          <p:spTgt spid="33"/>
+                                        </p:tgtEl>
+                                        <p:attrNameLst>
+                                          <p:attrName>style.visibility</p:attrName>
+                                        </p:attrNameLst>
+                                      </p:cBhvr>
+                                      <p:to>
+                                        <p:strVal val="visible"/>
+                                      </p:to>
+                                    </p:set>
+                                    <p:anim calcmode="lin" valueType="num">
+                                      <p:cBhvr additive="base">
+                                        <p:cTn id="85" dur="500" fill="hold"/>
+                                        <p:tgtEl>
+                                          <p:spTgt spid="33"/>
+                                        </p:tgtEl>
+                                        <p:attrNameLst>
+                                          <p:attrName>ppt_x</p:attrName>
+                                        </p:attrNameLst>
+                                      </p:cBhvr>
+                                      <p:tavLst>
+                                        <p:tav tm="0">
+                                          <p:val>
+                                            <p:strVal val="#ppt_x"/>
+                                          </p:val>
+                                        </p:tav>
+                                        <p:tav tm="100000">
+                                          <p:val>
+                                            <p:strVal val="#ppt_x"/>
+                                          </p:val>
+                                        </p:tav>
+                                      </p:tavLst>
+                                    </p:anim>
+                                    <p:anim calcmode="lin" valueType="num">
+                                      <p:cBhvr additive="base">
+                                        <p:cTn id="86" dur="500" fill="hold"/>
+                                        <p:tgtEl>
+                                          <p:spTgt spid="33"/>
+                                        </p:tgtEl>
+                                        <p:attrNameLst>
+                                          <p:attrName>ppt_y</p:attrName>
+                                        </p:attrNameLst>
+                                      </p:cBhvr>
+                                      <p:tavLst>
+                                        <p:tav tm="0">
+                                          <p:val>
+                                            <p:strVal val="1+#ppt_h/2"/>
+                                          </p:val>
+                                        </p:tav>
+                                        <p:tav tm="100000">
+                                          <p:val>
+                                            <p:strVal val="#ppt_y"/>
+                                          </p:val>
+                                        </p:tav>
+                                      </p:tavLst>
+                                    </p:anim>
+                                  </p:childTnLst>
+                                </p:cTn>
+                              </p:par>
+                              <p:par>
+                                <p:cTn id="87" presetID="2" presetClass="entr" presetSubtype="4" fill="hold" grpId="0" nodeType="withEffect">
+                                  <p:stCondLst>
+                                    <p:cond delay="0"/>
+                                  </p:stCondLst>
+                                  <p:childTnLst>
+                                    <p:set>
+                                      <p:cBhvr>
+                                        <p:cTn id="88" dur="1" fill="hold">
+                                          <p:stCondLst>
+                                            <p:cond delay="0"/>
+                                          </p:stCondLst>
+                                        </p:cTn>
+                                        <p:tgtEl>
+                                          <p:spTgt spid="34"/>
+                                        </p:tgtEl>
+                                        <p:attrNameLst>
+                                          <p:attrName>style.visibility</p:attrName>
+                                        </p:attrNameLst>
+                                      </p:cBhvr>
+                                      <p:to>
+                                        <p:strVal val="visible"/>
+                                      </p:to>
+                                    </p:set>
+                                    <p:anim calcmode="lin" valueType="num">
+                                      <p:cBhvr additive="base">
+                                        <p:cTn id="89" dur="500" fill="hold"/>
+                                        <p:tgtEl>
+                                          <p:spTgt spid="34"/>
+                                        </p:tgtEl>
+                                        <p:attrNameLst>
+                                          <p:attrName>ppt_x</p:attrName>
+                                        </p:attrNameLst>
+                                      </p:cBhvr>
+                                      <p:tavLst>
+                                        <p:tav tm="0">
+                                          <p:val>
+                                            <p:strVal val="#ppt_x"/>
+                                          </p:val>
+                                        </p:tav>
+                                        <p:tav tm="100000">
+                                          <p:val>
+                                            <p:strVal val="#ppt_x"/>
+                                          </p:val>
+                                        </p:tav>
+                                      </p:tavLst>
+                                    </p:anim>
+                                    <p:anim calcmode="lin" valueType="num">
+                                      <p:cBhvr additive="base">
+                                        <p:cTn id="90" dur="500" fill="hold"/>
+                                        <p:tgtEl>
+                                          <p:spTgt spid="34"/>
+                                        </p:tgtEl>
+                                        <p:attrNameLst>
+                                          <p:attrName>ppt_y</p:attrName>
+                                        </p:attrNameLst>
+                                      </p:cBhvr>
+                                      <p:tavLst>
+                                        <p:tav tm="0">
+                                          <p:val>
+                                            <p:strVal val="1+#ppt_h/2"/>
+                                          </p:val>
+                                        </p:tav>
+                                        <p:tav tm="100000">
+                                          <p:val>
+                                            <p:strVal val="#ppt_y"/>
+                                          </p:val>
+                                        </p:tav>
+                                      </p:tavLst>
+                                    </p:anim>
+                                  </p:childTnLst>
+                                </p:cTn>
+                              </p:par>
+                              <p:par>
+                                <p:cTn id="91" presetID="2" presetClass="entr" presetSubtype="4" fill="hold" grpId="0" nodeType="withEffect">
+                                  <p:stCondLst>
+                                    <p:cond delay="0"/>
+                                  </p:stCondLst>
+                                  <p:childTnLst>
+                                    <p:set>
+                                      <p:cBhvr>
+                                        <p:cTn id="92" dur="1" fill="hold">
+                                          <p:stCondLst>
+                                            <p:cond delay="0"/>
+                                          </p:stCondLst>
+                                        </p:cTn>
+                                        <p:tgtEl>
+                                          <p:spTgt spid="36"/>
+                                        </p:tgtEl>
+                                        <p:attrNameLst>
+                                          <p:attrName>style.visibility</p:attrName>
+                                        </p:attrNameLst>
+                                      </p:cBhvr>
+                                      <p:to>
+                                        <p:strVal val="visible"/>
+                                      </p:to>
+                                    </p:set>
+                                    <p:anim calcmode="lin" valueType="num">
+                                      <p:cBhvr additive="base">
+                                        <p:cTn id="93" dur="500" fill="hold"/>
+                                        <p:tgtEl>
+                                          <p:spTgt spid="36"/>
+                                        </p:tgtEl>
+                                        <p:attrNameLst>
+                                          <p:attrName>ppt_x</p:attrName>
+                                        </p:attrNameLst>
+                                      </p:cBhvr>
+                                      <p:tavLst>
+                                        <p:tav tm="0">
+                                          <p:val>
+                                            <p:strVal val="#ppt_x"/>
+                                          </p:val>
+                                        </p:tav>
+                                        <p:tav tm="100000">
+                                          <p:val>
+                                            <p:strVal val="#ppt_x"/>
+                                          </p:val>
+                                        </p:tav>
+                                      </p:tavLst>
+                                    </p:anim>
+                                    <p:anim calcmode="lin" valueType="num">
+                                      <p:cBhvr additive="base">
+                                        <p:cTn id="94" dur="500" fill="hold"/>
+                                        <p:tgtEl>
+                                          <p:spTgt spid="36"/>
+                                        </p:tgtEl>
+                                        <p:attrNameLst>
+                                          <p:attrName>ppt_y</p:attrName>
+                                        </p:attrNameLst>
+                                      </p:cBhvr>
+                                      <p:tavLst>
+                                        <p:tav tm="0">
+                                          <p:val>
+                                            <p:strVal val="1+#ppt_h/2"/>
+                                          </p:val>
+                                        </p:tav>
+                                        <p:tav tm="100000">
+                                          <p:val>
+                                            <p:strVal val="#ppt_y"/>
+                                          </p:val>
+                                        </p:tav>
+                                      </p:tavLst>
+                                    </p:anim>
+                                  </p:childTnLst>
+                                </p:cTn>
+                              </p:par>
+                              <p:par>
+                                <p:cTn id="95" presetID="2" presetClass="entr" presetSubtype="4" fill="hold" grpId="0" nodeType="withEffect">
+                                  <p:stCondLst>
+                                    <p:cond delay="0"/>
+                                  </p:stCondLst>
+                                  <p:childTnLst>
+                                    <p:set>
+                                      <p:cBhvr>
+                                        <p:cTn id="96" dur="1" fill="hold">
+                                          <p:stCondLst>
+                                            <p:cond delay="0"/>
+                                          </p:stCondLst>
+                                        </p:cTn>
+                                        <p:tgtEl>
+                                          <p:spTgt spid="37"/>
+                                        </p:tgtEl>
+                                        <p:attrNameLst>
+                                          <p:attrName>style.visibility</p:attrName>
+                                        </p:attrNameLst>
+                                      </p:cBhvr>
+                                      <p:to>
+                                        <p:strVal val="visible"/>
+                                      </p:to>
+                                    </p:set>
+                                    <p:anim calcmode="lin" valueType="num">
+                                      <p:cBhvr additive="base">
+                                        <p:cTn id="97" dur="500" fill="hold"/>
+                                        <p:tgtEl>
+                                          <p:spTgt spid="37"/>
+                                        </p:tgtEl>
+                                        <p:attrNameLst>
+                                          <p:attrName>ppt_x</p:attrName>
+                                        </p:attrNameLst>
+                                      </p:cBhvr>
+                                      <p:tavLst>
+                                        <p:tav tm="0">
+                                          <p:val>
+                                            <p:strVal val="#ppt_x"/>
+                                          </p:val>
+                                        </p:tav>
+                                        <p:tav tm="100000">
+                                          <p:val>
+                                            <p:strVal val="#ppt_x"/>
+                                          </p:val>
+                                        </p:tav>
+                                      </p:tavLst>
+                                    </p:anim>
+                                    <p:anim calcmode="lin" valueType="num">
+                                      <p:cBhvr additive="base">
+                                        <p:cTn id="98" dur="500" fill="hold"/>
+                                        <p:tgtEl>
+                                          <p:spTgt spid="37"/>
+                                        </p:tgtEl>
+                                        <p:attrNameLst>
+                                          <p:attrName>ppt_y</p:attrName>
+                                        </p:attrNameLst>
+                                      </p:cBhvr>
+                                      <p:tavLst>
+                                        <p:tav tm="0">
+                                          <p:val>
+                                            <p:strVal val="1+#ppt_h/2"/>
+                                          </p:val>
+                                        </p:tav>
+                                        <p:tav tm="100000">
+                                          <p:val>
+                                            <p:strVal val="#ppt_y"/>
+                                          </p:val>
+                                        </p:tav>
+                                      </p:tavLst>
+                                    </p:anim>
+                                  </p:childTnLst>
+                                </p:cTn>
+                              </p:par>
+                              <p:par>
+                                <p:cTn id="99" presetID="2" presetClass="entr" presetSubtype="4" fill="hold" grpId="0" nodeType="withEffect">
+                                  <p:stCondLst>
+                                    <p:cond delay="0"/>
+                                  </p:stCondLst>
+                                  <p:childTnLst>
+                                    <p:set>
+                                      <p:cBhvr>
+                                        <p:cTn id="100" dur="1" fill="hold">
+                                          <p:stCondLst>
+                                            <p:cond delay="0"/>
+                                          </p:stCondLst>
+                                        </p:cTn>
+                                        <p:tgtEl>
+                                          <p:spTgt spid="44"/>
+                                        </p:tgtEl>
+                                        <p:attrNameLst>
+                                          <p:attrName>style.visibility</p:attrName>
+                                        </p:attrNameLst>
+                                      </p:cBhvr>
+                                      <p:to>
+                                        <p:strVal val="visible"/>
+                                      </p:to>
+                                    </p:set>
+                                    <p:anim calcmode="lin" valueType="num">
+                                      <p:cBhvr additive="base">
+                                        <p:cTn id="101" dur="500" fill="hold"/>
+                                        <p:tgtEl>
+                                          <p:spTgt spid="44"/>
+                                        </p:tgtEl>
+                                        <p:attrNameLst>
+                                          <p:attrName>ppt_x</p:attrName>
+                                        </p:attrNameLst>
+                                      </p:cBhvr>
+                                      <p:tavLst>
+                                        <p:tav tm="0">
+                                          <p:val>
+                                            <p:strVal val="#ppt_x"/>
+                                          </p:val>
+                                        </p:tav>
+                                        <p:tav tm="100000">
+                                          <p:val>
+                                            <p:strVal val="#ppt_x"/>
+                                          </p:val>
+                                        </p:tav>
+                                      </p:tavLst>
+                                    </p:anim>
+                                    <p:anim calcmode="lin" valueType="num">
+                                      <p:cBhvr additive="base">
+                                        <p:cTn id="102" dur="500" fill="hold"/>
+                                        <p:tgtEl>
+                                          <p:spTgt spid="44"/>
+                                        </p:tgtEl>
+                                        <p:attrNameLst>
+                                          <p:attrName>ppt_y</p:attrName>
+                                        </p:attrNameLst>
+                                      </p:cBhvr>
+                                      <p:tavLst>
+                                        <p:tav tm="0">
+                                          <p:val>
+                                            <p:strVal val="1+#ppt_h/2"/>
+                                          </p:val>
+                                        </p:tav>
+                                        <p:tav tm="100000">
+                                          <p:val>
+                                            <p:strVal val="#ppt_y"/>
+                                          </p:val>
+                                        </p:tav>
+                                      </p:tavLst>
+                                    </p:anim>
+                                  </p:childTnLst>
+                                </p:cTn>
+                              </p:par>
+                              <p:par>
+                                <p:cTn id="103" presetID="2" presetClass="entr" presetSubtype="4" fill="hold" grpId="0" nodeType="withEffect">
+                                  <p:stCondLst>
+                                    <p:cond delay="0"/>
+                                  </p:stCondLst>
+                                  <p:childTnLst>
+                                    <p:set>
+                                      <p:cBhvr>
+                                        <p:cTn id="104" dur="1" fill="hold">
+                                          <p:stCondLst>
+                                            <p:cond delay="0"/>
+                                          </p:stCondLst>
+                                        </p:cTn>
+                                        <p:tgtEl>
+                                          <p:spTgt spid="46"/>
+                                        </p:tgtEl>
+                                        <p:attrNameLst>
+                                          <p:attrName>style.visibility</p:attrName>
+                                        </p:attrNameLst>
+                                      </p:cBhvr>
+                                      <p:to>
+                                        <p:strVal val="visible"/>
+                                      </p:to>
+                                    </p:set>
+                                    <p:anim calcmode="lin" valueType="num">
+                                      <p:cBhvr additive="base">
+                                        <p:cTn id="105" dur="500" fill="hold"/>
+                                        <p:tgtEl>
+                                          <p:spTgt spid="46"/>
+                                        </p:tgtEl>
+                                        <p:attrNameLst>
+                                          <p:attrName>ppt_x</p:attrName>
+                                        </p:attrNameLst>
+                                      </p:cBhvr>
+                                      <p:tavLst>
+                                        <p:tav tm="0">
+                                          <p:val>
+                                            <p:strVal val="#ppt_x"/>
+                                          </p:val>
+                                        </p:tav>
+                                        <p:tav tm="100000">
+                                          <p:val>
+                                            <p:strVal val="#ppt_x"/>
+                                          </p:val>
+                                        </p:tav>
+                                      </p:tavLst>
+                                    </p:anim>
+                                    <p:anim calcmode="lin" valueType="num">
+                                      <p:cBhvr additive="base">
+                                        <p:cTn id="106" dur="500" fill="hold"/>
+                                        <p:tgtEl>
+                                          <p:spTgt spid="46"/>
+                                        </p:tgtEl>
+                                        <p:attrNameLst>
+                                          <p:attrName>ppt_y</p:attrName>
+                                        </p:attrNameLst>
+                                      </p:cBhvr>
+                                      <p:tavLst>
+                                        <p:tav tm="0">
+                                          <p:val>
+                                            <p:strVal val="1+#ppt_h/2"/>
+                                          </p:val>
+                                        </p:tav>
+                                        <p:tav tm="100000">
+                                          <p:val>
+                                            <p:strVal val="#ppt_y"/>
+                                          </p:val>
+                                        </p:tav>
+                                      </p:tavLst>
+                                    </p:anim>
+                                  </p:childTnLst>
+                                </p:cTn>
+                              </p:par>
+                            </p:childTnLst>
+                          </p:cTn>
+                        </p:par>
+                      </p:childTnLst>
+                    </p:cTn>
+                  </p:par>
+                  <p:par>
+                    <p:cTn id="107" fill="hold">
+                      <p:stCondLst>
+                        <p:cond delay="indefinite"/>
+                      </p:stCondLst>
+                      <p:childTnLst>
+                        <p:par>
+                          <p:cTn id="108" fill="hold">
+                            <p:stCondLst>
+                              <p:cond delay="0"/>
+                            </p:stCondLst>
+                            <p:childTnLst>
+                              <p:par>
+                                <p:cTn id="109" presetID="2" presetClass="entr" presetSubtype="4" fill="hold" grpId="0" nodeType="clickEffect">
+                                  <p:stCondLst>
+                                    <p:cond delay="0"/>
+                                  </p:stCondLst>
+                                  <p:childTnLst>
+                                    <p:set>
+                                      <p:cBhvr>
+                                        <p:cTn id="110" dur="1" fill="hold">
+                                          <p:stCondLst>
+                                            <p:cond delay="0"/>
+                                          </p:stCondLst>
+                                        </p:cTn>
+                                        <p:tgtEl>
+                                          <p:spTgt spid="47"/>
+                                        </p:tgtEl>
+                                        <p:attrNameLst>
+                                          <p:attrName>style.visibility</p:attrName>
+                                        </p:attrNameLst>
+                                      </p:cBhvr>
+                                      <p:to>
+                                        <p:strVal val="visible"/>
+                                      </p:to>
+                                    </p:set>
+                                    <p:anim calcmode="lin" valueType="num">
+                                      <p:cBhvr additive="base">
+                                        <p:cTn id="111" dur="500" fill="hold"/>
+                                        <p:tgtEl>
+                                          <p:spTgt spid="47"/>
+                                        </p:tgtEl>
+                                        <p:attrNameLst>
+                                          <p:attrName>ppt_x</p:attrName>
+                                        </p:attrNameLst>
+                                      </p:cBhvr>
+                                      <p:tavLst>
+                                        <p:tav tm="0">
+                                          <p:val>
+                                            <p:strVal val="#ppt_x"/>
+                                          </p:val>
+                                        </p:tav>
+                                        <p:tav tm="100000">
+                                          <p:val>
+                                            <p:strVal val="#ppt_x"/>
+                                          </p:val>
+                                        </p:tav>
+                                      </p:tavLst>
+                                    </p:anim>
+                                    <p:anim calcmode="lin" valueType="num">
+                                      <p:cBhvr additive="base">
+                                        <p:cTn id="112" dur="500" fill="hold"/>
+                                        <p:tgtEl>
+                                          <p:spTgt spid="47"/>
+                                        </p:tgtEl>
+                                        <p:attrNameLst>
+                                          <p:attrName>ppt_y</p:attrName>
+                                        </p:attrNameLst>
+                                      </p:cBhvr>
+                                      <p:tavLst>
+                                        <p:tav tm="0">
+                                          <p:val>
+                                            <p:strVal val="1+#ppt_h/2"/>
+                                          </p:val>
+                                        </p:tav>
+                                        <p:tav tm="100000">
+                                          <p:val>
+                                            <p:strVal val="#ppt_y"/>
+                                          </p:val>
+                                        </p:tav>
+                                      </p:tavLst>
+                                    </p:anim>
+                                  </p:childTnLst>
+                                </p:cTn>
+                              </p:par>
+                              <p:par>
+                                <p:cTn id="113" presetID="2" presetClass="entr" presetSubtype="4" fill="hold" grpId="0" nodeType="withEffect">
+                                  <p:stCondLst>
+                                    <p:cond delay="0"/>
+                                  </p:stCondLst>
+                                  <p:childTnLst>
+                                    <p:set>
+                                      <p:cBhvr>
+                                        <p:cTn id="114" dur="1" fill="hold">
+                                          <p:stCondLst>
+                                            <p:cond delay="0"/>
+                                          </p:stCondLst>
+                                        </p:cTn>
+                                        <p:tgtEl>
+                                          <p:spTgt spid="48"/>
+                                        </p:tgtEl>
+                                        <p:attrNameLst>
+                                          <p:attrName>style.visibility</p:attrName>
+                                        </p:attrNameLst>
+                                      </p:cBhvr>
+                                      <p:to>
+                                        <p:strVal val="visible"/>
+                                      </p:to>
+                                    </p:set>
+                                    <p:anim calcmode="lin" valueType="num">
+                                      <p:cBhvr additive="base">
+                                        <p:cTn id="115" dur="500" fill="hold"/>
+                                        <p:tgtEl>
+                                          <p:spTgt spid="48"/>
+                                        </p:tgtEl>
+                                        <p:attrNameLst>
+                                          <p:attrName>ppt_x</p:attrName>
+                                        </p:attrNameLst>
+                                      </p:cBhvr>
+                                      <p:tavLst>
+                                        <p:tav tm="0">
+                                          <p:val>
+                                            <p:strVal val="#ppt_x"/>
+                                          </p:val>
+                                        </p:tav>
+                                        <p:tav tm="100000">
+                                          <p:val>
+                                            <p:strVal val="#ppt_x"/>
+                                          </p:val>
+                                        </p:tav>
+                                      </p:tavLst>
+                                    </p:anim>
+                                    <p:anim calcmode="lin" valueType="num">
+                                      <p:cBhvr additive="base">
+                                        <p:cTn id="116" dur="500" fill="hold"/>
+                                        <p:tgtEl>
+                                          <p:spTgt spid="48"/>
+                                        </p:tgtEl>
+                                        <p:attrNameLst>
+                                          <p:attrName>ppt_y</p:attrName>
+                                        </p:attrNameLst>
+                                      </p:cBhvr>
+                                      <p:tavLst>
+                                        <p:tav tm="0">
+                                          <p:val>
+                                            <p:strVal val="1+#ppt_h/2"/>
+                                          </p:val>
+                                        </p:tav>
+                                        <p:tav tm="100000">
+                                          <p:val>
+                                            <p:strVal val="#ppt_y"/>
+                                          </p:val>
+                                        </p:tav>
+                                      </p:tavLst>
+                                    </p:anim>
+                                  </p:childTnLst>
+                                </p:cTn>
+                              </p:par>
+                            </p:childTnLst>
+                          </p:cTn>
+                        </p:par>
+                      </p:childTnLst>
+                    </p:cTn>
+                  </p:par>
+                  <p:par>
+                    <p:cTn id="117" fill="hold">
+                      <p:stCondLst>
+                        <p:cond delay="indefinite"/>
+                      </p:stCondLst>
+                      <p:childTnLst>
+                        <p:par>
+                          <p:cTn id="118" fill="hold">
+                            <p:stCondLst>
+                              <p:cond delay="0"/>
+                            </p:stCondLst>
+                            <p:childTnLst>
+                              <p:par>
+                                <p:cTn id="119" presetID="2" presetClass="entr" presetSubtype="4" fill="hold" grpId="0" nodeType="clickEffect">
+                                  <p:stCondLst>
+                                    <p:cond delay="0"/>
+                                  </p:stCondLst>
+                                  <p:childTnLst>
+                                    <p:set>
+                                      <p:cBhvr>
+                                        <p:cTn id="120" dur="1" fill="hold">
+                                          <p:stCondLst>
+                                            <p:cond delay="0"/>
+                                          </p:stCondLst>
+                                        </p:cTn>
+                                        <p:tgtEl>
+                                          <p:spTgt spid="52"/>
+                                        </p:tgtEl>
+                                        <p:attrNameLst>
+                                          <p:attrName>style.visibility</p:attrName>
+                                        </p:attrNameLst>
+                                      </p:cBhvr>
+                                      <p:to>
+                                        <p:strVal val="visible"/>
+                                      </p:to>
+                                    </p:set>
+                                    <p:anim calcmode="lin" valueType="num">
+                                      <p:cBhvr additive="base">
+                                        <p:cTn id="121" dur="500" fill="hold"/>
+                                        <p:tgtEl>
+                                          <p:spTgt spid="52"/>
+                                        </p:tgtEl>
+                                        <p:attrNameLst>
+                                          <p:attrName>ppt_x</p:attrName>
+                                        </p:attrNameLst>
+                                      </p:cBhvr>
+                                      <p:tavLst>
+                                        <p:tav tm="0">
+                                          <p:val>
+                                            <p:strVal val="#ppt_x"/>
+                                          </p:val>
+                                        </p:tav>
+                                        <p:tav tm="100000">
+                                          <p:val>
+                                            <p:strVal val="#ppt_x"/>
+                                          </p:val>
+                                        </p:tav>
+                                      </p:tavLst>
+                                    </p:anim>
+                                    <p:anim calcmode="lin" valueType="num">
+                                      <p:cBhvr additive="base">
+                                        <p:cTn id="122" dur="500" fill="hold"/>
+                                        <p:tgtEl>
+                                          <p:spTgt spid="52"/>
+                                        </p:tgtEl>
+                                        <p:attrNameLst>
+                                          <p:attrName>ppt_y</p:attrName>
+                                        </p:attrNameLst>
+                                      </p:cBhvr>
+                                      <p:tavLst>
+                                        <p:tav tm="0">
+                                          <p:val>
+                                            <p:strVal val="1+#ppt_h/2"/>
+                                          </p:val>
+                                        </p:tav>
+                                        <p:tav tm="100000">
+                                          <p:val>
+                                            <p:strVal val="#ppt_y"/>
+                                          </p:val>
+                                        </p:tav>
+                                      </p:tavLst>
+                                    </p:anim>
+                                  </p:childTnLst>
+                                </p:cTn>
+                              </p:par>
+                              <p:par>
+                                <p:cTn id="123" presetID="2" presetClass="entr" presetSubtype="4" fill="hold" grpId="0" nodeType="withEffect">
+                                  <p:stCondLst>
+                                    <p:cond delay="0"/>
+                                  </p:stCondLst>
+                                  <p:childTnLst>
+                                    <p:set>
+                                      <p:cBhvr>
+                                        <p:cTn id="124" dur="1" fill="hold">
+                                          <p:stCondLst>
+                                            <p:cond delay="0"/>
+                                          </p:stCondLst>
+                                        </p:cTn>
+                                        <p:tgtEl>
+                                          <p:spTgt spid="53"/>
+                                        </p:tgtEl>
+                                        <p:attrNameLst>
+                                          <p:attrName>style.visibility</p:attrName>
+                                        </p:attrNameLst>
+                                      </p:cBhvr>
+                                      <p:to>
+                                        <p:strVal val="visible"/>
+                                      </p:to>
+                                    </p:set>
+                                    <p:anim calcmode="lin" valueType="num">
+                                      <p:cBhvr additive="base">
+                                        <p:cTn id="125" dur="500" fill="hold"/>
+                                        <p:tgtEl>
+                                          <p:spTgt spid="53"/>
+                                        </p:tgtEl>
+                                        <p:attrNameLst>
+                                          <p:attrName>ppt_x</p:attrName>
+                                        </p:attrNameLst>
+                                      </p:cBhvr>
+                                      <p:tavLst>
+                                        <p:tav tm="0">
+                                          <p:val>
+                                            <p:strVal val="#ppt_x"/>
+                                          </p:val>
+                                        </p:tav>
+                                        <p:tav tm="100000">
+                                          <p:val>
+                                            <p:strVal val="#ppt_x"/>
+                                          </p:val>
+                                        </p:tav>
+                                      </p:tavLst>
+                                    </p:anim>
+                                    <p:anim calcmode="lin" valueType="num">
+                                      <p:cBhvr additive="base">
+                                        <p:cTn id="126" dur="500" fill="hold"/>
+                                        <p:tgtEl>
+                                          <p:spTgt spid="53"/>
+                                        </p:tgtEl>
+                                        <p:attrNameLst>
+                                          <p:attrName>ppt_y</p:attrName>
+                                        </p:attrNameLst>
+                                      </p:cBhvr>
+                                      <p:tavLst>
+                                        <p:tav tm="0">
+                                          <p:val>
+                                            <p:strVal val="1+#ppt_h/2"/>
+                                          </p:val>
+                                        </p:tav>
+                                        <p:tav tm="100000">
+                                          <p:val>
+                                            <p:strVal val="#ppt_y"/>
+                                          </p:val>
+                                        </p:tav>
+                                      </p:tavLst>
+                                    </p:anim>
+                                  </p:childTnLst>
+                                </p:cTn>
+                              </p:par>
+                            </p:childTnLst>
+                          </p:cTn>
+                        </p:par>
+                      </p:childTnLst>
+                    </p:cTn>
+                  </p:par>
+                  <p:par>
+                    <p:cTn id="127" fill="hold">
+                      <p:stCondLst>
+                        <p:cond delay="indefinite"/>
+                      </p:stCondLst>
+                      <p:childTnLst>
+                        <p:par>
+                          <p:cTn id="128" fill="hold">
+                            <p:stCondLst>
+                              <p:cond delay="0"/>
+                            </p:stCondLst>
+                            <p:childTnLst>
+                              <p:par>
+                                <p:cTn id="129" presetID="2" presetClass="entr" presetSubtype="4" fill="hold" grpId="0" nodeType="clickEffect">
+                                  <p:stCondLst>
+                                    <p:cond delay="0"/>
+                                  </p:stCondLst>
+                                  <p:childTnLst>
+                                    <p:set>
+                                      <p:cBhvr>
+                                        <p:cTn id="130" dur="1" fill="hold">
+                                          <p:stCondLst>
+                                            <p:cond delay="0"/>
+                                          </p:stCondLst>
+                                        </p:cTn>
+                                        <p:tgtEl>
+                                          <p:spTgt spid="54"/>
+                                        </p:tgtEl>
+                                        <p:attrNameLst>
+                                          <p:attrName>style.visibility</p:attrName>
+                                        </p:attrNameLst>
+                                      </p:cBhvr>
+                                      <p:to>
+                                        <p:strVal val="visible"/>
+                                      </p:to>
+                                    </p:set>
+                                    <p:anim calcmode="lin" valueType="num">
+                                      <p:cBhvr additive="base">
+                                        <p:cTn id="131" dur="500" fill="hold"/>
+                                        <p:tgtEl>
+                                          <p:spTgt spid="54"/>
+                                        </p:tgtEl>
+                                        <p:attrNameLst>
+                                          <p:attrName>ppt_x</p:attrName>
+                                        </p:attrNameLst>
+                                      </p:cBhvr>
+                                      <p:tavLst>
+                                        <p:tav tm="0">
+                                          <p:val>
+                                            <p:strVal val="#ppt_x"/>
+                                          </p:val>
+                                        </p:tav>
+                                        <p:tav tm="100000">
+                                          <p:val>
+                                            <p:strVal val="#ppt_x"/>
+                                          </p:val>
+                                        </p:tav>
+                                      </p:tavLst>
+                                    </p:anim>
+                                    <p:anim calcmode="lin" valueType="num">
+                                      <p:cBhvr additive="base">
+                                        <p:cTn id="132" dur="500" fill="hold"/>
+                                        <p:tgtEl>
+                                          <p:spTgt spid="54"/>
+                                        </p:tgtEl>
+                                        <p:attrNameLst>
+                                          <p:attrName>ppt_y</p:attrName>
+                                        </p:attrNameLst>
+                                      </p:cBhvr>
+                                      <p:tavLst>
+                                        <p:tav tm="0">
+                                          <p:val>
+                                            <p:strVal val="1+#ppt_h/2"/>
+                                          </p:val>
+                                        </p:tav>
+                                        <p:tav tm="100000">
+                                          <p:val>
+                                            <p:strVal val="#ppt_y"/>
+                                          </p:val>
+                                        </p:tav>
+                                      </p:tavLst>
+                                    </p:anim>
+                                  </p:childTnLst>
+                                </p:cTn>
+                              </p:par>
+                              <p:par>
+                                <p:cTn id="133" presetID="2" presetClass="entr" presetSubtype="4" fill="hold" grpId="0" nodeType="withEffect">
+                                  <p:stCondLst>
+                                    <p:cond delay="0"/>
+                                  </p:stCondLst>
+                                  <p:childTnLst>
+                                    <p:set>
+                                      <p:cBhvr>
+                                        <p:cTn id="134" dur="1" fill="hold">
+                                          <p:stCondLst>
+                                            <p:cond delay="0"/>
+                                          </p:stCondLst>
+                                        </p:cTn>
+                                        <p:tgtEl>
+                                          <p:spTgt spid="55"/>
+                                        </p:tgtEl>
+                                        <p:attrNameLst>
+                                          <p:attrName>style.visibility</p:attrName>
+                                        </p:attrNameLst>
+                                      </p:cBhvr>
+                                      <p:to>
+                                        <p:strVal val="visible"/>
+                                      </p:to>
+                                    </p:set>
+                                    <p:anim calcmode="lin" valueType="num">
+                                      <p:cBhvr additive="base">
+                                        <p:cTn id="135" dur="500" fill="hold"/>
+                                        <p:tgtEl>
+                                          <p:spTgt spid="55"/>
+                                        </p:tgtEl>
+                                        <p:attrNameLst>
+                                          <p:attrName>ppt_x</p:attrName>
+                                        </p:attrNameLst>
+                                      </p:cBhvr>
+                                      <p:tavLst>
+                                        <p:tav tm="0">
+                                          <p:val>
+                                            <p:strVal val="#ppt_x"/>
+                                          </p:val>
+                                        </p:tav>
+                                        <p:tav tm="100000">
+                                          <p:val>
+                                            <p:strVal val="#ppt_x"/>
+                                          </p:val>
+                                        </p:tav>
+                                      </p:tavLst>
+                                    </p:anim>
+                                    <p:anim calcmode="lin" valueType="num">
+                                      <p:cBhvr additive="base">
+                                        <p:cTn id="136" dur="500" fill="hold"/>
+                                        <p:tgtEl>
+                                          <p:spTgt spid="55"/>
+                                        </p:tgtEl>
+                                        <p:attrNameLst>
+                                          <p:attrName>ppt_y</p:attrName>
+                                        </p:attrNameLst>
+                                      </p:cBhvr>
+                                      <p:tavLst>
+                                        <p:tav tm="0">
+                                          <p:val>
+                                            <p:strVal val="1+#ppt_h/2"/>
+                                          </p:val>
+                                        </p:tav>
+                                        <p:tav tm="100000">
+                                          <p:val>
+                                            <p:strVal val="#ppt_y"/>
+                                          </p:val>
+                                        </p:tav>
+                                      </p:tavLst>
+                                    </p:anim>
+                                  </p:childTnLst>
+                                </p:cTn>
+                              </p:par>
+                            </p:childTnLst>
+                          </p:cTn>
+                        </p:par>
+                      </p:childTnLst>
+                    </p:cTn>
+                  </p:par>
+                  <p:par>
+                    <p:cTn id="137" fill="hold">
+                      <p:stCondLst>
+                        <p:cond delay="indefinite"/>
+                      </p:stCondLst>
+                      <p:childTnLst>
+                        <p:par>
+                          <p:cTn id="138" fill="hold">
+                            <p:stCondLst>
+                              <p:cond delay="0"/>
+                            </p:stCondLst>
+                            <p:childTnLst>
+                              <p:par>
+                                <p:cTn id="139" presetID="2" presetClass="entr" presetSubtype="4" fill="hold" grpId="0" nodeType="clickEffect">
+                                  <p:stCondLst>
+                                    <p:cond delay="0"/>
+                                  </p:stCondLst>
+                                  <p:childTnLst>
+                                    <p:set>
+                                      <p:cBhvr>
+                                        <p:cTn id="140" dur="1" fill="hold">
+                                          <p:stCondLst>
+                                            <p:cond delay="0"/>
+                                          </p:stCondLst>
+                                        </p:cTn>
+                                        <p:tgtEl>
+                                          <p:spTgt spid="57"/>
+                                        </p:tgtEl>
+                                        <p:attrNameLst>
+                                          <p:attrName>style.visibility</p:attrName>
+                                        </p:attrNameLst>
+                                      </p:cBhvr>
+                                      <p:to>
+                                        <p:strVal val="visible"/>
+                                      </p:to>
+                                    </p:set>
+                                    <p:anim calcmode="lin" valueType="num">
+                                      <p:cBhvr additive="base">
+                                        <p:cTn id="141" dur="500" fill="hold"/>
+                                        <p:tgtEl>
+                                          <p:spTgt spid="57"/>
+                                        </p:tgtEl>
+                                        <p:attrNameLst>
+                                          <p:attrName>ppt_x</p:attrName>
+                                        </p:attrNameLst>
+                                      </p:cBhvr>
+                                      <p:tavLst>
+                                        <p:tav tm="0">
+                                          <p:val>
+                                            <p:strVal val="#ppt_x"/>
+                                          </p:val>
+                                        </p:tav>
+                                        <p:tav tm="100000">
+                                          <p:val>
+                                            <p:strVal val="#ppt_x"/>
+                                          </p:val>
+                                        </p:tav>
+                                      </p:tavLst>
+                                    </p:anim>
+                                    <p:anim calcmode="lin" valueType="num">
+                                      <p:cBhvr additive="base">
+                                        <p:cTn id="142" dur="500" fill="hold"/>
+                                        <p:tgtEl>
+                                          <p:spTgt spid="57"/>
+                                        </p:tgtEl>
+                                        <p:attrNameLst>
+                                          <p:attrName>ppt_y</p:attrName>
+                                        </p:attrNameLst>
+                                      </p:cBhvr>
+                                      <p:tavLst>
+                                        <p:tav tm="0">
+                                          <p:val>
+                                            <p:strVal val="1+#ppt_h/2"/>
+                                          </p:val>
+                                        </p:tav>
+                                        <p:tav tm="100000">
+                                          <p:val>
+                                            <p:strVal val="#ppt_y"/>
+                                          </p:val>
+                                        </p:tav>
+                                      </p:tavLst>
+                                    </p:anim>
+                                  </p:childTnLst>
+                                </p:cTn>
+                              </p:par>
+                              <p:par>
+                                <p:cTn id="143" presetID="2" presetClass="entr" presetSubtype="4" fill="hold" grpId="0" nodeType="withEffect">
+                                  <p:stCondLst>
+                                    <p:cond delay="0"/>
+                                  </p:stCondLst>
+                                  <p:childTnLst>
+                                    <p:set>
+                                      <p:cBhvr>
+                                        <p:cTn id="144" dur="1" fill="hold">
+                                          <p:stCondLst>
+                                            <p:cond delay="0"/>
+                                          </p:stCondLst>
+                                        </p:cTn>
+                                        <p:tgtEl>
+                                          <p:spTgt spid="58"/>
+                                        </p:tgtEl>
+                                        <p:attrNameLst>
+                                          <p:attrName>style.visibility</p:attrName>
+                                        </p:attrNameLst>
+                                      </p:cBhvr>
+                                      <p:to>
+                                        <p:strVal val="visible"/>
+                                      </p:to>
+                                    </p:set>
+                                    <p:anim calcmode="lin" valueType="num">
+                                      <p:cBhvr additive="base">
+                                        <p:cTn id="145" dur="500" fill="hold"/>
+                                        <p:tgtEl>
+                                          <p:spTgt spid="58"/>
+                                        </p:tgtEl>
+                                        <p:attrNameLst>
+                                          <p:attrName>ppt_x</p:attrName>
+                                        </p:attrNameLst>
+                                      </p:cBhvr>
+                                      <p:tavLst>
+                                        <p:tav tm="0">
+                                          <p:val>
+                                            <p:strVal val="#ppt_x"/>
+                                          </p:val>
+                                        </p:tav>
+                                        <p:tav tm="100000">
+                                          <p:val>
+                                            <p:strVal val="#ppt_x"/>
+                                          </p:val>
+                                        </p:tav>
+                                      </p:tavLst>
+                                    </p:anim>
+                                    <p:anim calcmode="lin" valueType="num">
+                                      <p:cBhvr additive="base">
+                                        <p:cTn id="146" dur="500" fill="hold"/>
+                                        <p:tgtEl>
+                                          <p:spTgt spid="58"/>
+                                        </p:tgtEl>
+                                        <p:attrNameLst>
+                                          <p:attrName>ppt_y</p:attrName>
+                                        </p:attrNameLst>
+                                      </p:cBhvr>
+                                      <p:tavLst>
+                                        <p:tav tm="0">
+                                          <p:val>
+                                            <p:strVal val="1+#ppt_h/2"/>
+                                          </p:val>
+                                        </p:tav>
+                                        <p:tav tm="100000">
+                                          <p:val>
+                                            <p:strVal val="#ppt_y"/>
+                                          </p:val>
+                                        </p:tav>
+                                      </p:tavLst>
+                                    </p:anim>
+                                  </p:childTnLst>
+                                </p:cTn>
+                              </p:par>
+                            </p:childTnLst>
+                          </p:cTn>
+                        </p:par>
+                      </p:childTnLst>
+                    </p:cTn>
+                  </p:par>
+                  <p:par>
+                    <p:cTn id="147" fill="hold">
+                      <p:stCondLst>
+                        <p:cond delay="indefinite"/>
+                      </p:stCondLst>
+                      <p:childTnLst>
+                        <p:par>
+                          <p:cTn id="148" fill="hold">
+                            <p:stCondLst>
+                              <p:cond delay="0"/>
+                            </p:stCondLst>
+                            <p:childTnLst>
+                              <p:par>
+                                <p:cTn id="149" presetID="2" presetClass="entr" presetSubtype="4" fill="hold" grpId="0" nodeType="clickEffect">
+                                  <p:stCondLst>
+                                    <p:cond delay="0"/>
+                                  </p:stCondLst>
+                                  <p:childTnLst>
+                                    <p:set>
+                                      <p:cBhvr>
+                                        <p:cTn id="150" dur="1" fill="hold">
+                                          <p:stCondLst>
+                                            <p:cond delay="0"/>
+                                          </p:stCondLst>
+                                        </p:cTn>
+                                        <p:tgtEl>
+                                          <p:spTgt spid="59"/>
+                                        </p:tgtEl>
+                                        <p:attrNameLst>
+                                          <p:attrName>style.visibility</p:attrName>
+                                        </p:attrNameLst>
+                                      </p:cBhvr>
+                                      <p:to>
+                                        <p:strVal val="visible"/>
+                                      </p:to>
+                                    </p:set>
+                                    <p:anim calcmode="lin" valueType="num">
+                                      <p:cBhvr additive="base">
+                                        <p:cTn id="151" dur="500" fill="hold"/>
+                                        <p:tgtEl>
+                                          <p:spTgt spid="59"/>
+                                        </p:tgtEl>
+                                        <p:attrNameLst>
+                                          <p:attrName>ppt_x</p:attrName>
+                                        </p:attrNameLst>
+                                      </p:cBhvr>
+                                      <p:tavLst>
+                                        <p:tav tm="0">
+                                          <p:val>
+                                            <p:strVal val="#ppt_x"/>
+                                          </p:val>
+                                        </p:tav>
+                                        <p:tav tm="100000">
+                                          <p:val>
+                                            <p:strVal val="#ppt_x"/>
+                                          </p:val>
+                                        </p:tav>
+                                      </p:tavLst>
+                                    </p:anim>
+                                    <p:anim calcmode="lin" valueType="num">
+                                      <p:cBhvr additive="base">
+                                        <p:cTn id="152" dur="500" fill="hold"/>
+                                        <p:tgtEl>
+                                          <p:spTgt spid="59"/>
+                                        </p:tgtEl>
+                                        <p:attrNameLst>
+                                          <p:attrName>ppt_y</p:attrName>
+                                        </p:attrNameLst>
+                                      </p:cBhvr>
+                                      <p:tavLst>
+                                        <p:tav tm="0">
+                                          <p:val>
+                                            <p:strVal val="1+#ppt_h/2"/>
+                                          </p:val>
+                                        </p:tav>
+                                        <p:tav tm="100000">
+                                          <p:val>
+                                            <p:strVal val="#ppt_y"/>
+                                          </p:val>
+                                        </p:tav>
+                                      </p:tavLst>
+                                    </p:anim>
+                                  </p:childTnLst>
+                                </p:cTn>
+                              </p:par>
+                              <p:par>
+                                <p:cTn id="153" presetID="2" presetClass="entr" presetSubtype="4" fill="hold" grpId="0" nodeType="withEffect">
+                                  <p:stCondLst>
+                                    <p:cond delay="0"/>
+                                  </p:stCondLst>
+                                  <p:childTnLst>
+                                    <p:set>
+                                      <p:cBhvr>
+                                        <p:cTn id="154" dur="1" fill="hold">
+                                          <p:stCondLst>
+                                            <p:cond delay="0"/>
+                                          </p:stCondLst>
+                                        </p:cTn>
+                                        <p:tgtEl>
+                                          <p:spTgt spid="60"/>
+                                        </p:tgtEl>
+                                        <p:attrNameLst>
+                                          <p:attrName>style.visibility</p:attrName>
+                                        </p:attrNameLst>
+                                      </p:cBhvr>
+                                      <p:to>
+                                        <p:strVal val="visible"/>
+                                      </p:to>
+                                    </p:set>
+                                    <p:anim calcmode="lin" valueType="num">
+                                      <p:cBhvr additive="base">
+                                        <p:cTn id="155" dur="500" fill="hold"/>
+                                        <p:tgtEl>
+                                          <p:spTgt spid="60"/>
+                                        </p:tgtEl>
+                                        <p:attrNameLst>
+                                          <p:attrName>ppt_x</p:attrName>
+                                        </p:attrNameLst>
+                                      </p:cBhvr>
+                                      <p:tavLst>
+                                        <p:tav tm="0">
+                                          <p:val>
+                                            <p:strVal val="#ppt_x"/>
+                                          </p:val>
+                                        </p:tav>
+                                        <p:tav tm="100000">
+                                          <p:val>
+                                            <p:strVal val="#ppt_x"/>
+                                          </p:val>
+                                        </p:tav>
+                                      </p:tavLst>
+                                    </p:anim>
+                                    <p:anim calcmode="lin" valueType="num">
+                                      <p:cBhvr additive="base">
+                                        <p:cTn id="156" dur="500" fill="hold"/>
+                                        <p:tgtEl>
+                                          <p:spTgt spid="60"/>
+                                        </p:tgtEl>
+                                        <p:attrNameLst>
+                                          <p:attrName>ppt_y</p:attrName>
+                                        </p:attrNameLst>
+                                      </p:cBhvr>
+                                      <p:tavLst>
+                                        <p:tav tm="0">
+                                          <p:val>
+                                            <p:strVal val="1+#ppt_h/2"/>
+                                          </p:val>
+                                        </p:tav>
+                                        <p:tav tm="100000">
+                                          <p:val>
+                                            <p:strVal val="#ppt_y"/>
+                                          </p:val>
+                                        </p:tav>
+                                      </p:tavLst>
+                                    </p:anim>
+                                  </p:childTnLst>
+                                </p:cTn>
+                              </p:par>
+                            </p:childTnLst>
+                          </p:cTn>
+                        </p:par>
+                      </p:childTnLst>
+                    </p:cTn>
+                  </p:par>
+                </p:childTnLst>
+              </p:cTn>
+              <p:prevCondLst>
+                <p:cond evt="onPrev" delay="0">
+                  <p:tgtEl>
+                    <p:sldTgt/>
+                  </p:tgtEl>
+                </p:cond>
+              </p:prevCondLst>
+              <p:nextCondLst>
+                <p:cond evt="onNext" delay="0">
+                  <p:tgtEl>
+                    <p:sldTgt/>
+                  </p:tgtEl>
+                </p:cond>
+              </p:nextCondLst>
+            </p:seq>
+          </p:childTnLst>
+        </p:cTn>
+      </p:par>
+    </p:tnLst>
+    <p:bldLst>
+      <p:bldP spid="20" grpId="0" animBg="1"/>
+      <p:bldP spid="21" grpId="0" animBg="1"/>
+      <p:bldP spid="22" grpId="0" animBg="1"/>
+      <p:bldP spid="23" grpId="0" animBg="1"/>
+      <p:bldP spid="24" grpId="0" animBg="1"/>
+      <p:bldP spid="25" grpId="0" animBg="1"/>
+      <p:bldP spid="26" grpId="0" animBg="1"/>
+      <p:bldP spid="27" grpId="0" animBg="1"/>
+      <p:bldP spid="29" grpId="0" animBg="1"/>
+      <p:bldP spid="30" grpId="0" animBg="1"/>
+      <p:bldP spid="31" grpId="0" animBg="1"/>
+      <p:bldP spid="32" grpId="0" animBg="1"/>
+      <p:bldP spid="33" grpId="0" animBg="1"/>
+      <p:bldP spid="34" grpId="0" animBg="1"/>
+      <p:bldP spid="35" grpId="0" animBg="1"/>
+      <p:bldP spid="36" grpId="0" animBg="1"/>
+      <p:bldP spid="37" grpId="0" animBg="1"/>
+      <p:bldP spid="38" grpId="0" animBg="1"/>
+      <p:bldP spid="39" grpId="0" animBg="1"/>
+      <p:bldP spid="40" grpId="0" animBg="1"/>
+      <p:bldP spid="44" grpId="0" animBg="1"/>
+      <p:bldP spid="46" grpId="0" animBg="1"/>
+      <p:bldP spid="47" grpId="0" animBg="1"/>
+      <p:bldP spid="48" grpId="0" animBg="1"/>
+      <p:bldP spid="52" grpId="0" animBg="1"/>
+      <p:bldP spid="53" grpId="0" animBg="1"/>
+      <p:bldP spid="54" grpId="0" animBg="1"/>
+      <p:bldP spid="55" grpId="0" animBg="1"/>
+      <p:bldP spid="57" grpId="0" animBg="1"/>
+      <p:bldP spid="58" grpId="0" animBg="1"/>
+      <p:bldP spid="59" grpId="0" animBg="1"/>
+      <p:bldP spid="60" grpId="0" animBg="1"/>
+    </p:bldLst>
+  </p:timing>
+</p:sld>
+</file>
+
+<file path=ppt/slides/slide16.xml><?xml version="1.0" encoding="utf-8"?>
 <p:sld xmlns:a="http://schemas.openxmlformats.org/drawingml/2006/main" xmlns:r="http://schemas.openxmlformats.org/officeDocument/2006/relationships" xmlns:p="http://schemas.openxmlformats.org/presentationml/2006/main">
   <p:cSld>
     <p:spTree>
@@ -27751,7 +33256,7 @@
 </p:sld>
 </file>
 
-<file path=ppt/slides/slide16.xml><?xml version="1.0" encoding="utf-8"?>
+<file path=ppt/slides/slide17.xml><?xml version="1.0" encoding="utf-8"?>
 <p:sld xmlns:a="http://schemas.openxmlformats.org/drawingml/2006/main" xmlns:r="http://schemas.openxmlformats.org/officeDocument/2006/relationships" xmlns:p="http://schemas.openxmlformats.org/presentationml/2006/main">
   <p:cSld>
     <p:spTree>
@@ -27850,7 +33355,7 @@
 </p:sld>
 </file>
 
-<file path=ppt/slides/slide17.xml><?xml version="1.0" encoding="utf-8"?>
+<file path=ppt/slides/slide18.xml><?xml version="1.0" encoding="utf-8"?>
 <p:sld xmlns:a="http://schemas.openxmlformats.org/drawingml/2006/main" xmlns:r="http://schemas.openxmlformats.org/officeDocument/2006/relationships" xmlns:p="http://schemas.openxmlformats.org/presentationml/2006/main">
   <p:cSld>
     <p:spTree>
@@ -27943,7 +33448,7 @@
 </p:sld>
 </file>
 
-<file path=ppt/slides/slide18.xml><?xml version="1.0" encoding="utf-8"?>
+<file path=ppt/slides/slide19.xml><?xml version="1.0" encoding="utf-8"?>
 <p:sld xmlns:a="http://schemas.openxmlformats.org/drawingml/2006/main" xmlns:r="http://schemas.openxmlformats.org/officeDocument/2006/relationships" xmlns:p="http://schemas.openxmlformats.org/presentationml/2006/main">
   <p:cSld>
     <p:spTree>
@@ -39267,4 +44772,299 @@
     </a:ext>
   </a:extLst>
 </a:theme>
+</file>
+
+<file path=ppt/theme/theme2.xml><?xml version="1.0" encoding="utf-8"?>
+<a:theme xmlns:a="http://schemas.openxmlformats.org/drawingml/2006/main" name="Office 佈景主題">
+  <a:themeElements>
+    <a:clrScheme name="Office">
+      <a:dk1>
+        <a:sysClr val="windowText" lastClr="000000"/>
+      </a:dk1>
+      <a:lt1>
+        <a:sysClr val="window" lastClr="FFFFFF"/>
+      </a:lt1>
+      <a:dk2>
+        <a:srgbClr val="44546A"/>
+      </a:dk2>
+      <a:lt2>
+        <a:srgbClr val="E7E6E6"/>
+      </a:lt2>
+      <a:accent1>
+        <a:srgbClr val="4472C4"/>
+      </a:accent1>
+      <a:accent2>
+        <a:srgbClr val="ED7D31"/>
+      </a:accent2>
+      <a:accent3>
+        <a:srgbClr val="A5A5A5"/>
+      </a:accent3>
+      <a:accent4>
+        <a:srgbClr val="FFC000"/>
+      </a:accent4>
+      <a:accent5>
+        <a:srgbClr val="5B9BD5"/>
+      </a:accent5>
+      <a:accent6>
+        <a:srgbClr val="70AD47"/>
+      </a:accent6>
+      <a:hlink>
+        <a:srgbClr val="0563C1"/>
+      </a:hlink>
+      <a:folHlink>
+        <a:srgbClr val="954F72"/>
+      </a:folHlink>
+    </a:clrScheme>
+    <a:fontScheme name="Office">
+      <a:majorFont>
+        <a:latin typeface="Calibri Light" panose="020F0302020204030204"/>
+        <a:ea typeface=""/>
+        <a:cs typeface=""/>
+        <a:font script="Jpan" typeface="游ゴシック Light"/>
+        <a:font script="Hang" typeface="맑은 고딕"/>
+        <a:font script="Hans" typeface="等线 Light"/>
+        <a:font script="Hant" typeface="新細明體"/>
+        <a:font script="Arab" typeface="Times New Roman"/>
+        <a:font script="Hebr" typeface="Times New Roman"/>
+        <a:font script="Thai" typeface="Angsana New"/>
+        <a:font script="Ethi" typeface="Nyala"/>
+        <a:font script="Beng" typeface="Vrinda"/>
+        <a:font script="Gujr" typeface="Shruti"/>
+        <a:font script="Khmr" typeface="MoolBoran"/>
+        <a:font script="Knda" typeface="Tunga"/>
+        <a:font script="Guru" typeface="Raavi"/>
+        <a:font script="Cans" typeface="Euphemia"/>
+        <a:font script="Cher" typeface="Plantagenet Cherokee"/>
+        <a:font script="Yiii" typeface="Microsoft Yi Baiti"/>
+        <a:font script="Tibt" typeface="Microsoft Himalaya"/>
+        <a:font script="Thaa" typeface="MV Boli"/>
+        <a:font script="Deva" typeface="Mangal"/>
+        <a:font script="Telu" typeface="Gautami"/>
+        <a:font script="Taml" typeface="Latha"/>
+        <a:font script="Syrc" typeface="Estrangelo Edessa"/>
+        <a:font script="Orya" typeface="Kalinga"/>
+        <a:font script="Mlym" typeface="Kartika"/>
+        <a:font script="Laoo" typeface="DokChampa"/>
+        <a:font script="Sinh" typeface="Iskoola Pota"/>
+        <a:font script="Mong" typeface="Mongolian Baiti"/>
+        <a:font script="Viet" typeface="Times New Roman"/>
+        <a:font script="Uigh" typeface="Microsoft Uighur"/>
+        <a:font script="Geor" typeface="Sylfaen"/>
+        <a:font script="Armn" typeface="Arial"/>
+        <a:font script="Bugi" typeface="Leelawadee UI"/>
+        <a:font script="Bopo" typeface="Microsoft JhengHei"/>
+        <a:font script="Java" typeface="Javanese Text"/>
+        <a:font script="Lisu" typeface="Segoe UI"/>
+        <a:font script="Mymr" typeface="Myanmar Text"/>
+        <a:font script="Nkoo" typeface="Ebrima"/>
+        <a:font script="Olck" typeface="Nirmala UI"/>
+        <a:font script="Osma" typeface="Ebrima"/>
+        <a:font script="Phag" typeface="Phagspa"/>
+        <a:font script="Syrn" typeface="Estrangelo Edessa"/>
+        <a:font script="Syrj" typeface="Estrangelo Edessa"/>
+        <a:font script="Syre" typeface="Estrangelo Edessa"/>
+        <a:font script="Sora" typeface="Nirmala UI"/>
+        <a:font script="Tale" typeface="Microsoft Tai Le"/>
+        <a:font script="Talu" typeface="Microsoft New Tai Lue"/>
+        <a:font script="Tfng" typeface="Ebrima"/>
+      </a:majorFont>
+      <a:minorFont>
+        <a:latin typeface="Calibri" panose="020F0502020204030204"/>
+        <a:ea typeface=""/>
+        <a:cs typeface=""/>
+        <a:font script="Jpan" typeface="游ゴシック"/>
+        <a:font script="Hang" typeface="맑은 고딕"/>
+        <a:font script="Hans" typeface="等线"/>
+        <a:font script="Hant" typeface="新細明體"/>
+        <a:font script="Arab" typeface="Arial"/>
+        <a:font script="Hebr" typeface="Arial"/>
+        <a:font script="Thai" typeface="Cordia New"/>
+        <a:font script="Ethi" typeface="Nyala"/>
+        <a:font script="Beng" typeface="Vrinda"/>
+        <a:font script="Gujr" typeface="Shruti"/>
+        <a:font script="Khmr" typeface="DaunPenh"/>
+        <a:font script="Knda" typeface="Tunga"/>
+        <a:font script="Guru" typeface="Raavi"/>
+        <a:font script="Cans" typeface="Euphemia"/>
+        <a:font script="Cher" typeface="Plantagenet Cherokee"/>
+        <a:font script="Yiii" typeface="Microsoft Yi Baiti"/>
+        <a:font script="Tibt" typeface="Microsoft Himalaya"/>
+        <a:font script="Thaa" typeface="MV Boli"/>
+        <a:font script="Deva" typeface="Mangal"/>
+        <a:font script="Telu" typeface="Gautami"/>
+        <a:font script="Taml" typeface="Latha"/>
+        <a:font script="Syrc" typeface="Estrangelo Edessa"/>
+        <a:font script="Orya" typeface="Kalinga"/>
+        <a:font script="Mlym" typeface="Kartika"/>
+        <a:font script="Laoo" typeface="DokChampa"/>
+        <a:font script="Sinh" typeface="Iskoola Pota"/>
+        <a:font script="Mong" typeface="Mongolian Baiti"/>
+        <a:font script="Viet" typeface="Arial"/>
+        <a:font script="Uigh" typeface="Microsoft Uighur"/>
+        <a:font script="Geor" typeface="Sylfaen"/>
+        <a:font script="Armn" typeface="Arial"/>
+        <a:font script="Bugi" typeface="Leelawadee UI"/>
+        <a:font script="Bopo" typeface="Microsoft JhengHei"/>
+        <a:font script="Java" typeface="Javanese Text"/>
+        <a:font script="Lisu" typeface="Segoe UI"/>
+        <a:font script="Mymr" typeface="Myanmar Text"/>
+        <a:font script="Nkoo" typeface="Ebrima"/>
+        <a:font script="Olck" typeface="Nirmala UI"/>
+        <a:font script="Osma" typeface="Ebrima"/>
+        <a:font script="Phag" typeface="Phagspa"/>
+        <a:font script="Syrn" typeface="Estrangelo Edessa"/>
+        <a:font script="Syrj" typeface="Estrangelo Edessa"/>
+        <a:font script="Syre" typeface="Estrangelo Edessa"/>
+        <a:font script="Sora" typeface="Nirmala UI"/>
+        <a:font script="Tale" typeface="Microsoft Tai Le"/>
+        <a:font script="Talu" typeface="Microsoft New Tai Lue"/>
+        <a:font script="Tfng" typeface="Ebrima"/>
+      </a:minorFont>
+    </a:fontScheme>
+    <a:fmtScheme name="Office">
+      <a:fillStyleLst>
+        <a:solidFill>
+          <a:schemeClr val="phClr"/>
+        </a:solidFill>
+        <a:gradFill rotWithShape="1">
+          <a:gsLst>
+            <a:gs pos="0">
+              <a:schemeClr val="phClr">
+                <a:lumMod val="110000"/>
+                <a:satMod val="105000"/>
+                <a:tint val="67000"/>
+              </a:schemeClr>
+            </a:gs>
+            <a:gs pos="50000">
+              <a:schemeClr val="phClr">
+                <a:lumMod val="105000"/>
+                <a:satMod val="103000"/>
+                <a:tint val="73000"/>
+              </a:schemeClr>
+            </a:gs>
+            <a:gs pos="100000">
+              <a:schemeClr val="phClr">
+                <a:lumMod val="105000"/>
+                <a:satMod val="109000"/>
+                <a:tint val="81000"/>
+              </a:schemeClr>
+            </a:gs>
+          </a:gsLst>
+          <a:lin ang="5400000" scaled="0"/>
+        </a:gradFill>
+        <a:gradFill rotWithShape="1">
+          <a:gsLst>
+            <a:gs pos="0">
+              <a:schemeClr val="phClr">
+                <a:satMod val="103000"/>
+                <a:lumMod val="102000"/>
+                <a:tint val="94000"/>
+              </a:schemeClr>
+            </a:gs>
+            <a:gs pos="50000">
+              <a:schemeClr val="phClr">
+                <a:satMod val="110000"/>
+                <a:lumMod val="100000"/>
+                <a:shade val="100000"/>
+              </a:schemeClr>
+            </a:gs>
+            <a:gs pos="100000">
+              <a:schemeClr val="phClr">
+                <a:lumMod val="99000"/>
+                <a:satMod val="120000"/>
+                <a:shade val="78000"/>
+              </a:schemeClr>
+            </a:gs>
+          </a:gsLst>
+          <a:lin ang="5400000" scaled="0"/>
+        </a:gradFill>
+      </a:fillStyleLst>
+      <a:lnStyleLst>
+        <a:ln w="6350" cap="flat" cmpd="sng" algn="ctr">
+          <a:solidFill>
+            <a:schemeClr val="phClr"/>
+          </a:solidFill>
+          <a:prstDash val="solid"/>
+          <a:miter lim="800000"/>
+        </a:ln>
+        <a:ln w="12700" cap="flat" cmpd="sng" algn="ctr">
+          <a:solidFill>
+            <a:schemeClr val="phClr"/>
+          </a:solidFill>
+          <a:prstDash val="solid"/>
+          <a:miter lim="800000"/>
+        </a:ln>
+        <a:ln w="19050" cap="flat" cmpd="sng" algn="ctr">
+          <a:solidFill>
+            <a:schemeClr val="phClr"/>
+          </a:solidFill>
+          <a:prstDash val="solid"/>
+          <a:miter lim="800000"/>
+        </a:ln>
+      </a:lnStyleLst>
+      <a:effectStyleLst>
+        <a:effectStyle>
+          <a:effectLst/>
+        </a:effectStyle>
+        <a:effectStyle>
+          <a:effectLst/>
+        </a:effectStyle>
+        <a:effectStyle>
+          <a:effectLst>
+            <a:outerShdw blurRad="57150" dist="19050" dir="5400000" algn="ctr" rotWithShape="0">
+              <a:srgbClr val="000000">
+                <a:alpha val="63000"/>
+              </a:srgbClr>
+            </a:outerShdw>
+          </a:effectLst>
+        </a:effectStyle>
+      </a:effectStyleLst>
+      <a:bgFillStyleLst>
+        <a:solidFill>
+          <a:schemeClr val="phClr"/>
+        </a:solidFill>
+        <a:solidFill>
+          <a:schemeClr val="phClr">
+            <a:tint val="95000"/>
+            <a:satMod val="170000"/>
+          </a:schemeClr>
+        </a:solidFill>
+        <a:gradFill rotWithShape="1">
+          <a:gsLst>
+            <a:gs pos="0">
+              <a:schemeClr val="phClr">
+                <a:tint val="93000"/>
+                <a:satMod val="150000"/>
+                <a:shade val="98000"/>
+                <a:lumMod val="102000"/>
+              </a:schemeClr>
+            </a:gs>
+            <a:gs pos="50000">
+              <a:schemeClr val="phClr">
+                <a:tint val="98000"/>
+                <a:satMod val="130000"/>
+                <a:shade val="90000"/>
+                <a:lumMod val="103000"/>
+              </a:schemeClr>
+            </a:gs>
+            <a:gs pos="100000">
+              <a:schemeClr val="phClr">
+                <a:shade val="63000"/>
+                <a:satMod val="120000"/>
+              </a:schemeClr>
+            </a:gs>
+          </a:gsLst>
+          <a:lin ang="5400000" scaled="0"/>
+        </a:gradFill>
+      </a:bgFillStyleLst>
+    </a:fmtScheme>
+  </a:themeElements>
+  <a:objectDefaults/>
+  <a:extraClrSchemeLst/>
+  <a:extLst>
+    <a:ext uri="{05A4C25C-085E-4340-85A3-A5531E510DB2}">
+      <thm15:themeFamily xmlns:thm15="http://schemas.microsoft.com/office/thememl/2012/main" name="Office Theme" id="{62F939B6-93AF-4DB8-9C6B-D6C7DFDC589F}" vid="{4A3C46E8-61CC-4603-A589-7422A47A8E4A}"/>
+    </a:ext>
+  </a:extLst>
+</a:theme>
 </file>
--- a/rs232.pptx
+++ b/rs232.pptx
@@ -23,7 +23,7 @@
     <p:sldId id="271" r:id="rId14"/>
     <p:sldId id="266" r:id="rId15"/>
     <p:sldId id="275" r:id="rId16"/>
-    <p:sldId id="265" r:id="rId17"/>
+    <p:sldId id="276" r:id="rId17"/>
     <p:sldId id="263" r:id="rId18"/>
     <p:sldId id="273" r:id="rId19"/>
   </p:sldIdLst>
@@ -21745,7 +21745,7 @@
           <a:p>
             <a:fld id="{0011F089-D19C-4926-9A94-65B42CB8655F}" type="datetimeFigureOut">
               <a:rPr lang="zh-TW" altLang="en-US" smtClean="0"/>
-              <a:t>2022/10/18</a:t>
+              <a:t>2022/10/19</a:t>
             </a:fld>
             <a:endParaRPr lang="zh-TW" altLang="en-US"/>
           </a:p>
@@ -22427,7 +22427,7 @@
           <a:p>
             <a:fld id="{71CFBC5D-DAFB-4263-8CE6-CC74E3B535DB}" type="datetimeFigureOut">
               <a:rPr lang="zh-TW" altLang="en-US" smtClean="0"/>
-              <a:t>2022/10/18</a:t>
+              <a:t>2022/10/19</a:t>
             </a:fld>
             <a:endParaRPr lang="zh-TW" altLang="en-US"/>
           </a:p>
@@ -22751,7 +22751,7 @@
           <a:p>
             <a:fld id="{71CFBC5D-DAFB-4263-8CE6-CC74E3B535DB}" type="datetimeFigureOut">
               <a:rPr lang="zh-TW" altLang="en-US" smtClean="0"/>
-              <a:t>2022/10/18</a:t>
+              <a:t>2022/10/19</a:t>
             </a:fld>
             <a:endParaRPr lang="zh-TW" altLang="en-US"/>
           </a:p>
@@ -22999,7 +22999,7 @@
           <a:p>
             <a:fld id="{71CFBC5D-DAFB-4263-8CE6-CC74E3B535DB}" type="datetimeFigureOut">
               <a:rPr lang="zh-TW" altLang="en-US" smtClean="0"/>
-              <a:t>2022/10/18</a:t>
+              <a:t>2022/10/19</a:t>
             </a:fld>
             <a:endParaRPr lang="zh-TW" altLang="en-US"/>
           </a:p>
@@ -23338,7 +23338,7 @@
           <a:p>
             <a:fld id="{71CFBC5D-DAFB-4263-8CE6-CC74E3B535DB}" type="datetimeFigureOut">
               <a:rPr lang="zh-TW" altLang="en-US" smtClean="0"/>
-              <a:t>2022/10/18</a:t>
+              <a:t>2022/10/19</a:t>
             </a:fld>
             <a:endParaRPr lang="zh-TW" altLang="en-US"/>
           </a:p>
@@ -23685,7 +23685,7 @@
           <a:p>
             <a:fld id="{71CFBC5D-DAFB-4263-8CE6-CC74E3B535DB}" type="datetimeFigureOut">
               <a:rPr lang="zh-TW" altLang="en-US" smtClean="0"/>
-              <a:t>2022/10/18</a:t>
+              <a:t>2022/10/19</a:t>
             </a:fld>
             <a:endParaRPr lang="zh-TW" altLang="en-US"/>
           </a:p>
@@ -24059,7 +24059,7 @@
           <a:p>
             <a:fld id="{71CFBC5D-DAFB-4263-8CE6-CC74E3B535DB}" type="datetimeFigureOut">
               <a:rPr lang="zh-TW" altLang="en-US" smtClean="0"/>
-              <a:t>2022/10/18</a:t>
+              <a:t>2022/10/19</a:t>
             </a:fld>
             <a:endParaRPr lang="zh-TW" altLang="en-US"/>
           </a:p>
@@ -24529,7 +24529,7 @@
           <a:p>
             <a:fld id="{71CFBC5D-DAFB-4263-8CE6-CC74E3B535DB}" type="datetimeFigureOut">
               <a:rPr lang="zh-TW" altLang="en-US" smtClean="0"/>
-              <a:t>2022/10/18</a:t>
+              <a:t>2022/10/19</a:t>
             </a:fld>
             <a:endParaRPr lang="zh-TW" altLang="en-US"/>
           </a:p>
@@ -24734,7 +24734,7 @@
           <a:p>
             <a:fld id="{71CFBC5D-DAFB-4263-8CE6-CC74E3B535DB}" type="datetimeFigureOut">
               <a:rPr lang="zh-TW" altLang="en-US" smtClean="0"/>
-              <a:t>2022/10/18</a:t>
+              <a:t>2022/10/19</a:t>
             </a:fld>
             <a:endParaRPr lang="zh-TW" altLang="en-US"/>
           </a:p>
@@ -24945,7 +24945,7 @@
           <a:p>
             <a:fld id="{71CFBC5D-DAFB-4263-8CE6-CC74E3B535DB}" type="datetimeFigureOut">
               <a:rPr lang="zh-TW" altLang="en-US" smtClean="0"/>
-              <a:t>2022/10/18</a:t>
+              <a:t>2022/10/19</a:t>
             </a:fld>
             <a:endParaRPr lang="zh-TW" altLang="en-US"/>
           </a:p>
@@ -25177,7 +25177,7 @@
           <a:p>
             <a:fld id="{71CFBC5D-DAFB-4263-8CE6-CC74E3B535DB}" type="datetimeFigureOut">
               <a:rPr lang="zh-TW" altLang="en-US" smtClean="0"/>
-              <a:t>2022/10/18</a:t>
+              <a:t>2022/10/19</a:t>
             </a:fld>
             <a:endParaRPr lang="zh-TW" altLang="en-US"/>
           </a:p>
@@ -25425,7 +25425,7 @@
           <a:p>
             <a:fld id="{71CFBC5D-DAFB-4263-8CE6-CC74E3B535DB}" type="datetimeFigureOut">
               <a:rPr lang="zh-TW" altLang="en-US" smtClean="0"/>
-              <a:t>2022/10/18</a:t>
+              <a:t>2022/10/19</a:t>
             </a:fld>
             <a:endParaRPr lang="zh-TW" altLang="en-US"/>
           </a:p>
@@ -25723,7 +25723,7 @@
           <a:p>
             <a:fld id="{71CFBC5D-DAFB-4263-8CE6-CC74E3B535DB}" type="datetimeFigureOut">
               <a:rPr lang="zh-TW" altLang="en-US" smtClean="0"/>
-              <a:t>2022/10/18</a:t>
+              <a:t>2022/10/19</a:t>
             </a:fld>
             <a:endParaRPr lang="zh-TW" altLang="en-US"/>
           </a:p>
@@ -26117,7 +26117,7 @@
           <a:p>
             <a:fld id="{71CFBC5D-DAFB-4263-8CE6-CC74E3B535DB}" type="datetimeFigureOut">
               <a:rPr lang="zh-TW" altLang="en-US" smtClean="0"/>
-              <a:t>2022/10/18</a:t>
+              <a:t>2022/10/19</a:t>
             </a:fld>
             <a:endParaRPr lang="zh-TW" altLang="en-US"/>
           </a:p>
@@ -26266,7 +26266,7 @@
           <a:p>
             <a:fld id="{71CFBC5D-DAFB-4263-8CE6-CC74E3B535DB}" type="datetimeFigureOut">
               <a:rPr lang="zh-TW" altLang="en-US" smtClean="0"/>
-              <a:t>2022/10/18</a:t>
+              <a:t>2022/10/19</a:t>
             </a:fld>
             <a:endParaRPr lang="zh-TW" altLang="en-US"/>
           </a:p>
@@ -26392,7 +26392,7 @@
           <a:p>
             <a:fld id="{71CFBC5D-DAFB-4263-8CE6-CC74E3B535DB}" type="datetimeFigureOut">
               <a:rPr lang="zh-TW" altLang="en-US" smtClean="0"/>
-              <a:t>2022/10/18</a:t>
+              <a:t>2022/10/19</a:t>
             </a:fld>
             <a:endParaRPr lang="zh-TW" altLang="en-US"/>
           </a:p>
@@ -26647,7 +26647,7 @@
           <a:p>
             <a:fld id="{71CFBC5D-DAFB-4263-8CE6-CC74E3B535DB}" type="datetimeFigureOut">
               <a:rPr lang="zh-TW" altLang="en-US" smtClean="0"/>
-              <a:t>2022/10/18</a:t>
+              <a:t>2022/10/19</a:t>
             </a:fld>
             <a:endParaRPr lang="zh-TW" altLang="en-US"/>
           </a:p>
@@ -26962,7 +26962,7 @@
           <a:p>
             <a:fld id="{71CFBC5D-DAFB-4263-8CE6-CC74E3B535DB}" type="datetimeFigureOut">
               <a:rPr lang="zh-TW" altLang="en-US" smtClean="0"/>
-              <a:t>2022/10/18</a:t>
+              <a:t>2022/10/19</a:t>
             </a:fld>
             <a:endParaRPr lang="zh-TW" altLang="en-US"/>
           </a:p>
@@ -27313,7 +27313,7 @@
           <a:p>
             <a:fld id="{71CFBC5D-DAFB-4263-8CE6-CC74E3B535DB}" type="datetimeFigureOut">
               <a:rPr lang="zh-TW" altLang="en-US" smtClean="0"/>
-              <a:t>2022/10/18</a:t>
+              <a:t>2022/10/19</a:t>
             </a:fld>
             <a:endParaRPr lang="zh-TW" altLang="en-US"/>
           </a:p>
@@ -37838,10 +37838,10 @@
       </p:grpSpPr>
       <p:sp>
         <p:nvSpPr>
-          <p:cNvPr id="2" name="標題 1">
+          <p:cNvPr id="7" name="內容版面配置區 6">
             <a:extLst>
               <a:ext uri="{FF2B5EF4-FFF2-40B4-BE49-F238E27FC236}">
-                <a16:creationId xmlns:a16="http://schemas.microsoft.com/office/drawing/2014/main" id="{966E0150-E112-6B50-F105-EB7605509DD5}"/>
+                <a16:creationId xmlns:a16="http://schemas.microsoft.com/office/drawing/2014/main" id="{C42E1F6B-D44D-A274-CC18-143C4C01ADBB}"/>
               </a:ext>
             </a:extLst>
           </p:cNvPr>
@@ -37849,66 +37849,948 @@
             <a:spLocks noGrp="1"/>
           </p:cNvSpPr>
           <p:nvPr>
-            <p:ph type="title"/>
+            <p:ph idx="1"/>
           </p:nvPr>
         </p:nvSpPr>
-        <p:spPr>
-          <a:xfrm>
-            <a:off x="1295402" y="888115"/>
-            <a:ext cx="9601196" cy="1341190"/>
-          </a:xfrm>
-        </p:spPr>
+        <p:spPr/>
         <p:txBody>
           <a:bodyPr/>
           <a:lstStyle/>
           <a:p>
-            <a:r>
-              <a:rPr lang="zh-TW" altLang="en-US" dirty="0"/>
-              <a:t>接收後並</a:t>
-            </a:r>
-            <a:r>
-              <a:rPr lang="en-US" altLang="zh-TW" dirty="0" err="1"/>
-              <a:t>aes</a:t>
-            </a:r>
-            <a:r>
-              <a:rPr lang="zh-TW" altLang="en-US" dirty="0"/>
-              <a:t>加密波型圖</a:t>
-            </a:r>
+            <a:endParaRPr lang="zh-TW" altLang="en-US"/>
           </a:p>
         </p:txBody>
       </p:sp>
       <p:pic>
         <p:nvPicPr>
-          <p:cNvPr id="14" name="內容版面配置區 13">
+          <p:cNvPr id="9" name="圖片 8">
             <a:extLst>
               <a:ext uri="{FF2B5EF4-FFF2-40B4-BE49-F238E27FC236}">
-                <a16:creationId xmlns:a16="http://schemas.microsoft.com/office/drawing/2014/main" id="{C6A39758-00F4-2CFA-F13C-B49AE7D65103}"/>
+                <a16:creationId xmlns:a16="http://schemas.microsoft.com/office/drawing/2014/main" id="{27CE84CA-47CA-7DE3-292F-98B81DF2EE94}"/>
               </a:ext>
             </a:extLst>
           </p:cNvPr>
           <p:cNvPicPr>
-            <a:picLocks noGrp="1" noChangeAspect="1"/>
+            <a:picLocks noChangeAspect="1"/>
           </p:cNvPicPr>
-          <p:nvPr>
-            <p:ph idx="1"/>
-          </p:nvPr>
+          <p:nvPr/>
         </p:nvPicPr>
-        <p:blipFill rotWithShape="1">
+        <p:blipFill>
           <a:blip r:embed="rId2"/>
-          <a:srcRect l="35700" t="17219" r="3559" b="39455"/>
-          <a:stretch/>
+          <a:stretch>
+            <a:fillRect/>
+          </a:stretch>
         </p:blipFill>
         <p:spPr>
           <a:xfrm>
-            <a:off x="560238" y="1874736"/>
-            <a:ext cx="11071523" cy="4442088"/>
+            <a:off x="952497" y="1634065"/>
+            <a:ext cx="9944100" cy="4533900"/>
           </a:xfrm>
+          <a:prstGeom prst="rect">
+            <a:avLst/>
+          </a:prstGeom>
         </p:spPr>
       </p:pic>
+      <p:sp>
+        <p:nvSpPr>
+          <p:cNvPr id="10" name="矩形 9">
+            <a:extLst>
+              <a:ext uri="{FF2B5EF4-FFF2-40B4-BE49-F238E27FC236}">
+                <a16:creationId xmlns:a16="http://schemas.microsoft.com/office/drawing/2014/main" id="{697BAAD6-AAAA-0E92-5494-BAB6D2E8EEE8}"/>
+              </a:ext>
+            </a:extLst>
+          </p:cNvPr>
+          <p:cNvSpPr/>
+          <p:nvPr/>
+        </p:nvSpPr>
+        <p:spPr>
+          <a:xfrm>
+            <a:off x="5974671" y="3901016"/>
+            <a:ext cx="622071" cy="644352"/>
+          </a:xfrm>
+          <a:prstGeom prst="rect">
+            <a:avLst/>
+          </a:prstGeom>
+          <a:noFill/>
+          <a:ln w="28575">
+            <a:solidFill>
+              <a:srgbClr val="FFFF00"/>
+            </a:solidFill>
+          </a:ln>
+        </p:spPr>
+        <p:style>
+          <a:lnRef idx="2">
+            <a:schemeClr val="accent1">
+              <a:shade val="50000"/>
+            </a:schemeClr>
+          </a:lnRef>
+          <a:fillRef idx="1">
+            <a:schemeClr val="accent1"/>
+          </a:fillRef>
+          <a:effectRef idx="0">
+            <a:schemeClr val="accent1"/>
+          </a:effectRef>
+          <a:fontRef idx="minor">
+            <a:schemeClr val="lt1"/>
+          </a:fontRef>
+        </p:style>
+        <p:txBody>
+          <a:bodyPr rtlCol="0" anchor="ctr"/>
+          <a:lstStyle/>
+          <a:p>
+            <a:pPr algn="ctr"/>
+            <a:endParaRPr lang="zh-TW" altLang="en-US"/>
+          </a:p>
+        </p:txBody>
+      </p:sp>
+      <p:sp>
+        <p:nvSpPr>
+          <p:cNvPr id="12" name="矩形 11">
+            <a:extLst>
+              <a:ext uri="{FF2B5EF4-FFF2-40B4-BE49-F238E27FC236}">
+                <a16:creationId xmlns:a16="http://schemas.microsoft.com/office/drawing/2014/main" id="{EC7D0FA2-E0A0-891F-E61E-DE6B93618F66}"/>
+              </a:ext>
+            </a:extLst>
+          </p:cNvPr>
+          <p:cNvSpPr/>
+          <p:nvPr/>
+        </p:nvSpPr>
+        <p:spPr>
+          <a:xfrm>
+            <a:off x="8967925" y="5347486"/>
+            <a:ext cx="622071" cy="644352"/>
+          </a:xfrm>
+          <a:prstGeom prst="rect">
+            <a:avLst/>
+          </a:prstGeom>
+          <a:noFill/>
+          <a:ln w="28575">
+            <a:solidFill>
+              <a:srgbClr val="FFFF00"/>
+            </a:solidFill>
+          </a:ln>
+        </p:spPr>
+        <p:style>
+          <a:lnRef idx="2">
+            <a:schemeClr val="accent1">
+              <a:shade val="50000"/>
+            </a:schemeClr>
+          </a:lnRef>
+          <a:fillRef idx="1">
+            <a:schemeClr val="accent1"/>
+          </a:fillRef>
+          <a:effectRef idx="0">
+            <a:schemeClr val="accent1"/>
+          </a:effectRef>
+          <a:fontRef idx="minor">
+            <a:schemeClr val="lt1"/>
+          </a:fontRef>
+        </p:style>
+        <p:txBody>
+          <a:bodyPr rtlCol="0" anchor="ctr"/>
+          <a:lstStyle/>
+          <a:p>
+            <a:pPr algn="ctr"/>
+            <a:endParaRPr lang="zh-TW" altLang="en-US"/>
+          </a:p>
+        </p:txBody>
+      </p:sp>
+      <p:sp>
+        <p:nvSpPr>
+          <p:cNvPr id="13" name="矩形 12">
+            <a:extLst>
+              <a:ext uri="{FF2B5EF4-FFF2-40B4-BE49-F238E27FC236}">
+                <a16:creationId xmlns:a16="http://schemas.microsoft.com/office/drawing/2014/main" id="{013A92A4-3834-E1D7-6517-33522A91F41C}"/>
+              </a:ext>
+            </a:extLst>
+          </p:cNvPr>
+          <p:cNvSpPr/>
+          <p:nvPr/>
+        </p:nvSpPr>
+        <p:spPr>
+          <a:xfrm>
+            <a:off x="8967925" y="3892415"/>
+            <a:ext cx="622071" cy="644352"/>
+          </a:xfrm>
+          <a:prstGeom prst="rect">
+            <a:avLst/>
+          </a:prstGeom>
+          <a:noFill/>
+          <a:ln w="28575">
+            <a:solidFill>
+              <a:srgbClr val="FF0000"/>
+            </a:solidFill>
+          </a:ln>
+        </p:spPr>
+        <p:style>
+          <a:lnRef idx="2">
+            <a:schemeClr val="accent1">
+              <a:shade val="50000"/>
+            </a:schemeClr>
+          </a:lnRef>
+          <a:fillRef idx="1">
+            <a:schemeClr val="accent1"/>
+          </a:fillRef>
+          <a:effectRef idx="0">
+            <a:schemeClr val="accent1"/>
+          </a:effectRef>
+          <a:fontRef idx="minor">
+            <a:schemeClr val="lt1"/>
+          </a:fontRef>
+        </p:style>
+        <p:txBody>
+          <a:bodyPr rtlCol="0" anchor="ctr"/>
+          <a:lstStyle/>
+          <a:p>
+            <a:pPr algn="ctr"/>
+            <a:endParaRPr lang="zh-TW" altLang="en-US"/>
+          </a:p>
+        </p:txBody>
+      </p:sp>
+      <p:sp>
+        <p:nvSpPr>
+          <p:cNvPr id="14" name="矩形 13">
+            <a:extLst>
+              <a:ext uri="{FF2B5EF4-FFF2-40B4-BE49-F238E27FC236}">
+                <a16:creationId xmlns:a16="http://schemas.microsoft.com/office/drawing/2014/main" id="{A8D9DD02-0789-9D07-4A55-EF2BB635B505}"/>
+              </a:ext>
+            </a:extLst>
+          </p:cNvPr>
+          <p:cNvSpPr/>
+          <p:nvPr/>
+        </p:nvSpPr>
+        <p:spPr>
+          <a:xfrm>
+            <a:off x="5974671" y="5347486"/>
+            <a:ext cx="622071" cy="644352"/>
+          </a:xfrm>
+          <a:prstGeom prst="rect">
+            <a:avLst/>
+          </a:prstGeom>
+          <a:noFill/>
+          <a:ln w="28575">
+            <a:solidFill>
+              <a:srgbClr val="FF0000"/>
+            </a:solidFill>
+          </a:ln>
+        </p:spPr>
+        <p:style>
+          <a:lnRef idx="2">
+            <a:schemeClr val="accent1">
+              <a:shade val="50000"/>
+            </a:schemeClr>
+          </a:lnRef>
+          <a:fillRef idx="1">
+            <a:schemeClr val="accent1"/>
+          </a:fillRef>
+          <a:effectRef idx="0">
+            <a:schemeClr val="accent1"/>
+          </a:effectRef>
+          <a:fontRef idx="minor">
+            <a:schemeClr val="lt1"/>
+          </a:fontRef>
+        </p:style>
+        <p:txBody>
+          <a:bodyPr rtlCol="0" anchor="ctr"/>
+          <a:lstStyle/>
+          <a:p>
+            <a:pPr algn="ctr"/>
+            <a:endParaRPr lang="zh-TW" altLang="en-US"/>
+          </a:p>
+        </p:txBody>
+      </p:sp>
+      <p:cxnSp>
+        <p:nvCxnSpPr>
+          <p:cNvPr id="16" name="直線單箭頭接點 15">
+            <a:extLst>
+              <a:ext uri="{FF2B5EF4-FFF2-40B4-BE49-F238E27FC236}">
+                <a16:creationId xmlns:a16="http://schemas.microsoft.com/office/drawing/2014/main" id="{30BC9C2D-37FB-C5A3-16AB-68D00162896B}"/>
+              </a:ext>
+            </a:extLst>
+          </p:cNvPr>
+          <p:cNvCxnSpPr>
+            <a:cxnSpLocks/>
+          </p:cNvCxnSpPr>
+          <p:nvPr/>
+        </p:nvCxnSpPr>
+        <p:spPr>
+          <a:xfrm flipH="1">
+            <a:off x="6095999" y="982132"/>
+            <a:ext cx="1" cy="970956"/>
+          </a:xfrm>
+          <a:prstGeom prst="straightConnector1">
+            <a:avLst/>
+          </a:prstGeom>
+          <a:ln w="38100">
+            <a:solidFill>
+              <a:srgbClr val="00B0F0"/>
+            </a:solidFill>
+            <a:tailEnd type="triangle"/>
+          </a:ln>
+        </p:spPr>
+        <p:style>
+          <a:lnRef idx="1">
+            <a:schemeClr val="accent1"/>
+          </a:lnRef>
+          <a:fillRef idx="0">
+            <a:schemeClr val="accent1"/>
+          </a:fillRef>
+          <a:effectRef idx="0">
+            <a:schemeClr val="accent1"/>
+          </a:effectRef>
+          <a:fontRef idx="minor">
+            <a:schemeClr val="tx1"/>
+          </a:fontRef>
+        </p:style>
+      </p:cxnSp>
+      <p:cxnSp>
+        <p:nvCxnSpPr>
+          <p:cNvPr id="18" name="直線單箭頭接點 17">
+            <a:extLst>
+              <a:ext uri="{FF2B5EF4-FFF2-40B4-BE49-F238E27FC236}">
+                <a16:creationId xmlns:a16="http://schemas.microsoft.com/office/drawing/2014/main" id="{7DDBCCA0-C7C2-4554-D847-65ECA056BAE7}"/>
+              </a:ext>
+            </a:extLst>
+          </p:cNvPr>
+          <p:cNvCxnSpPr>
+            <a:cxnSpLocks/>
+          </p:cNvCxnSpPr>
+          <p:nvPr/>
+        </p:nvCxnSpPr>
+        <p:spPr>
+          <a:xfrm flipH="1">
+            <a:off x="9098131" y="982132"/>
+            <a:ext cx="1" cy="970956"/>
+          </a:xfrm>
+          <a:prstGeom prst="straightConnector1">
+            <a:avLst/>
+          </a:prstGeom>
+          <a:ln w="38100">
+            <a:solidFill>
+              <a:srgbClr val="00B0F0"/>
+            </a:solidFill>
+            <a:tailEnd type="triangle"/>
+          </a:ln>
+        </p:spPr>
+        <p:style>
+          <a:lnRef idx="1">
+            <a:schemeClr val="accent1"/>
+          </a:lnRef>
+          <a:fillRef idx="0">
+            <a:schemeClr val="accent1"/>
+          </a:fillRef>
+          <a:effectRef idx="0">
+            <a:schemeClr val="accent1"/>
+          </a:effectRef>
+          <a:fontRef idx="minor">
+            <a:schemeClr val="tx1"/>
+          </a:fontRef>
+        </p:style>
+      </p:cxnSp>
+      <p:sp>
+        <p:nvSpPr>
+          <p:cNvPr id="19" name="文字方塊 18">
+            <a:extLst>
+              <a:ext uri="{FF2B5EF4-FFF2-40B4-BE49-F238E27FC236}">
+                <a16:creationId xmlns:a16="http://schemas.microsoft.com/office/drawing/2014/main" id="{52F407AA-1400-80DB-FA35-794F60E6B651}"/>
+              </a:ext>
+            </a:extLst>
+          </p:cNvPr>
+          <p:cNvSpPr txBox="1"/>
+          <p:nvPr/>
+        </p:nvSpPr>
+        <p:spPr>
+          <a:xfrm>
+            <a:off x="5974671" y="647281"/>
+            <a:ext cx="923276" cy="369332"/>
+          </a:xfrm>
+          <a:prstGeom prst="rect">
+            <a:avLst/>
+          </a:prstGeom>
+          <a:noFill/>
+        </p:spPr>
+        <p:txBody>
+          <a:bodyPr wrap="square" rtlCol="0">
+            <a:spAutoFit/>
+          </a:bodyPr>
+          <a:lstStyle/>
+          <a:p>
+            <a:r>
+              <a:rPr lang="zh-TW" altLang="en-US" dirty="0"/>
+              <a:t>加密</a:t>
+            </a:r>
+          </a:p>
+        </p:txBody>
+      </p:sp>
+      <p:sp>
+        <p:nvSpPr>
+          <p:cNvPr id="20" name="文字方塊 19">
+            <a:extLst>
+              <a:ext uri="{FF2B5EF4-FFF2-40B4-BE49-F238E27FC236}">
+                <a16:creationId xmlns:a16="http://schemas.microsoft.com/office/drawing/2014/main" id="{CF551F5E-5603-9091-113D-EF2DB640F3BD}"/>
+              </a:ext>
+            </a:extLst>
+          </p:cNvPr>
+          <p:cNvSpPr txBox="1"/>
+          <p:nvPr/>
+        </p:nvSpPr>
+        <p:spPr>
+          <a:xfrm>
+            <a:off x="8967925" y="638680"/>
+            <a:ext cx="923276" cy="369332"/>
+          </a:xfrm>
+          <a:prstGeom prst="rect">
+            <a:avLst/>
+          </a:prstGeom>
+          <a:noFill/>
+        </p:spPr>
+        <p:txBody>
+          <a:bodyPr wrap="square" rtlCol="0">
+            <a:spAutoFit/>
+          </a:bodyPr>
+          <a:lstStyle/>
+          <a:p>
+            <a:r>
+              <a:rPr lang="zh-TW" altLang="en-US" dirty="0"/>
+              <a:t>解密</a:t>
+            </a:r>
+          </a:p>
+        </p:txBody>
+      </p:sp>
+      <p:sp>
+        <p:nvSpPr>
+          <p:cNvPr id="21" name="右大括弧 20">
+            <a:extLst>
+              <a:ext uri="{FF2B5EF4-FFF2-40B4-BE49-F238E27FC236}">
+                <a16:creationId xmlns:a16="http://schemas.microsoft.com/office/drawing/2014/main" id="{8BBF7345-7363-355F-1506-BB711705501E}"/>
+              </a:ext>
+            </a:extLst>
+          </p:cNvPr>
+          <p:cNvSpPr/>
+          <p:nvPr/>
+        </p:nvSpPr>
+        <p:spPr>
+          <a:xfrm>
+            <a:off x="1598088" y="3928452"/>
+            <a:ext cx="108014" cy="608315"/>
+          </a:xfrm>
+          <a:prstGeom prst="rightBrace">
+            <a:avLst/>
+          </a:prstGeom>
+          <a:ln w="19050">
+            <a:solidFill>
+              <a:srgbClr val="FF66FF"/>
+            </a:solidFill>
+          </a:ln>
+        </p:spPr>
+        <p:style>
+          <a:lnRef idx="1">
+            <a:schemeClr val="accent6"/>
+          </a:lnRef>
+          <a:fillRef idx="0">
+            <a:schemeClr val="accent6"/>
+          </a:fillRef>
+          <a:effectRef idx="0">
+            <a:schemeClr val="accent6"/>
+          </a:effectRef>
+          <a:fontRef idx="minor">
+            <a:schemeClr val="tx1"/>
+          </a:fontRef>
+        </p:style>
+        <p:txBody>
+          <a:bodyPr rtlCol="0" anchor="ctr"/>
+          <a:lstStyle/>
+          <a:p>
+            <a:pPr algn="ctr"/>
+            <a:endParaRPr lang="zh-TW" altLang="en-US"/>
+          </a:p>
+        </p:txBody>
+      </p:sp>
+      <p:sp>
+        <p:nvSpPr>
+          <p:cNvPr id="22" name="文字方塊 21">
+            <a:extLst>
+              <a:ext uri="{FF2B5EF4-FFF2-40B4-BE49-F238E27FC236}">
+                <a16:creationId xmlns:a16="http://schemas.microsoft.com/office/drawing/2014/main" id="{9631CD83-0099-0F4F-99DD-18BCFC04ADC0}"/>
+              </a:ext>
+            </a:extLst>
+          </p:cNvPr>
+          <p:cNvSpPr txBox="1"/>
+          <p:nvPr/>
+        </p:nvSpPr>
+        <p:spPr>
+          <a:xfrm>
+            <a:off x="1803753" y="4091436"/>
+            <a:ext cx="1596502" cy="276999"/>
+          </a:xfrm>
+          <a:prstGeom prst="rect">
+            <a:avLst/>
+          </a:prstGeom>
+        </p:spPr>
+        <p:style>
+          <a:lnRef idx="1">
+            <a:schemeClr val="accent5"/>
+          </a:lnRef>
+          <a:fillRef idx="2">
+            <a:schemeClr val="accent5"/>
+          </a:fillRef>
+          <a:effectRef idx="1">
+            <a:schemeClr val="accent5"/>
+          </a:effectRef>
+          <a:fontRef idx="minor">
+            <a:schemeClr val="dk1"/>
+          </a:fontRef>
+        </p:style>
+        <p:txBody>
+          <a:bodyPr wrap="square" rtlCol="0">
+            <a:spAutoFit/>
+          </a:bodyPr>
+          <a:lstStyle/>
+          <a:p>
+            <a:r>
+              <a:rPr lang="en-US" altLang="zh-TW" sz="1200" dirty="0" err="1">
+                <a:latin typeface="+mj-ea"/>
+                <a:ea typeface="+mj-ea"/>
+              </a:rPr>
+              <a:t>aes</a:t>
+            </a:r>
+            <a:r>
+              <a:rPr lang="en-US" altLang="zh-TW" sz="1200" dirty="0">
+                <a:latin typeface="+mj-ea"/>
+                <a:ea typeface="+mj-ea"/>
+              </a:rPr>
+              <a:t> input</a:t>
+            </a:r>
+            <a:r>
+              <a:rPr lang="zh-TW" altLang="en-US" sz="1200" dirty="0">
+                <a:latin typeface="+mj-ea"/>
+                <a:ea typeface="+mj-ea"/>
+              </a:rPr>
+              <a:t>原始資料</a:t>
+            </a:r>
+          </a:p>
+        </p:txBody>
+      </p:sp>
+      <p:sp>
+        <p:nvSpPr>
+          <p:cNvPr id="23" name="右大括弧 22">
+            <a:extLst>
+              <a:ext uri="{FF2B5EF4-FFF2-40B4-BE49-F238E27FC236}">
+                <a16:creationId xmlns:a16="http://schemas.microsoft.com/office/drawing/2014/main" id="{2389EAAC-6A77-4B30-77C3-30FF4832C534}"/>
+              </a:ext>
+            </a:extLst>
+          </p:cNvPr>
+          <p:cNvSpPr/>
+          <p:nvPr/>
+        </p:nvSpPr>
+        <p:spPr>
+          <a:xfrm>
+            <a:off x="1598088" y="5383522"/>
+            <a:ext cx="108013" cy="608316"/>
+          </a:xfrm>
+          <a:prstGeom prst="rightBrace">
+            <a:avLst/>
+          </a:prstGeom>
+          <a:ln w="19050">
+            <a:solidFill>
+              <a:srgbClr val="FF66FF"/>
+            </a:solidFill>
+          </a:ln>
+        </p:spPr>
+        <p:style>
+          <a:lnRef idx="1">
+            <a:schemeClr val="accent6"/>
+          </a:lnRef>
+          <a:fillRef idx="0">
+            <a:schemeClr val="accent6"/>
+          </a:fillRef>
+          <a:effectRef idx="0">
+            <a:schemeClr val="accent6"/>
+          </a:effectRef>
+          <a:fontRef idx="minor">
+            <a:schemeClr val="tx1"/>
+          </a:fontRef>
+        </p:style>
+        <p:txBody>
+          <a:bodyPr rtlCol="0" anchor="ctr"/>
+          <a:lstStyle/>
+          <a:p>
+            <a:pPr algn="ctr"/>
+            <a:endParaRPr lang="zh-TW" altLang="en-US"/>
+          </a:p>
+        </p:txBody>
+      </p:sp>
+      <p:sp>
+        <p:nvSpPr>
+          <p:cNvPr id="24" name="文字方塊 23">
+            <a:extLst>
+              <a:ext uri="{FF2B5EF4-FFF2-40B4-BE49-F238E27FC236}">
+                <a16:creationId xmlns:a16="http://schemas.microsoft.com/office/drawing/2014/main" id="{0BE4A608-4ADD-DB52-D80A-B3150E22D727}"/>
+              </a:ext>
+            </a:extLst>
+          </p:cNvPr>
+          <p:cNvSpPr txBox="1"/>
+          <p:nvPr/>
+        </p:nvSpPr>
+        <p:spPr>
+          <a:xfrm>
+            <a:off x="1803753" y="5549180"/>
+            <a:ext cx="1596502" cy="276999"/>
+          </a:xfrm>
+          <a:prstGeom prst="rect">
+            <a:avLst/>
+          </a:prstGeom>
+        </p:spPr>
+        <p:style>
+          <a:lnRef idx="1">
+            <a:schemeClr val="accent5"/>
+          </a:lnRef>
+          <a:fillRef idx="2">
+            <a:schemeClr val="accent5"/>
+          </a:fillRef>
+          <a:effectRef idx="1">
+            <a:schemeClr val="accent5"/>
+          </a:effectRef>
+          <a:fontRef idx="minor">
+            <a:schemeClr val="dk1"/>
+          </a:fontRef>
+        </p:style>
+        <p:txBody>
+          <a:bodyPr wrap="square" rtlCol="0">
+            <a:spAutoFit/>
+          </a:bodyPr>
+          <a:lstStyle/>
+          <a:p>
+            <a:r>
+              <a:rPr lang="en-US" altLang="zh-TW" sz="1200" dirty="0" err="1">
+                <a:latin typeface="+mj-ea"/>
+                <a:ea typeface="+mj-ea"/>
+              </a:rPr>
+              <a:t>aes</a:t>
+            </a:r>
+            <a:r>
+              <a:rPr lang="en-US" altLang="zh-TW" sz="1200" dirty="0">
+                <a:latin typeface="+mj-ea"/>
+                <a:ea typeface="+mj-ea"/>
+              </a:rPr>
+              <a:t> output</a:t>
+            </a:r>
+            <a:r>
+              <a:rPr lang="zh-TW" altLang="en-US" sz="1200" dirty="0">
+                <a:latin typeface="+mj-ea"/>
+                <a:ea typeface="+mj-ea"/>
+              </a:rPr>
+              <a:t>原始資料</a:t>
+            </a:r>
+          </a:p>
+        </p:txBody>
+      </p:sp>
+      <p:sp>
+        <p:nvSpPr>
+          <p:cNvPr id="25" name="右大括弧 24">
+            <a:extLst>
+              <a:ext uri="{FF2B5EF4-FFF2-40B4-BE49-F238E27FC236}">
+                <a16:creationId xmlns:a16="http://schemas.microsoft.com/office/drawing/2014/main" id="{239148EC-43C9-D8CE-18E3-C6DE552D81BB}"/>
+              </a:ext>
+            </a:extLst>
+          </p:cNvPr>
+          <p:cNvSpPr/>
+          <p:nvPr/>
+        </p:nvSpPr>
+        <p:spPr>
+          <a:xfrm>
+            <a:off x="1598088" y="3107184"/>
+            <a:ext cx="108013" cy="784141"/>
+          </a:xfrm>
+          <a:prstGeom prst="rightBrace">
+            <a:avLst/>
+          </a:prstGeom>
+          <a:ln w="19050">
+            <a:solidFill>
+              <a:srgbClr val="66FFCC"/>
+            </a:solidFill>
+          </a:ln>
+        </p:spPr>
+        <p:style>
+          <a:lnRef idx="1">
+            <a:schemeClr val="accent6"/>
+          </a:lnRef>
+          <a:fillRef idx="0">
+            <a:schemeClr val="accent6"/>
+          </a:fillRef>
+          <a:effectRef idx="0">
+            <a:schemeClr val="accent6"/>
+          </a:effectRef>
+          <a:fontRef idx="minor">
+            <a:schemeClr val="tx1"/>
+          </a:fontRef>
+        </p:style>
+        <p:txBody>
+          <a:bodyPr rtlCol="0" anchor="ctr"/>
+          <a:lstStyle/>
+          <a:p>
+            <a:pPr algn="ctr"/>
+            <a:endParaRPr lang="zh-TW" altLang="en-US"/>
+          </a:p>
+        </p:txBody>
+      </p:sp>
+      <p:sp>
+        <p:nvSpPr>
+          <p:cNvPr id="26" name="文字方塊 25">
+            <a:extLst>
+              <a:ext uri="{FF2B5EF4-FFF2-40B4-BE49-F238E27FC236}">
+                <a16:creationId xmlns:a16="http://schemas.microsoft.com/office/drawing/2014/main" id="{FDA14748-4DE7-B0B0-54C6-9A4B11135FD2}"/>
+              </a:ext>
+            </a:extLst>
+          </p:cNvPr>
+          <p:cNvSpPr txBox="1"/>
+          <p:nvPr/>
+        </p:nvSpPr>
+        <p:spPr>
+          <a:xfrm>
+            <a:off x="1803753" y="3372050"/>
+            <a:ext cx="1596502" cy="276999"/>
+          </a:xfrm>
+          <a:prstGeom prst="rect">
+            <a:avLst/>
+          </a:prstGeom>
+        </p:spPr>
+        <p:style>
+          <a:lnRef idx="1">
+            <a:schemeClr val="accent5"/>
+          </a:lnRef>
+          <a:fillRef idx="2">
+            <a:schemeClr val="accent5"/>
+          </a:fillRef>
+          <a:effectRef idx="1">
+            <a:schemeClr val="accent5"/>
+          </a:effectRef>
+          <a:fontRef idx="minor">
+            <a:schemeClr val="dk1"/>
+          </a:fontRef>
+        </p:style>
+        <p:txBody>
+          <a:bodyPr wrap="square" rtlCol="0">
+            <a:spAutoFit/>
+          </a:bodyPr>
+          <a:lstStyle/>
+          <a:p>
+            <a:r>
+              <a:rPr lang="en-US" altLang="zh-TW" sz="1200" dirty="0">
+                <a:latin typeface="+mj-ea"/>
+                <a:ea typeface="+mj-ea"/>
+              </a:rPr>
+              <a:t>input</a:t>
+            </a:r>
+            <a:r>
+              <a:rPr lang="zh-TW" altLang="en-US" sz="1200" dirty="0">
+                <a:latin typeface="+mj-ea"/>
+                <a:ea typeface="+mj-ea"/>
+              </a:rPr>
+              <a:t>資料</a:t>
+            </a:r>
+          </a:p>
+        </p:txBody>
+      </p:sp>
+      <p:sp>
+        <p:nvSpPr>
+          <p:cNvPr id="27" name="右大括弧 26">
+            <a:extLst>
+              <a:ext uri="{FF2B5EF4-FFF2-40B4-BE49-F238E27FC236}">
+                <a16:creationId xmlns:a16="http://schemas.microsoft.com/office/drawing/2014/main" id="{FD4CE9C0-8E14-FBFC-5D98-4B19FA99ACEB}"/>
+              </a:ext>
+            </a:extLst>
+          </p:cNvPr>
+          <p:cNvSpPr/>
+          <p:nvPr/>
+        </p:nvSpPr>
+        <p:spPr>
+          <a:xfrm>
+            <a:off x="1598088" y="4564204"/>
+            <a:ext cx="108013" cy="783282"/>
+          </a:xfrm>
+          <a:prstGeom prst="rightBrace">
+            <a:avLst/>
+          </a:prstGeom>
+          <a:ln w="19050">
+            <a:solidFill>
+              <a:srgbClr val="66FFCC"/>
+            </a:solidFill>
+          </a:ln>
+        </p:spPr>
+        <p:style>
+          <a:lnRef idx="1">
+            <a:schemeClr val="accent6"/>
+          </a:lnRef>
+          <a:fillRef idx="0">
+            <a:schemeClr val="accent6"/>
+          </a:fillRef>
+          <a:effectRef idx="0">
+            <a:schemeClr val="accent6"/>
+          </a:effectRef>
+          <a:fontRef idx="minor">
+            <a:schemeClr val="tx1"/>
+          </a:fontRef>
+        </p:style>
+        <p:txBody>
+          <a:bodyPr rtlCol="0" anchor="ctr"/>
+          <a:lstStyle/>
+          <a:p>
+            <a:pPr algn="ctr"/>
+            <a:endParaRPr lang="zh-TW" altLang="en-US"/>
+          </a:p>
+        </p:txBody>
+      </p:sp>
+      <p:sp>
+        <p:nvSpPr>
+          <p:cNvPr id="28" name="文字方塊 27">
+            <a:extLst>
+              <a:ext uri="{FF2B5EF4-FFF2-40B4-BE49-F238E27FC236}">
+                <a16:creationId xmlns:a16="http://schemas.microsoft.com/office/drawing/2014/main" id="{F0E99AEE-CFCF-C11F-D185-5745DEFF42D0}"/>
+              </a:ext>
+            </a:extLst>
+          </p:cNvPr>
+          <p:cNvSpPr txBox="1"/>
+          <p:nvPr/>
+        </p:nvSpPr>
+        <p:spPr>
+          <a:xfrm>
+            <a:off x="1803753" y="4817345"/>
+            <a:ext cx="1596502" cy="276999"/>
+          </a:xfrm>
+          <a:prstGeom prst="rect">
+            <a:avLst/>
+          </a:prstGeom>
+        </p:spPr>
+        <p:style>
+          <a:lnRef idx="1">
+            <a:schemeClr val="accent5"/>
+          </a:lnRef>
+          <a:fillRef idx="2">
+            <a:schemeClr val="accent5"/>
+          </a:fillRef>
+          <a:effectRef idx="1">
+            <a:schemeClr val="accent5"/>
+          </a:effectRef>
+          <a:fontRef idx="minor">
+            <a:schemeClr val="dk1"/>
+          </a:fontRef>
+        </p:style>
+        <p:txBody>
+          <a:bodyPr wrap="square" rtlCol="0">
+            <a:spAutoFit/>
+          </a:bodyPr>
+          <a:lstStyle/>
+          <a:p>
+            <a:r>
+              <a:rPr lang="en-US" altLang="zh-TW" sz="1200" dirty="0" err="1">
+                <a:latin typeface="+mj-ea"/>
+                <a:ea typeface="+mj-ea"/>
+              </a:rPr>
+              <a:t>ouput</a:t>
+            </a:r>
+            <a:r>
+              <a:rPr lang="zh-TW" altLang="en-US" sz="1200" dirty="0">
+                <a:latin typeface="+mj-ea"/>
+                <a:ea typeface="+mj-ea"/>
+              </a:rPr>
+              <a:t>資料</a:t>
+            </a:r>
+          </a:p>
+        </p:txBody>
+      </p:sp>
+      <p:cxnSp>
+        <p:nvCxnSpPr>
+          <p:cNvPr id="30" name="直線單箭頭接點 29">
+            <a:extLst>
+              <a:ext uri="{FF2B5EF4-FFF2-40B4-BE49-F238E27FC236}">
+                <a16:creationId xmlns:a16="http://schemas.microsoft.com/office/drawing/2014/main" id="{932A6565-12EF-E809-BBDF-FC9A11C9AF42}"/>
+              </a:ext>
+            </a:extLst>
+          </p:cNvPr>
+          <p:cNvCxnSpPr>
+            <a:cxnSpLocks/>
+          </p:cNvCxnSpPr>
+          <p:nvPr/>
+        </p:nvCxnSpPr>
+        <p:spPr>
+          <a:xfrm>
+            <a:off x="8114189" y="2530462"/>
+            <a:ext cx="853736" cy="150594"/>
+          </a:xfrm>
+          <a:prstGeom prst="straightConnector1">
+            <a:avLst/>
+          </a:prstGeom>
+          <a:ln w="28575">
+            <a:solidFill>
+              <a:srgbClr val="FFFF00"/>
+            </a:solidFill>
+            <a:tailEnd type="triangle"/>
+          </a:ln>
+        </p:spPr>
+        <p:style>
+          <a:lnRef idx="1">
+            <a:schemeClr val="accent5"/>
+          </a:lnRef>
+          <a:fillRef idx="0">
+            <a:schemeClr val="accent5"/>
+          </a:fillRef>
+          <a:effectRef idx="0">
+            <a:schemeClr val="accent5"/>
+          </a:effectRef>
+          <a:fontRef idx="minor">
+            <a:schemeClr val="tx1"/>
+          </a:fontRef>
+        </p:style>
+      </p:cxnSp>
+      <p:cxnSp>
+        <p:nvCxnSpPr>
+          <p:cNvPr id="31" name="直線單箭頭接點 30">
+            <a:extLst>
+              <a:ext uri="{FF2B5EF4-FFF2-40B4-BE49-F238E27FC236}">
+                <a16:creationId xmlns:a16="http://schemas.microsoft.com/office/drawing/2014/main" id="{94FD99CD-0FDA-C304-F87C-3753AE4B6273}"/>
+              </a:ext>
+            </a:extLst>
+          </p:cNvPr>
+          <p:cNvCxnSpPr>
+            <a:cxnSpLocks/>
+          </p:cNvCxnSpPr>
+          <p:nvPr/>
+        </p:nvCxnSpPr>
+        <p:spPr>
+          <a:xfrm flipV="1">
+            <a:off x="8114189" y="2530462"/>
+            <a:ext cx="853736" cy="163701"/>
+          </a:xfrm>
+          <a:prstGeom prst="straightConnector1">
+            <a:avLst/>
+          </a:prstGeom>
+          <a:ln w="28575">
+            <a:solidFill>
+              <a:srgbClr val="FF0000"/>
+            </a:solidFill>
+            <a:tailEnd type="triangle"/>
+          </a:ln>
+        </p:spPr>
+        <p:style>
+          <a:lnRef idx="1">
+            <a:schemeClr val="accent5"/>
+          </a:lnRef>
+          <a:fillRef idx="0">
+            <a:schemeClr val="accent5"/>
+          </a:fillRef>
+          <a:effectRef idx="0">
+            <a:schemeClr val="accent5"/>
+          </a:effectRef>
+          <a:fontRef idx="minor">
+            <a:schemeClr val="tx1"/>
+          </a:fontRef>
+        </p:style>
+      </p:cxnSp>
     </p:spTree>
     <p:extLst>
       <p:ext uri="{BB962C8B-B14F-4D97-AF65-F5344CB8AC3E}">
-        <p14:creationId xmlns:p14="http://schemas.microsoft.com/office/powerpoint/2010/main" val="4122443878"/>
+        <p14:creationId xmlns:p14="http://schemas.microsoft.com/office/powerpoint/2010/main" val="2655917321"/>
       </p:ext>
     </p:extLst>
   </p:cSld>

--- a/rs232.pptx
+++ b/rs232.pptx
@@ -5,7 +5,7 @@
     <p:sldMasterId id="2147483726" r:id="rId1"/>
   </p:sldMasterIdLst>
   <p:notesMasterIdLst>
-    <p:notesMasterId r:id="rId18"/>
+    <p:notesMasterId r:id="rId19"/>
   </p:notesMasterIdLst>
   <p:sldIdLst>
     <p:sldId id="256" r:id="rId2"/>
@@ -22,8 +22,9 @@
     <p:sldId id="266" r:id="rId13"/>
     <p:sldId id="275" r:id="rId14"/>
     <p:sldId id="276" r:id="rId15"/>
-    <p:sldId id="263" r:id="rId16"/>
-    <p:sldId id="273" r:id="rId17"/>
+    <p:sldId id="277" r:id="rId16"/>
+    <p:sldId id="263" r:id="rId17"/>
+    <p:sldId id="273" r:id="rId18"/>
   </p:sldIdLst>
   <p:sldSz cx="12192000" cy="6858000"/>
   <p:notesSz cx="6858000" cy="9144000"/>
@@ -10569,7 +10570,7 @@
           <a:p>
             <a:fld id="{0011F089-D19C-4926-9A94-65B42CB8655F}" type="datetimeFigureOut">
               <a:rPr lang="zh-TW" altLang="en-US" smtClean="0"/>
-              <a:t>2022/10/30</a:t>
+              <a:t>2022/11/14</a:t>
             </a:fld>
             <a:endParaRPr lang="zh-TW" altLang="en-US"/>
           </a:p>
@@ -11088,6 +11089,90 @@
 </p:notes>
 </file>
 
+<file path=ppt/notesSlides/notesSlide4.xml><?xml version="1.0" encoding="utf-8"?>
+<p:notes xmlns:a="http://schemas.openxmlformats.org/drawingml/2006/main" xmlns:r="http://schemas.openxmlformats.org/officeDocument/2006/relationships" xmlns:p="http://schemas.openxmlformats.org/presentationml/2006/main">
+  <p:cSld>
+    <p:spTree>
+      <p:nvGrpSpPr>
+        <p:cNvPr id="1" name=""/>
+        <p:cNvGrpSpPr/>
+        <p:nvPr/>
+      </p:nvGrpSpPr>
+      <p:grpSpPr>
+        <a:xfrm>
+          <a:off x="0" y="0"/>
+          <a:ext cx="0" cy="0"/>
+          <a:chOff x="0" y="0"/>
+          <a:chExt cx="0" cy="0"/>
+        </a:xfrm>
+      </p:grpSpPr>
+      <p:sp>
+        <p:nvSpPr>
+          <p:cNvPr id="2" name="投影片影像版面配置區 1"/>
+          <p:cNvSpPr>
+            <a:spLocks noGrp="1" noRot="1" noChangeAspect="1"/>
+          </p:cNvSpPr>
+          <p:nvPr>
+            <p:ph type="sldImg"/>
+          </p:nvPr>
+        </p:nvSpPr>
+        <p:spPr/>
+      </p:sp>
+      <p:sp>
+        <p:nvSpPr>
+          <p:cNvPr id="3" name="備忘稿版面配置區 2"/>
+          <p:cNvSpPr>
+            <a:spLocks noGrp="1"/>
+          </p:cNvSpPr>
+          <p:nvPr>
+            <p:ph type="body" idx="1"/>
+          </p:nvPr>
+        </p:nvSpPr>
+        <p:spPr/>
+        <p:txBody>
+          <a:bodyPr/>
+          <a:lstStyle/>
+          <a:p>
+            <a:endParaRPr lang="zh-TW" altLang="en-US" dirty="0"/>
+          </a:p>
+        </p:txBody>
+      </p:sp>
+      <p:sp>
+        <p:nvSpPr>
+          <p:cNvPr id="4" name="投影片編號版面配置區 3"/>
+          <p:cNvSpPr>
+            <a:spLocks noGrp="1"/>
+          </p:cNvSpPr>
+          <p:nvPr>
+            <p:ph type="sldNum" sz="quarter" idx="5"/>
+          </p:nvPr>
+        </p:nvSpPr>
+        <p:spPr/>
+        <p:txBody>
+          <a:bodyPr/>
+          <a:lstStyle/>
+          <a:p>
+            <a:fld id="{3A36A605-46A6-4521-94FD-BA518594B6F7}" type="slidenum">
+              <a:rPr lang="zh-TW" altLang="en-US" smtClean="0"/>
+              <a:t>15</a:t>
+            </a:fld>
+            <a:endParaRPr lang="zh-TW" altLang="en-US"/>
+          </a:p>
+        </p:txBody>
+      </p:sp>
+    </p:spTree>
+    <p:extLst>
+      <p:ext uri="{BB962C8B-B14F-4D97-AF65-F5344CB8AC3E}">
+        <p14:creationId xmlns:p14="http://schemas.microsoft.com/office/powerpoint/2010/main" val="2522985123"/>
+      </p:ext>
+    </p:extLst>
+  </p:cSld>
+  <p:clrMapOvr>
+    <a:masterClrMapping/>
+  </p:clrMapOvr>
+</p:notes>
+</file>
+
 <file path=ppt/slideLayouts/slideLayout1.xml><?xml version="1.0" encoding="utf-8"?>
 <p:sldLayout xmlns:a="http://schemas.openxmlformats.org/drawingml/2006/main" xmlns:r="http://schemas.openxmlformats.org/officeDocument/2006/relationships" xmlns:p="http://schemas.openxmlformats.org/presentationml/2006/main" showMasterSp="0" type="title" preserve="1">
   <p:cSld name="標題投影片">
@@ -11419,7 +11504,7 @@
           <a:p>
             <a:fld id="{71CFBC5D-DAFB-4263-8CE6-CC74E3B535DB}" type="datetimeFigureOut">
               <a:rPr lang="zh-TW" altLang="en-US" smtClean="0"/>
-              <a:t>2022/10/30</a:t>
+              <a:t>2022/11/14</a:t>
             </a:fld>
             <a:endParaRPr lang="zh-TW" altLang="en-US"/>
           </a:p>
@@ -11743,7 +11828,7 @@
           <a:p>
             <a:fld id="{71CFBC5D-DAFB-4263-8CE6-CC74E3B535DB}" type="datetimeFigureOut">
               <a:rPr lang="zh-TW" altLang="en-US" smtClean="0"/>
-              <a:t>2022/10/30</a:t>
+              <a:t>2022/11/14</a:t>
             </a:fld>
             <a:endParaRPr lang="zh-TW" altLang="en-US"/>
           </a:p>
@@ -11991,7 +12076,7 @@
           <a:p>
             <a:fld id="{71CFBC5D-DAFB-4263-8CE6-CC74E3B535DB}" type="datetimeFigureOut">
               <a:rPr lang="zh-TW" altLang="en-US" smtClean="0"/>
-              <a:t>2022/10/30</a:t>
+              <a:t>2022/11/14</a:t>
             </a:fld>
             <a:endParaRPr lang="zh-TW" altLang="en-US"/>
           </a:p>
@@ -12330,7 +12415,7 @@
           <a:p>
             <a:fld id="{71CFBC5D-DAFB-4263-8CE6-CC74E3B535DB}" type="datetimeFigureOut">
               <a:rPr lang="zh-TW" altLang="en-US" smtClean="0"/>
-              <a:t>2022/10/30</a:t>
+              <a:t>2022/11/14</a:t>
             </a:fld>
             <a:endParaRPr lang="zh-TW" altLang="en-US"/>
           </a:p>
@@ -12677,7 +12762,7 @@
           <a:p>
             <a:fld id="{71CFBC5D-DAFB-4263-8CE6-CC74E3B535DB}" type="datetimeFigureOut">
               <a:rPr lang="zh-TW" altLang="en-US" smtClean="0"/>
-              <a:t>2022/10/30</a:t>
+              <a:t>2022/11/14</a:t>
             </a:fld>
             <a:endParaRPr lang="zh-TW" altLang="en-US"/>
           </a:p>
@@ -13051,7 +13136,7 @@
           <a:p>
             <a:fld id="{71CFBC5D-DAFB-4263-8CE6-CC74E3B535DB}" type="datetimeFigureOut">
               <a:rPr lang="zh-TW" altLang="en-US" smtClean="0"/>
-              <a:t>2022/10/30</a:t>
+              <a:t>2022/11/14</a:t>
             </a:fld>
             <a:endParaRPr lang="zh-TW" altLang="en-US"/>
           </a:p>
@@ -13521,7 +13606,7 @@
           <a:p>
             <a:fld id="{71CFBC5D-DAFB-4263-8CE6-CC74E3B535DB}" type="datetimeFigureOut">
               <a:rPr lang="zh-TW" altLang="en-US" smtClean="0"/>
-              <a:t>2022/10/30</a:t>
+              <a:t>2022/11/14</a:t>
             </a:fld>
             <a:endParaRPr lang="zh-TW" altLang="en-US"/>
           </a:p>
@@ -13726,7 +13811,7 @@
           <a:p>
             <a:fld id="{71CFBC5D-DAFB-4263-8CE6-CC74E3B535DB}" type="datetimeFigureOut">
               <a:rPr lang="zh-TW" altLang="en-US" smtClean="0"/>
-              <a:t>2022/10/30</a:t>
+              <a:t>2022/11/14</a:t>
             </a:fld>
             <a:endParaRPr lang="zh-TW" altLang="en-US"/>
           </a:p>
@@ -13937,7 +14022,7 @@
           <a:p>
             <a:fld id="{71CFBC5D-DAFB-4263-8CE6-CC74E3B535DB}" type="datetimeFigureOut">
               <a:rPr lang="zh-TW" altLang="en-US" smtClean="0"/>
-              <a:t>2022/10/30</a:t>
+              <a:t>2022/11/14</a:t>
             </a:fld>
             <a:endParaRPr lang="zh-TW" altLang="en-US"/>
           </a:p>
@@ -14169,7 +14254,7 @@
           <a:p>
             <a:fld id="{71CFBC5D-DAFB-4263-8CE6-CC74E3B535DB}" type="datetimeFigureOut">
               <a:rPr lang="zh-TW" altLang="en-US" smtClean="0"/>
-              <a:t>2022/10/30</a:t>
+              <a:t>2022/11/14</a:t>
             </a:fld>
             <a:endParaRPr lang="zh-TW" altLang="en-US"/>
           </a:p>
@@ -14417,7 +14502,7 @@
           <a:p>
             <a:fld id="{71CFBC5D-DAFB-4263-8CE6-CC74E3B535DB}" type="datetimeFigureOut">
               <a:rPr lang="zh-TW" altLang="en-US" smtClean="0"/>
-              <a:t>2022/10/30</a:t>
+              <a:t>2022/11/14</a:t>
             </a:fld>
             <a:endParaRPr lang="zh-TW" altLang="en-US"/>
           </a:p>
@@ -14715,7 +14800,7 @@
           <a:p>
             <a:fld id="{71CFBC5D-DAFB-4263-8CE6-CC74E3B535DB}" type="datetimeFigureOut">
               <a:rPr lang="zh-TW" altLang="en-US" smtClean="0"/>
-              <a:t>2022/10/30</a:t>
+              <a:t>2022/11/14</a:t>
             </a:fld>
             <a:endParaRPr lang="zh-TW" altLang="en-US"/>
           </a:p>
@@ -15109,7 +15194,7 @@
           <a:p>
             <a:fld id="{71CFBC5D-DAFB-4263-8CE6-CC74E3B535DB}" type="datetimeFigureOut">
               <a:rPr lang="zh-TW" altLang="en-US" smtClean="0"/>
-              <a:t>2022/10/30</a:t>
+              <a:t>2022/11/14</a:t>
             </a:fld>
             <a:endParaRPr lang="zh-TW" altLang="en-US"/>
           </a:p>
@@ -15258,7 +15343,7 @@
           <a:p>
             <a:fld id="{71CFBC5D-DAFB-4263-8CE6-CC74E3B535DB}" type="datetimeFigureOut">
               <a:rPr lang="zh-TW" altLang="en-US" smtClean="0"/>
-              <a:t>2022/10/30</a:t>
+              <a:t>2022/11/14</a:t>
             </a:fld>
             <a:endParaRPr lang="zh-TW" altLang="en-US"/>
           </a:p>
@@ -15384,7 +15469,7 @@
           <a:p>
             <a:fld id="{71CFBC5D-DAFB-4263-8CE6-CC74E3B535DB}" type="datetimeFigureOut">
               <a:rPr lang="zh-TW" altLang="en-US" smtClean="0"/>
-              <a:t>2022/10/30</a:t>
+              <a:t>2022/11/14</a:t>
             </a:fld>
             <a:endParaRPr lang="zh-TW" altLang="en-US"/>
           </a:p>
@@ -15639,7 +15724,7 @@
           <a:p>
             <a:fld id="{71CFBC5D-DAFB-4263-8CE6-CC74E3B535DB}" type="datetimeFigureOut">
               <a:rPr lang="zh-TW" altLang="en-US" smtClean="0"/>
-              <a:t>2022/10/30</a:t>
+              <a:t>2022/11/14</a:t>
             </a:fld>
             <a:endParaRPr lang="zh-TW" altLang="en-US"/>
           </a:p>
@@ -15954,7 +16039,7 @@
           <a:p>
             <a:fld id="{71CFBC5D-DAFB-4263-8CE6-CC74E3B535DB}" type="datetimeFigureOut">
               <a:rPr lang="zh-TW" altLang="en-US" smtClean="0"/>
-              <a:t>2022/10/30</a:t>
+              <a:t>2022/11/14</a:t>
             </a:fld>
             <a:endParaRPr lang="zh-TW" altLang="en-US"/>
           </a:p>
@@ -16305,7 +16390,7 @@
           <a:p>
             <a:fld id="{71CFBC5D-DAFB-4263-8CE6-CC74E3B535DB}" type="datetimeFigureOut">
               <a:rPr lang="zh-TW" altLang="en-US" smtClean="0"/>
-              <a:t>2022/10/30</a:t>
+              <a:t>2022/11/14</a:t>
             </a:fld>
             <a:endParaRPr lang="zh-TW" altLang="en-US"/>
           </a:p>
@@ -27076,6 +27161,889 @@
           <p:cNvPr id="2" name="標題 1">
             <a:extLst>
               <a:ext uri="{FF2B5EF4-FFF2-40B4-BE49-F238E27FC236}">
+                <a16:creationId xmlns:a16="http://schemas.microsoft.com/office/drawing/2014/main" id="{26411A8C-D2F8-E8C9-8D77-3D2B10E2E015}"/>
+              </a:ext>
+            </a:extLst>
+          </p:cNvPr>
+          <p:cNvSpPr>
+            <a:spLocks noGrp="1"/>
+          </p:cNvSpPr>
+          <p:nvPr>
+            <p:ph type="title"/>
+          </p:nvPr>
+        </p:nvSpPr>
+        <p:spPr>
+          <a:xfrm>
+            <a:off x="1295401" y="598431"/>
+            <a:ext cx="9601196" cy="1303867"/>
+          </a:xfrm>
+        </p:spPr>
+        <p:txBody>
+          <a:bodyPr/>
+          <a:lstStyle/>
+          <a:p>
+            <a:r>
+              <a:rPr lang="en-US" altLang="zh-TW" dirty="0"/>
+              <a:t>RS232</a:t>
+            </a:r>
+            <a:r>
+              <a:rPr lang="zh-TW" altLang="en-US" dirty="0"/>
+              <a:t>測試軟體</a:t>
+            </a:r>
+          </a:p>
+        </p:txBody>
+      </p:sp>
+      <p:sp>
+        <p:nvSpPr>
+          <p:cNvPr id="7" name="內容版面配置區 6">
+            <a:extLst>
+              <a:ext uri="{FF2B5EF4-FFF2-40B4-BE49-F238E27FC236}">
+                <a16:creationId xmlns:a16="http://schemas.microsoft.com/office/drawing/2014/main" id="{5EBC240E-D71B-85B4-2F67-8FA3BF8FE2C5}"/>
+              </a:ext>
+            </a:extLst>
+          </p:cNvPr>
+          <p:cNvSpPr>
+            <a:spLocks noGrp="1"/>
+          </p:cNvSpPr>
+          <p:nvPr>
+            <p:ph idx="1"/>
+          </p:nvPr>
+        </p:nvSpPr>
+        <p:spPr/>
+        <p:txBody>
+          <a:bodyPr/>
+          <a:lstStyle/>
+          <a:p>
+            <a:endParaRPr lang="zh-TW" altLang="en-US" dirty="0"/>
+          </a:p>
+        </p:txBody>
+      </p:sp>
+      <p:pic>
+        <p:nvPicPr>
+          <p:cNvPr id="9" name="圖片 8">
+            <a:extLst>
+              <a:ext uri="{FF2B5EF4-FFF2-40B4-BE49-F238E27FC236}">
+                <a16:creationId xmlns:a16="http://schemas.microsoft.com/office/drawing/2014/main" id="{66338C24-1D17-53BF-751A-DC50ED43D2A1}"/>
+              </a:ext>
+            </a:extLst>
+          </p:cNvPr>
+          <p:cNvPicPr>
+            <a:picLocks noChangeAspect="1"/>
+          </p:cNvPicPr>
+          <p:nvPr/>
+        </p:nvPicPr>
+        <p:blipFill rotWithShape="1">
+          <a:blip r:embed="rId3"/>
+          <a:srcRect t="5010" r="49585"/>
+          <a:stretch/>
+        </p:blipFill>
+        <p:spPr>
+          <a:xfrm>
+            <a:off x="1295400" y="1901320"/>
+            <a:ext cx="3495834" cy="4288819"/>
+          </a:xfrm>
+          <a:prstGeom prst="rect">
+            <a:avLst/>
+          </a:prstGeom>
+        </p:spPr>
+      </p:pic>
+      <p:sp>
+        <p:nvSpPr>
+          <p:cNvPr id="13" name="右大括弧 12">
+            <a:extLst>
+              <a:ext uri="{FF2B5EF4-FFF2-40B4-BE49-F238E27FC236}">
+                <a16:creationId xmlns:a16="http://schemas.microsoft.com/office/drawing/2014/main" id="{C61D6913-4E4F-3DE0-C8EA-8009FD5403C5}"/>
+              </a:ext>
+            </a:extLst>
+          </p:cNvPr>
+          <p:cNvSpPr/>
+          <p:nvPr/>
+        </p:nvSpPr>
+        <p:spPr>
+          <a:xfrm>
+            <a:off x="2212516" y="3871565"/>
+            <a:ext cx="135621" cy="410663"/>
+          </a:xfrm>
+          <a:prstGeom prst="rightBrace">
+            <a:avLst/>
+          </a:prstGeom>
+          <a:ln w="12700"/>
+        </p:spPr>
+        <p:style>
+          <a:lnRef idx="1">
+            <a:schemeClr val="accent6"/>
+          </a:lnRef>
+          <a:fillRef idx="0">
+            <a:schemeClr val="accent6"/>
+          </a:fillRef>
+          <a:effectRef idx="0">
+            <a:schemeClr val="accent6"/>
+          </a:effectRef>
+          <a:fontRef idx="minor">
+            <a:schemeClr val="tx1"/>
+          </a:fontRef>
+        </p:style>
+        <p:txBody>
+          <a:bodyPr rtlCol="0" anchor="ctr"/>
+          <a:lstStyle/>
+          <a:p>
+            <a:pPr algn="ctr"/>
+            <a:endParaRPr lang="zh-TW" altLang="en-US"/>
+          </a:p>
+        </p:txBody>
+      </p:sp>
+      <p:sp>
+        <p:nvSpPr>
+          <p:cNvPr id="14" name="右大括弧 13">
+            <a:extLst>
+              <a:ext uri="{FF2B5EF4-FFF2-40B4-BE49-F238E27FC236}">
+                <a16:creationId xmlns:a16="http://schemas.microsoft.com/office/drawing/2014/main" id="{642696BE-38ED-EC1D-0993-04388B6176C1}"/>
+              </a:ext>
+            </a:extLst>
+          </p:cNvPr>
+          <p:cNvSpPr/>
+          <p:nvPr/>
+        </p:nvSpPr>
+        <p:spPr>
+          <a:xfrm>
+            <a:off x="2212516" y="4362385"/>
+            <a:ext cx="135621" cy="500127"/>
+          </a:xfrm>
+          <a:prstGeom prst="rightBrace">
+            <a:avLst/>
+          </a:prstGeom>
+          <a:ln w="12700"/>
+        </p:spPr>
+        <p:style>
+          <a:lnRef idx="1">
+            <a:schemeClr val="accent2"/>
+          </a:lnRef>
+          <a:fillRef idx="0">
+            <a:schemeClr val="accent2"/>
+          </a:fillRef>
+          <a:effectRef idx="0">
+            <a:schemeClr val="accent2"/>
+          </a:effectRef>
+          <a:fontRef idx="minor">
+            <a:schemeClr val="tx1"/>
+          </a:fontRef>
+        </p:style>
+        <p:txBody>
+          <a:bodyPr rtlCol="0" anchor="ctr"/>
+          <a:lstStyle/>
+          <a:p>
+            <a:pPr algn="ctr"/>
+            <a:endParaRPr lang="zh-TW" altLang="en-US"/>
+          </a:p>
+        </p:txBody>
+      </p:sp>
+      <p:sp>
+        <p:nvSpPr>
+          <p:cNvPr id="15" name="右大括弧 14">
+            <a:extLst>
+              <a:ext uri="{FF2B5EF4-FFF2-40B4-BE49-F238E27FC236}">
+                <a16:creationId xmlns:a16="http://schemas.microsoft.com/office/drawing/2014/main" id="{1B17755E-11DC-3EFE-1394-A5B1F1A214B3}"/>
+              </a:ext>
+            </a:extLst>
+          </p:cNvPr>
+          <p:cNvSpPr/>
+          <p:nvPr/>
+        </p:nvSpPr>
+        <p:spPr>
+          <a:xfrm>
+            <a:off x="2217503" y="4958205"/>
+            <a:ext cx="135625" cy="500127"/>
+          </a:xfrm>
+          <a:prstGeom prst="rightBrace">
+            <a:avLst/>
+          </a:prstGeom>
+          <a:ln w="12700"/>
+        </p:spPr>
+        <p:style>
+          <a:lnRef idx="2">
+            <a:schemeClr val="accent4"/>
+          </a:lnRef>
+          <a:fillRef idx="0">
+            <a:schemeClr val="accent4"/>
+          </a:fillRef>
+          <a:effectRef idx="1">
+            <a:schemeClr val="accent4"/>
+          </a:effectRef>
+          <a:fontRef idx="minor">
+            <a:schemeClr val="tx1"/>
+          </a:fontRef>
+        </p:style>
+        <p:txBody>
+          <a:bodyPr rtlCol="0" anchor="ctr"/>
+          <a:lstStyle/>
+          <a:p>
+            <a:pPr algn="ctr"/>
+            <a:endParaRPr lang="zh-TW" altLang="en-US"/>
+          </a:p>
+        </p:txBody>
+      </p:sp>
+      <p:sp>
+        <p:nvSpPr>
+          <p:cNvPr id="17" name="文字方塊 16">
+            <a:extLst>
+              <a:ext uri="{FF2B5EF4-FFF2-40B4-BE49-F238E27FC236}">
+                <a16:creationId xmlns:a16="http://schemas.microsoft.com/office/drawing/2014/main" id="{63C3A004-D922-91CA-31C4-91387701F3AC}"/>
+              </a:ext>
+            </a:extLst>
+          </p:cNvPr>
+          <p:cNvSpPr txBox="1"/>
+          <p:nvPr/>
+        </p:nvSpPr>
+        <p:spPr>
+          <a:xfrm>
+            <a:off x="2388138" y="3951755"/>
+            <a:ext cx="1402627" cy="276999"/>
+          </a:xfrm>
+          <a:prstGeom prst="rect">
+            <a:avLst/>
+          </a:prstGeom>
+          <a:noFill/>
+          <a:ln>
+            <a:solidFill>
+              <a:srgbClr val="DFB442"/>
+            </a:solidFill>
+          </a:ln>
+        </p:spPr>
+        <p:txBody>
+          <a:bodyPr wrap="square" rtlCol="0">
+            <a:spAutoFit/>
+          </a:bodyPr>
+          <a:lstStyle/>
+          <a:p>
+            <a:r>
+              <a:rPr lang="zh-TW" altLang="en-US" sz="1200" b="1" dirty="0">
+                <a:solidFill>
+                  <a:srgbClr val="DEB340"/>
+                </a:solidFill>
+                <a:latin typeface="+mn-ea"/>
+              </a:rPr>
+              <a:t>需加密原始資料</a:t>
+            </a:r>
+          </a:p>
+        </p:txBody>
+      </p:sp>
+      <p:sp>
+        <p:nvSpPr>
+          <p:cNvPr id="18" name="文字方塊 17">
+            <a:extLst>
+              <a:ext uri="{FF2B5EF4-FFF2-40B4-BE49-F238E27FC236}">
+                <a16:creationId xmlns:a16="http://schemas.microsoft.com/office/drawing/2014/main" id="{4D4E51D9-CF15-FAE3-C564-A919FDB561F0}"/>
+              </a:ext>
+            </a:extLst>
+          </p:cNvPr>
+          <p:cNvSpPr txBox="1"/>
+          <p:nvPr/>
+        </p:nvSpPr>
+        <p:spPr>
+          <a:xfrm>
+            <a:off x="2388137" y="4487775"/>
+            <a:ext cx="1204941" cy="307777"/>
+          </a:xfrm>
+          <a:prstGeom prst="rect">
+            <a:avLst/>
+          </a:prstGeom>
+          <a:noFill/>
+          <a:ln>
+            <a:solidFill>
+              <a:srgbClr val="3C9770"/>
+            </a:solidFill>
+          </a:ln>
+        </p:spPr>
+        <p:txBody>
+          <a:bodyPr wrap="square" rtlCol="0">
+            <a:spAutoFit/>
+          </a:bodyPr>
+          <a:lstStyle/>
+          <a:p>
+            <a:r>
+              <a:rPr lang="en-US" altLang="zh-TW" sz="1400" b="1" dirty="0">
+                <a:solidFill>
+                  <a:srgbClr val="3C9770"/>
+                </a:solidFill>
+              </a:rPr>
+              <a:t>key</a:t>
+            </a:r>
+            <a:endParaRPr lang="zh-TW" altLang="en-US" sz="1400" b="1" dirty="0">
+              <a:solidFill>
+                <a:srgbClr val="3C9770"/>
+              </a:solidFill>
+            </a:endParaRPr>
+          </a:p>
+        </p:txBody>
+      </p:sp>
+      <p:sp>
+        <p:nvSpPr>
+          <p:cNvPr id="19" name="文字方塊 18">
+            <a:extLst>
+              <a:ext uri="{FF2B5EF4-FFF2-40B4-BE49-F238E27FC236}">
+                <a16:creationId xmlns:a16="http://schemas.microsoft.com/office/drawing/2014/main" id="{158384DB-647D-E39B-9E06-5A90674B4080}"/>
+              </a:ext>
+            </a:extLst>
+          </p:cNvPr>
+          <p:cNvSpPr txBox="1"/>
+          <p:nvPr/>
+        </p:nvSpPr>
+        <p:spPr>
+          <a:xfrm>
+            <a:off x="2388137" y="5094944"/>
+            <a:ext cx="1204941" cy="276999"/>
+          </a:xfrm>
+          <a:prstGeom prst="rect">
+            <a:avLst/>
+          </a:prstGeom>
+          <a:noFill/>
+          <a:ln>
+            <a:solidFill>
+              <a:srgbClr val="A23C33"/>
+            </a:solidFill>
+          </a:ln>
+        </p:spPr>
+        <p:txBody>
+          <a:bodyPr wrap="square" rtlCol="0">
+            <a:spAutoFit/>
+          </a:bodyPr>
+          <a:lstStyle/>
+          <a:p>
+            <a:r>
+              <a:rPr lang="zh-TW" altLang="en-US" sz="1200" b="1" dirty="0">
+                <a:solidFill>
+                  <a:srgbClr val="A54038"/>
+                </a:solidFill>
+              </a:rPr>
+              <a:t>加密輸出資料</a:t>
+            </a:r>
+          </a:p>
+        </p:txBody>
+      </p:sp>
+      <p:pic>
+        <p:nvPicPr>
+          <p:cNvPr id="21" name="圖片 20">
+            <a:extLst>
+              <a:ext uri="{FF2B5EF4-FFF2-40B4-BE49-F238E27FC236}">
+                <a16:creationId xmlns:a16="http://schemas.microsoft.com/office/drawing/2014/main" id="{FC612DE4-2015-BC73-F48F-5C6D147BB0C2}"/>
+              </a:ext>
+            </a:extLst>
+          </p:cNvPr>
+          <p:cNvPicPr>
+            <a:picLocks noChangeAspect="1"/>
+          </p:cNvPicPr>
+          <p:nvPr/>
+        </p:nvPicPr>
+        <p:blipFill rotWithShape="1">
+          <a:blip r:embed="rId4"/>
+          <a:srcRect l="1" t="5308" r="49342"/>
+          <a:stretch/>
+        </p:blipFill>
+        <p:spPr>
+          <a:xfrm>
+            <a:off x="7281120" y="1902298"/>
+            <a:ext cx="3506826" cy="4288819"/>
+          </a:xfrm>
+          <a:prstGeom prst="rect">
+            <a:avLst/>
+          </a:prstGeom>
+        </p:spPr>
+      </p:pic>
+      <p:sp>
+        <p:nvSpPr>
+          <p:cNvPr id="22" name="右大括弧 21">
+            <a:extLst>
+              <a:ext uri="{FF2B5EF4-FFF2-40B4-BE49-F238E27FC236}">
+                <a16:creationId xmlns:a16="http://schemas.microsoft.com/office/drawing/2014/main" id="{1DACA8B0-5CEC-ECF6-D521-4B97BE7C097C}"/>
+              </a:ext>
+            </a:extLst>
+          </p:cNvPr>
+          <p:cNvSpPr/>
+          <p:nvPr/>
+        </p:nvSpPr>
+        <p:spPr>
+          <a:xfrm>
+            <a:off x="8175335" y="3893017"/>
+            <a:ext cx="123823" cy="501650"/>
+          </a:xfrm>
+          <a:prstGeom prst="rightBrace">
+            <a:avLst/>
+          </a:prstGeom>
+          <a:ln w="12700">
+            <a:solidFill>
+              <a:srgbClr val="A23C33"/>
+            </a:solidFill>
+          </a:ln>
+        </p:spPr>
+        <p:style>
+          <a:lnRef idx="1">
+            <a:schemeClr val="accent6"/>
+          </a:lnRef>
+          <a:fillRef idx="0">
+            <a:schemeClr val="accent6"/>
+          </a:fillRef>
+          <a:effectRef idx="0">
+            <a:schemeClr val="accent6"/>
+          </a:effectRef>
+          <a:fontRef idx="minor">
+            <a:schemeClr val="tx1"/>
+          </a:fontRef>
+        </p:style>
+        <p:txBody>
+          <a:bodyPr rtlCol="0" anchor="ctr"/>
+          <a:lstStyle/>
+          <a:p>
+            <a:pPr algn="ctr"/>
+            <a:endParaRPr lang="zh-TW" altLang="en-US">
+              <a:solidFill>
+                <a:srgbClr val="A23C33"/>
+              </a:solidFill>
+            </a:endParaRPr>
+          </a:p>
+        </p:txBody>
+      </p:sp>
+      <p:sp>
+        <p:nvSpPr>
+          <p:cNvPr id="23" name="文字方塊 22">
+            <a:extLst>
+              <a:ext uri="{FF2B5EF4-FFF2-40B4-BE49-F238E27FC236}">
+                <a16:creationId xmlns:a16="http://schemas.microsoft.com/office/drawing/2014/main" id="{4301608B-7091-E8BD-93AD-63D8C2DD93E6}"/>
+              </a:ext>
+            </a:extLst>
+          </p:cNvPr>
+          <p:cNvSpPr txBox="1"/>
+          <p:nvPr/>
+        </p:nvSpPr>
+        <p:spPr>
+          <a:xfrm>
+            <a:off x="8356307" y="4020731"/>
+            <a:ext cx="1364741" cy="276999"/>
+          </a:xfrm>
+          <a:prstGeom prst="rect">
+            <a:avLst/>
+          </a:prstGeom>
+          <a:noFill/>
+          <a:ln>
+            <a:solidFill>
+              <a:srgbClr val="A23C33"/>
+            </a:solidFill>
+          </a:ln>
+        </p:spPr>
+        <p:txBody>
+          <a:bodyPr wrap="square" rtlCol="0">
+            <a:spAutoFit/>
+          </a:bodyPr>
+          <a:lstStyle/>
+          <a:p>
+            <a:r>
+              <a:rPr lang="zh-TW" altLang="en-US" sz="1200" b="1" dirty="0">
+                <a:solidFill>
+                  <a:srgbClr val="A23C33"/>
+                </a:solidFill>
+              </a:rPr>
+              <a:t>需解密輸入資料</a:t>
+            </a:r>
+          </a:p>
+        </p:txBody>
+      </p:sp>
+      <p:sp>
+        <p:nvSpPr>
+          <p:cNvPr id="24" name="右大括弧 23">
+            <a:extLst>
+              <a:ext uri="{FF2B5EF4-FFF2-40B4-BE49-F238E27FC236}">
+                <a16:creationId xmlns:a16="http://schemas.microsoft.com/office/drawing/2014/main" id="{C4EC9346-0869-BA78-3B30-415A06241EC6}"/>
+              </a:ext>
+            </a:extLst>
+          </p:cNvPr>
+          <p:cNvSpPr/>
+          <p:nvPr/>
+        </p:nvSpPr>
+        <p:spPr>
+          <a:xfrm>
+            <a:off x="8175334" y="4494233"/>
+            <a:ext cx="123825" cy="501650"/>
+          </a:xfrm>
+          <a:prstGeom prst="rightBrace">
+            <a:avLst/>
+          </a:prstGeom>
+          <a:ln w="12700"/>
+        </p:spPr>
+        <p:style>
+          <a:lnRef idx="1">
+            <a:schemeClr val="accent2"/>
+          </a:lnRef>
+          <a:fillRef idx="0">
+            <a:schemeClr val="accent2"/>
+          </a:fillRef>
+          <a:effectRef idx="0">
+            <a:schemeClr val="accent2"/>
+          </a:effectRef>
+          <a:fontRef idx="minor">
+            <a:schemeClr val="tx1"/>
+          </a:fontRef>
+        </p:style>
+        <p:txBody>
+          <a:bodyPr rtlCol="0" anchor="ctr"/>
+          <a:lstStyle/>
+          <a:p>
+            <a:pPr algn="ctr"/>
+            <a:endParaRPr lang="zh-TW" altLang="en-US"/>
+          </a:p>
+        </p:txBody>
+      </p:sp>
+      <p:sp>
+        <p:nvSpPr>
+          <p:cNvPr id="25" name="文字方塊 24">
+            <a:extLst>
+              <a:ext uri="{FF2B5EF4-FFF2-40B4-BE49-F238E27FC236}">
+                <a16:creationId xmlns:a16="http://schemas.microsoft.com/office/drawing/2014/main" id="{FC7CE187-A19C-6469-7733-36EC268ACFB6}"/>
+              </a:ext>
+            </a:extLst>
+          </p:cNvPr>
+          <p:cNvSpPr txBox="1"/>
+          <p:nvPr/>
+        </p:nvSpPr>
+        <p:spPr>
+          <a:xfrm>
+            <a:off x="8353484" y="4591169"/>
+            <a:ext cx="1100138" cy="307777"/>
+          </a:xfrm>
+          <a:prstGeom prst="rect">
+            <a:avLst/>
+          </a:prstGeom>
+          <a:noFill/>
+          <a:ln>
+            <a:solidFill>
+              <a:srgbClr val="3C9770"/>
+            </a:solidFill>
+          </a:ln>
+        </p:spPr>
+        <p:txBody>
+          <a:bodyPr wrap="square" rtlCol="0">
+            <a:spAutoFit/>
+          </a:bodyPr>
+          <a:lstStyle/>
+          <a:p>
+            <a:r>
+              <a:rPr lang="en-US" altLang="zh-TW" sz="1400" b="1" dirty="0">
+                <a:solidFill>
+                  <a:srgbClr val="3C9770"/>
+                </a:solidFill>
+              </a:rPr>
+              <a:t>key</a:t>
+            </a:r>
+            <a:endParaRPr lang="zh-TW" altLang="en-US" sz="1400" b="1" dirty="0">
+              <a:solidFill>
+                <a:srgbClr val="3C9770"/>
+              </a:solidFill>
+            </a:endParaRPr>
+          </a:p>
+        </p:txBody>
+      </p:sp>
+      <p:sp>
+        <p:nvSpPr>
+          <p:cNvPr id="26" name="右大括弧 25">
+            <a:extLst>
+              <a:ext uri="{FF2B5EF4-FFF2-40B4-BE49-F238E27FC236}">
+                <a16:creationId xmlns:a16="http://schemas.microsoft.com/office/drawing/2014/main" id="{79B4F9A0-A2B2-8D40-2555-FC2F6D130C0D}"/>
+              </a:ext>
+            </a:extLst>
+          </p:cNvPr>
+          <p:cNvSpPr/>
+          <p:nvPr/>
+        </p:nvSpPr>
+        <p:spPr>
+          <a:xfrm>
+            <a:off x="8175334" y="5086079"/>
+            <a:ext cx="123828" cy="409846"/>
+          </a:xfrm>
+          <a:prstGeom prst="rightBrace">
+            <a:avLst/>
+          </a:prstGeom>
+          <a:ln w="12700">
+            <a:solidFill>
+              <a:srgbClr val="DEB340"/>
+            </a:solidFill>
+          </a:ln>
+        </p:spPr>
+        <p:style>
+          <a:lnRef idx="2">
+            <a:schemeClr val="accent4"/>
+          </a:lnRef>
+          <a:fillRef idx="0">
+            <a:schemeClr val="accent4"/>
+          </a:fillRef>
+          <a:effectRef idx="1">
+            <a:schemeClr val="accent4"/>
+          </a:effectRef>
+          <a:fontRef idx="minor">
+            <a:schemeClr val="tx1"/>
+          </a:fontRef>
+        </p:style>
+        <p:txBody>
+          <a:bodyPr rtlCol="0" anchor="ctr"/>
+          <a:lstStyle/>
+          <a:p>
+            <a:pPr algn="ctr"/>
+            <a:endParaRPr lang="zh-TW" altLang="en-US"/>
+          </a:p>
+        </p:txBody>
+      </p:sp>
+      <p:sp>
+        <p:nvSpPr>
+          <p:cNvPr id="27" name="文字方塊 26">
+            <a:extLst>
+              <a:ext uri="{FF2B5EF4-FFF2-40B4-BE49-F238E27FC236}">
+                <a16:creationId xmlns:a16="http://schemas.microsoft.com/office/drawing/2014/main" id="{BE2C4B3B-DF91-9C2A-FA1E-18EA61841ADE}"/>
+              </a:ext>
+            </a:extLst>
+          </p:cNvPr>
+          <p:cNvSpPr txBox="1"/>
+          <p:nvPr/>
+        </p:nvSpPr>
+        <p:spPr>
+          <a:xfrm>
+            <a:off x="8356308" y="5149095"/>
+            <a:ext cx="1100138" cy="276999"/>
+          </a:xfrm>
+          <a:prstGeom prst="rect">
+            <a:avLst/>
+          </a:prstGeom>
+          <a:noFill/>
+          <a:ln>
+            <a:solidFill>
+              <a:srgbClr val="DEB340"/>
+            </a:solidFill>
+          </a:ln>
+        </p:spPr>
+        <p:txBody>
+          <a:bodyPr wrap="square" rtlCol="0">
+            <a:spAutoFit/>
+          </a:bodyPr>
+          <a:lstStyle/>
+          <a:p>
+            <a:r>
+              <a:rPr lang="zh-TW" altLang="en-US" sz="1200" b="1" dirty="0">
+                <a:solidFill>
+                  <a:srgbClr val="DFB442"/>
+                </a:solidFill>
+              </a:rPr>
+              <a:t>解密原始資料</a:t>
+            </a:r>
+          </a:p>
+        </p:txBody>
+      </p:sp>
+      <p:sp>
+        <p:nvSpPr>
+          <p:cNvPr id="28" name="文字方塊 27">
+            <a:extLst>
+              <a:ext uri="{FF2B5EF4-FFF2-40B4-BE49-F238E27FC236}">
+                <a16:creationId xmlns:a16="http://schemas.microsoft.com/office/drawing/2014/main" id="{261DA4EE-4F5B-884D-B75E-06150A6465B2}"/>
+              </a:ext>
+            </a:extLst>
+          </p:cNvPr>
+          <p:cNvSpPr txBox="1"/>
+          <p:nvPr/>
+        </p:nvSpPr>
+        <p:spPr>
+          <a:xfrm>
+            <a:off x="4899885" y="3287765"/>
+            <a:ext cx="1322772" cy="369332"/>
+          </a:xfrm>
+          <a:prstGeom prst="rect">
+            <a:avLst/>
+          </a:prstGeom>
+          <a:noFill/>
+          <a:ln w="38100">
+            <a:solidFill>
+              <a:srgbClr val="00B0F0"/>
+            </a:solidFill>
+          </a:ln>
+        </p:spPr>
+        <p:txBody>
+          <a:bodyPr wrap="square" rtlCol="0">
+            <a:spAutoFit/>
+          </a:bodyPr>
+          <a:lstStyle/>
+          <a:p>
+            <a:r>
+              <a:rPr lang="en-US" altLang="zh-TW" dirty="0"/>
+              <a:t>key128</a:t>
+            </a:r>
+            <a:r>
+              <a:rPr lang="zh-TW" altLang="en-US" dirty="0"/>
+              <a:t>加密</a:t>
+            </a:r>
+          </a:p>
+        </p:txBody>
+      </p:sp>
+      <p:sp>
+        <p:nvSpPr>
+          <p:cNvPr id="29" name="文字方塊 28">
+            <a:extLst>
+              <a:ext uri="{FF2B5EF4-FFF2-40B4-BE49-F238E27FC236}">
+                <a16:creationId xmlns:a16="http://schemas.microsoft.com/office/drawing/2014/main" id="{CB5A4A28-0017-A278-203A-EBB62183CF4E}"/>
+              </a:ext>
+            </a:extLst>
+          </p:cNvPr>
+          <p:cNvSpPr txBox="1"/>
+          <p:nvPr/>
+        </p:nvSpPr>
+        <p:spPr>
+          <a:xfrm>
+            <a:off x="5849697" y="5126593"/>
+            <a:ext cx="1322772" cy="369332"/>
+          </a:xfrm>
+          <a:prstGeom prst="rect">
+            <a:avLst/>
+          </a:prstGeom>
+          <a:noFill/>
+          <a:ln w="38100">
+            <a:solidFill>
+              <a:srgbClr val="7030A0"/>
+            </a:solidFill>
+          </a:ln>
+        </p:spPr>
+        <p:txBody>
+          <a:bodyPr wrap="square" rtlCol="0">
+            <a:spAutoFit/>
+          </a:bodyPr>
+          <a:lstStyle/>
+          <a:p>
+            <a:r>
+              <a:rPr lang="en-US" altLang="zh-TW" dirty="0"/>
+              <a:t>key128</a:t>
+            </a:r>
+            <a:r>
+              <a:rPr lang="zh-TW" altLang="en-US" dirty="0"/>
+              <a:t>解密</a:t>
+            </a:r>
+          </a:p>
+        </p:txBody>
+      </p:sp>
+      <p:cxnSp>
+        <p:nvCxnSpPr>
+          <p:cNvPr id="31" name="直線單箭頭接點 30">
+            <a:extLst>
+              <a:ext uri="{FF2B5EF4-FFF2-40B4-BE49-F238E27FC236}">
+                <a16:creationId xmlns:a16="http://schemas.microsoft.com/office/drawing/2014/main" id="{D0E805AF-E651-3C89-87E9-D118BAA42810}"/>
+              </a:ext>
+            </a:extLst>
+          </p:cNvPr>
+          <p:cNvCxnSpPr>
+            <a:cxnSpLocks/>
+          </p:cNvCxnSpPr>
+          <p:nvPr/>
+        </p:nvCxnSpPr>
+        <p:spPr>
+          <a:xfrm flipH="1">
+            <a:off x="4899885" y="3657097"/>
+            <a:ext cx="396201" cy="447962"/>
+          </a:xfrm>
+          <a:prstGeom prst="straightConnector1">
+            <a:avLst/>
+          </a:prstGeom>
+          <a:ln w="57150">
+            <a:solidFill>
+              <a:srgbClr val="00B0F0"/>
+            </a:solidFill>
+            <a:tailEnd type="triangle"/>
+          </a:ln>
+        </p:spPr>
+        <p:style>
+          <a:lnRef idx="1">
+            <a:schemeClr val="accent1"/>
+          </a:lnRef>
+          <a:fillRef idx="0">
+            <a:schemeClr val="accent1"/>
+          </a:fillRef>
+          <a:effectRef idx="0">
+            <a:schemeClr val="accent1"/>
+          </a:effectRef>
+          <a:fontRef idx="minor">
+            <a:schemeClr val="tx1"/>
+          </a:fontRef>
+        </p:style>
+      </p:cxnSp>
+      <p:cxnSp>
+        <p:nvCxnSpPr>
+          <p:cNvPr id="35" name="直線單箭頭接點 34">
+            <a:extLst>
+              <a:ext uri="{FF2B5EF4-FFF2-40B4-BE49-F238E27FC236}">
+                <a16:creationId xmlns:a16="http://schemas.microsoft.com/office/drawing/2014/main" id="{9114BB77-175A-D9EE-DCF1-041E965902D3}"/>
+              </a:ext>
+            </a:extLst>
+          </p:cNvPr>
+          <p:cNvCxnSpPr>
+            <a:cxnSpLocks/>
+          </p:cNvCxnSpPr>
+          <p:nvPr/>
+        </p:nvCxnSpPr>
+        <p:spPr>
+          <a:xfrm flipV="1">
+            <a:off x="6819799" y="4678631"/>
+            <a:ext cx="406996" cy="447962"/>
+          </a:xfrm>
+          <a:prstGeom prst="straightConnector1">
+            <a:avLst/>
+          </a:prstGeom>
+          <a:ln w="57150">
+            <a:solidFill>
+              <a:srgbClr val="7030A0"/>
+            </a:solidFill>
+            <a:tailEnd type="triangle"/>
+          </a:ln>
+        </p:spPr>
+        <p:style>
+          <a:lnRef idx="1">
+            <a:schemeClr val="accent1"/>
+          </a:lnRef>
+          <a:fillRef idx="0">
+            <a:schemeClr val="accent1"/>
+          </a:fillRef>
+          <a:effectRef idx="0">
+            <a:schemeClr val="accent1"/>
+          </a:effectRef>
+          <a:fontRef idx="minor">
+            <a:schemeClr val="tx1"/>
+          </a:fontRef>
+        </p:style>
+      </p:cxnSp>
+    </p:spTree>
+    <p:extLst>
+      <p:ext uri="{BB962C8B-B14F-4D97-AF65-F5344CB8AC3E}">
+        <p14:creationId xmlns:p14="http://schemas.microsoft.com/office/powerpoint/2010/main" val="4210445903"/>
+      </p:ext>
+    </p:extLst>
+  </p:cSld>
+  <p:clrMapOvr>
+    <a:masterClrMapping/>
+  </p:clrMapOvr>
+</p:sld>
+</file>
+
+<file path=ppt/slides/slide16.xml><?xml version="1.0" encoding="utf-8"?>
+<p:sld xmlns:a="http://schemas.openxmlformats.org/drawingml/2006/main" xmlns:r="http://schemas.openxmlformats.org/officeDocument/2006/relationships" xmlns:p="http://schemas.openxmlformats.org/presentationml/2006/main">
+  <p:cSld>
+    <p:spTree>
+      <p:nvGrpSpPr>
+        <p:cNvPr id="1" name=""/>
+        <p:cNvGrpSpPr/>
+        <p:nvPr/>
+      </p:nvGrpSpPr>
+      <p:grpSpPr>
+        <a:xfrm>
+          <a:off x="0" y="0"/>
+          <a:ext cx="0" cy="0"/>
+          <a:chOff x="0" y="0"/>
+          <a:chExt cx="0" cy="0"/>
+        </a:xfrm>
+      </p:grpSpPr>
+      <p:sp>
+        <p:nvSpPr>
+          <p:cNvPr id="2" name="標題 1">
+            <a:extLst>
+              <a:ext uri="{FF2B5EF4-FFF2-40B4-BE49-F238E27FC236}">
                 <a16:creationId xmlns:a16="http://schemas.microsoft.com/office/drawing/2014/main" id="{3D1A2159-44B6-4ABD-9875-E47CC606ADAC}"/>
               </a:ext>
             </a:extLst>
@@ -27147,7 +28115,7 @@
 </p:sld>
 </file>
 
-<file path=ppt/slides/slide16.xml><?xml version="1.0" encoding="utf-8"?>
+<file path=ppt/slides/slide17.xml><?xml version="1.0" encoding="utf-8"?>
 <p:sld xmlns:a="http://schemas.openxmlformats.org/drawingml/2006/main" xmlns:r="http://schemas.openxmlformats.org/officeDocument/2006/relationships" xmlns:p="http://schemas.openxmlformats.org/presentationml/2006/main">
   <p:cSld>
     <p:spTree>
